--- a/Wasserfallmodell.pptx
+++ b/Wasserfallmodell.pptx
@@ -3,11 +3,18 @@
 <p:presentation xmlns:a="http://schemas.openxmlformats.org/drawingml/2006/main" xmlns:p="http://schemas.openxmlformats.org/presentationml/2006/main" xmlns:r="http://schemas.openxmlformats.org/officeDocument/2006/relationships" xmlns:p14="http://schemas.microsoft.com/office/powerpoint/2010/main" xmlns:p15="http://schemas.microsoft.com/office/powerpoint/2012/main" xmlns:mc="http://schemas.openxmlformats.org/markup-compatibility/2006">
   <p:sldMasterIdLst>
     <p:sldMasterId id="2147483648" r:id="rId2"/>
+    <p:sldMasterId id="2147483661" r:id="rId3"/>
+    <p:sldMasterId id="2147483674" r:id="rId4"/>
+    <p:sldMasterId id="2147483687" r:id="rId5"/>
   </p:sldMasterIdLst>
   <p:sldIdLst>
-    <p:sldId id="256" r:id="rId3"/>
-    <p:sldId id="257" r:id="rId4"/>
-    <p:sldId id="258" r:id="rId5"/>
+    <p:sldId id="256" r:id="rId6"/>
+    <p:sldId id="257" r:id="rId7"/>
+    <p:sldId id="258" r:id="rId8"/>
+    <p:sldId id="259" r:id="rId9"/>
+    <p:sldId id="260" r:id="rId10"/>
+    <p:sldId id="261" r:id="rId11"/>
+    <p:sldId id="262" r:id="rId12"/>
   </p:sldIdLst>
   <p:sldSz cx="10080625" cy="7559675"/>
   <p:notesSz cx="7559675" cy="10691812"/>
@@ -66,7 +73,7 @@
         <p:spPr>
           <a:xfrm>
             <a:off x="504000" y="301320"/>
-            <a:ext cx="9071280" cy="1261800"/>
+            <a:ext cx="9070560" cy="1261080"/>
           </a:xfrm>
           <a:prstGeom prst="rect">
             <a:avLst/>
@@ -103,7 +110,7 @@
         <p:spPr>
           <a:xfrm>
             <a:off x="504000" y="1768680"/>
-            <a:ext cx="9072000" cy="2090880"/>
+            <a:ext cx="9071280" cy="2090520"/>
           </a:xfrm>
           <a:prstGeom prst="rect">
             <a:avLst/>
@@ -138,8 +145,8 @@
         </p:nvSpPr>
         <p:spPr>
           <a:xfrm>
-            <a:off x="504000" y="4058640"/>
-            <a:ext cx="9072000" cy="2090880"/>
+            <a:off x="504000" y="4058280"/>
+            <a:ext cx="9071280" cy="2090520"/>
           </a:xfrm>
           <a:prstGeom prst="rect">
             <a:avLst/>
@@ -197,7 +204,7 @@
         <p:spPr>
           <a:xfrm>
             <a:off x="504000" y="301320"/>
-            <a:ext cx="9071280" cy="1261800"/>
+            <a:ext cx="9070560" cy="1261080"/>
           </a:xfrm>
           <a:prstGeom prst="rect">
             <a:avLst/>
@@ -234,7 +241,7 @@
         <p:spPr>
           <a:xfrm>
             <a:off x="504000" y="1768680"/>
-            <a:ext cx="4426920" cy="2090880"/>
+            <a:ext cx="4426560" cy="2090520"/>
           </a:xfrm>
           <a:prstGeom prst="rect">
             <a:avLst/>
@@ -269,8 +276,8 @@
         </p:nvSpPr>
         <p:spPr>
           <a:xfrm>
-            <a:off x="5152680" y="1768680"/>
-            <a:ext cx="4426920" cy="2090880"/>
+            <a:off x="5152320" y="1768680"/>
+            <a:ext cx="4426560" cy="2090520"/>
           </a:xfrm>
           <a:prstGeom prst="rect">
             <a:avLst/>
@@ -305,8 +312,8 @@
         </p:nvSpPr>
         <p:spPr>
           <a:xfrm>
-            <a:off x="5152680" y="4058640"/>
-            <a:ext cx="4426920" cy="2090880"/>
+            <a:off x="5152320" y="4058280"/>
+            <a:ext cx="4426560" cy="2090520"/>
           </a:xfrm>
           <a:prstGeom prst="rect">
             <a:avLst/>
@@ -341,8 +348,8 @@
         </p:nvSpPr>
         <p:spPr>
           <a:xfrm>
-            <a:off x="504000" y="4058640"/>
-            <a:ext cx="4426920" cy="2090880"/>
+            <a:off x="504000" y="4058280"/>
+            <a:ext cx="4426560" cy="2090520"/>
           </a:xfrm>
           <a:prstGeom prst="rect">
             <a:avLst/>
@@ -400,7 +407,7 @@
         <p:spPr>
           <a:xfrm>
             <a:off x="504000" y="301320"/>
-            <a:ext cx="9071280" cy="1261800"/>
+            <a:ext cx="9070560" cy="1261080"/>
           </a:xfrm>
           <a:prstGeom prst="rect">
             <a:avLst/>
@@ -437,7 +444,7 @@
         <p:spPr>
           <a:xfrm>
             <a:off x="504000" y="1768680"/>
-            <a:ext cx="9072000" cy="4384080"/>
+            <a:ext cx="9071280" cy="4383360"/>
           </a:xfrm>
           <a:prstGeom prst="rect">
             <a:avLst/>
@@ -473,7 +480,7 @@
         <p:spPr>
           <a:xfrm>
             <a:off x="504000" y="1768680"/>
-            <a:ext cx="9072000" cy="4384080"/>
+            <a:ext cx="9071280" cy="4383360"/>
           </a:xfrm>
           <a:prstGeom prst="rect">
             <a:avLst/>
@@ -508,8 +515,8 @@
         </p:blipFill>
         <p:spPr>
           <a:xfrm>
-            <a:off x="2292480" y="1768680"/>
-            <a:ext cx="5494680" cy="4384080"/>
+            <a:off x="2292840" y="1768680"/>
+            <a:ext cx="5493600" cy="4383360"/>
           </a:xfrm>
           <a:prstGeom prst="rect">
             <a:avLst/>
@@ -531,8 +538,8 @@
         </p:blipFill>
         <p:spPr>
           <a:xfrm>
-            <a:off x="2292480" y="1768680"/>
-            <a:ext cx="5494680" cy="4384080"/>
+            <a:off x="2292840" y="1768680"/>
+            <a:ext cx="5493600" cy="4383360"/>
           </a:xfrm>
           <a:prstGeom prst="rect">
             <a:avLst/>
@@ -542,6 +549,635 @@
           </a:ln>
         </p:spPr>
       </p:pic>
+    </p:spTree>
+  </p:cSld>
+</p:sldLayout>
+</file>
+
+<file path=ppt/slideLayouts/slideLayout13.xml><?xml version="1.0" encoding="utf-8"?>
+<p:sldLayout xmlns:a="http://schemas.openxmlformats.org/drawingml/2006/main" xmlns:p="http://schemas.openxmlformats.org/presentationml/2006/main" xmlns:r="http://schemas.openxmlformats.org/officeDocument/2006/relationships" xmlns:p14="http://schemas.microsoft.com/office/powerpoint/2010/main" xmlns:p15="http://schemas.microsoft.com/office/powerpoint/2012/main" xmlns:mc="http://schemas.openxmlformats.org/markup-compatibility/2006" type="blank" preserve="1">
+  <p:cSld name="Blank Slide">
+    <p:spTree>
+      <p:nvGrpSpPr>
+        <p:cNvPr id="1" name=""/>
+        <p:cNvGrpSpPr/>
+        <p:nvPr/>
+      </p:nvGrpSpPr>
+      <p:grpSpPr>
+        <a:xfrm>
+          <a:off x="0" y="0"/>
+          <a:ext cx="0" cy="0"/>
+          <a:chOff x="0" y="0"/>
+          <a:chExt cx="0" cy="0"/>
+        </a:xfrm>
+      </p:grpSpPr>
+    </p:spTree>
+  </p:cSld>
+</p:sldLayout>
+</file>
+
+<file path=ppt/slideLayouts/slideLayout14.xml><?xml version="1.0" encoding="utf-8"?>
+<p:sldLayout xmlns:a="http://schemas.openxmlformats.org/drawingml/2006/main" xmlns:p="http://schemas.openxmlformats.org/presentationml/2006/main" xmlns:r="http://schemas.openxmlformats.org/officeDocument/2006/relationships" xmlns:p14="http://schemas.microsoft.com/office/powerpoint/2010/main" xmlns:p15="http://schemas.microsoft.com/office/powerpoint/2012/main" xmlns:mc="http://schemas.openxmlformats.org/markup-compatibility/2006" type="tx" preserve="1">
+  <p:cSld name="Title Slide">
+    <p:spTree>
+      <p:nvGrpSpPr>
+        <p:cNvPr id="1" name=""/>
+        <p:cNvGrpSpPr/>
+        <p:nvPr/>
+      </p:nvGrpSpPr>
+      <p:grpSpPr>
+        <a:xfrm>
+          <a:off x="0" y="0"/>
+          <a:ext cx="0" cy="0"/>
+          <a:chOff x="0" y="0"/>
+          <a:chExt cx="0" cy="0"/>
+        </a:xfrm>
+      </p:grpSpPr>
+      <p:sp>
+        <p:nvSpPr>
+          <p:cNvPr id="38" name="PlaceHolder 1"/>
+          <p:cNvSpPr>
+            <a:spLocks noGrp="1"/>
+          </p:cNvSpPr>
+          <p:nvPr>
+            <p:ph type="title"/>
+          </p:nvPr>
+        </p:nvSpPr>
+        <p:spPr>
+          <a:xfrm>
+            <a:off x="504000" y="301320"/>
+            <a:ext cx="9070560" cy="1261080"/>
+          </a:xfrm>
+          <a:prstGeom prst="rect">
+            <a:avLst/>
+          </a:prstGeom>
+        </p:spPr>
+        <p:txBody>
+          <a:bodyPr lIns="0" rIns="0" tIns="0" bIns="0" anchor="ctr"/>
+          <a:p>
+            <a:pPr algn="ctr"/>
+            <a:endParaRPr b="0" lang="de-DE" sz="4400" spc="-1" strike="noStrike">
+              <a:solidFill>
+                <a:srgbClr val="000000"/>
+              </a:solidFill>
+              <a:uFill>
+                <a:solidFill>
+                  <a:srgbClr val="ffffff"/>
+                </a:solidFill>
+              </a:uFill>
+              <a:latin typeface="Arial"/>
+            </a:endParaRPr>
+          </a:p>
+        </p:txBody>
+      </p:sp>
+      <p:sp>
+        <p:nvSpPr>
+          <p:cNvPr id="39" name="PlaceHolder 2"/>
+          <p:cNvSpPr>
+            <a:spLocks noGrp="1"/>
+          </p:cNvSpPr>
+          <p:nvPr>
+            <p:ph type="subTitle"/>
+          </p:nvPr>
+        </p:nvSpPr>
+        <p:spPr>
+          <a:xfrm>
+            <a:off x="504000" y="1768680"/>
+            <a:ext cx="9071280" cy="4383360"/>
+          </a:xfrm>
+          <a:prstGeom prst="rect">
+            <a:avLst/>
+          </a:prstGeom>
+        </p:spPr>
+        <p:txBody>
+          <a:bodyPr lIns="0" rIns="0" tIns="0" bIns="0" anchor="ctr"/>
+          <a:p>
+            <a:pPr algn="ctr"/>
+            <a:endParaRPr b="0" lang="de-DE" sz="3200" spc="-1" strike="noStrike">
+              <a:solidFill>
+                <a:srgbClr val="000000"/>
+              </a:solidFill>
+              <a:uFill>
+                <a:solidFill>
+                  <a:srgbClr val="ffffff"/>
+                </a:solidFill>
+              </a:uFill>
+              <a:latin typeface="Arial"/>
+            </a:endParaRPr>
+          </a:p>
+        </p:txBody>
+      </p:sp>
+    </p:spTree>
+  </p:cSld>
+</p:sldLayout>
+</file>
+
+<file path=ppt/slideLayouts/slideLayout15.xml><?xml version="1.0" encoding="utf-8"?>
+<p:sldLayout xmlns:a="http://schemas.openxmlformats.org/drawingml/2006/main" xmlns:p="http://schemas.openxmlformats.org/presentationml/2006/main" xmlns:r="http://schemas.openxmlformats.org/officeDocument/2006/relationships" xmlns:p14="http://schemas.microsoft.com/office/powerpoint/2010/main" xmlns:p15="http://schemas.microsoft.com/office/powerpoint/2012/main" xmlns:mc="http://schemas.openxmlformats.org/markup-compatibility/2006" type="obj" preserve="1">
+  <p:cSld name="Title, Content">
+    <p:spTree>
+      <p:nvGrpSpPr>
+        <p:cNvPr id="1" name=""/>
+        <p:cNvGrpSpPr/>
+        <p:nvPr/>
+      </p:nvGrpSpPr>
+      <p:grpSpPr>
+        <a:xfrm>
+          <a:off x="0" y="0"/>
+          <a:ext cx="0" cy="0"/>
+          <a:chOff x="0" y="0"/>
+          <a:chExt cx="0" cy="0"/>
+        </a:xfrm>
+      </p:grpSpPr>
+      <p:sp>
+        <p:nvSpPr>
+          <p:cNvPr id="40" name="PlaceHolder 1"/>
+          <p:cNvSpPr>
+            <a:spLocks noGrp="1"/>
+          </p:cNvSpPr>
+          <p:nvPr>
+            <p:ph type="title"/>
+          </p:nvPr>
+        </p:nvSpPr>
+        <p:spPr>
+          <a:xfrm>
+            <a:off x="504000" y="301320"/>
+            <a:ext cx="9070560" cy="1261080"/>
+          </a:xfrm>
+          <a:prstGeom prst="rect">
+            <a:avLst/>
+          </a:prstGeom>
+        </p:spPr>
+        <p:txBody>
+          <a:bodyPr lIns="0" rIns="0" tIns="0" bIns="0" anchor="ctr"/>
+          <a:p>
+            <a:pPr algn="ctr"/>
+            <a:endParaRPr b="0" lang="de-DE" sz="4400" spc="-1" strike="noStrike">
+              <a:solidFill>
+                <a:srgbClr val="000000"/>
+              </a:solidFill>
+              <a:uFill>
+                <a:solidFill>
+                  <a:srgbClr val="ffffff"/>
+                </a:solidFill>
+              </a:uFill>
+              <a:latin typeface="Arial"/>
+            </a:endParaRPr>
+          </a:p>
+        </p:txBody>
+      </p:sp>
+      <p:sp>
+        <p:nvSpPr>
+          <p:cNvPr id="41" name="PlaceHolder 2"/>
+          <p:cNvSpPr>
+            <a:spLocks noGrp="1"/>
+          </p:cNvSpPr>
+          <p:nvPr>
+            <p:ph type="body"/>
+          </p:nvPr>
+        </p:nvSpPr>
+        <p:spPr>
+          <a:xfrm>
+            <a:off x="504000" y="1768680"/>
+            <a:ext cx="9071280" cy="4383360"/>
+          </a:xfrm>
+          <a:prstGeom prst="rect">
+            <a:avLst/>
+          </a:prstGeom>
+        </p:spPr>
+        <p:txBody>
+          <a:bodyPr lIns="0" rIns="0" tIns="0" bIns="0"/>
+          <a:p>
+            <a:endParaRPr b="0" lang="de-DE" sz="3200" spc="-1" strike="noStrike">
+              <a:solidFill>
+                <a:srgbClr val="000000"/>
+              </a:solidFill>
+              <a:uFill>
+                <a:solidFill>
+                  <a:srgbClr val="ffffff"/>
+                </a:solidFill>
+              </a:uFill>
+              <a:latin typeface="Arial"/>
+            </a:endParaRPr>
+          </a:p>
+        </p:txBody>
+      </p:sp>
+    </p:spTree>
+  </p:cSld>
+</p:sldLayout>
+</file>
+
+<file path=ppt/slideLayouts/slideLayout16.xml><?xml version="1.0" encoding="utf-8"?>
+<p:sldLayout xmlns:a="http://schemas.openxmlformats.org/drawingml/2006/main" xmlns:p="http://schemas.openxmlformats.org/presentationml/2006/main" xmlns:r="http://schemas.openxmlformats.org/officeDocument/2006/relationships" xmlns:p14="http://schemas.microsoft.com/office/powerpoint/2010/main" xmlns:p15="http://schemas.microsoft.com/office/powerpoint/2012/main" xmlns:mc="http://schemas.openxmlformats.org/markup-compatibility/2006" type="twoObj" preserve="1">
+  <p:cSld name="Title, 2 Content">
+    <p:spTree>
+      <p:nvGrpSpPr>
+        <p:cNvPr id="1" name=""/>
+        <p:cNvGrpSpPr/>
+        <p:nvPr/>
+      </p:nvGrpSpPr>
+      <p:grpSpPr>
+        <a:xfrm>
+          <a:off x="0" y="0"/>
+          <a:ext cx="0" cy="0"/>
+          <a:chOff x="0" y="0"/>
+          <a:chExt cx="0" cy="0"/>
+        </a:xfrm>
+      </p:grpSpPr>
+      <p:sp>
+        <p:nvSpPr>
+          <p:cNvPr id="42" name="PlaceHolder 1"/>
+          <p:cNvSpPr>
+            <a:spLocks noGrp="1"/>
+          </p:cNvSpPr>
+          <p:nvPr>
+            <p:ph type="title"/>
+          </p:nvPr>
+        </p:nvSpPr>
+        <p:spPr>
+          <a:xfrm>
+            <a:off x="504000" y="301320"/>
+            <a:ext cx="9070560" cy="1261080"/>
+          </a:xfrm>
+          <a:prstGeom prst="rect">
+            <a:avLst/>
+          </a:prstGeom>
+        </p:spPr>
+        <p:txBody>
+          <a:bodyPr lIns="0" rIns="0" tIns="0" bIns="0" anchor="ctr"/>
+          <a:p>
+            <a:pPr algn="ctr"/>
+            <a:endParaRPr b="0" lang="de-DE" sz="4400" spc="-1" strike="noStrike">
+              <a:solidFill>
+                <a:srgbClr val="000000"/>
+              </a:solidFill>
+              <a:uFill>
+                <a:solidFill>
+                  <a:srgbClr val="ffffff"/>
+                </a:solidFill>
+              </a:uFill>
+              <a:latin typeface="Arial"/>
+            </a:endParaRPr>
+          </a:p>
+        </p:txBody>
+      </p:sp>
+      <p:sp>
+        <p:nvSpPr>
+          <p:cNvPr id="43" name="PlaceHolder 2"/>
+          <p:cNvSpPr>
+            <a:spLocks noGrp="1"/>
+          </p:cNvSpPr>
+          <p:nvPr>
+            <p:ph type="body"/>
+          </p:nvPr>
+        </p:nvSpPr>
+        <p:spPr>
+          <a:xfrm>
+            <a:off x="504000" y="1768680"/>
+            <a:ext cx="4426560" cy="4383360"/>
+          </a:xfrm>
+          <a:prstGeom prst="rect">
+            <a:avLst/>
+          </a:prstGeom>
+        </p:spPr>
+        <p:txBody>
+          <a:bodyPr lIns="0" rIns="0" tIns="0" bIns="0"/>
+          <a:p>
+            <a:endParaRPr b="0" lang="de-DE" sz="3200" spc="-1" strike="noStrike">
+              <a:solidFill>
+                <a:srgbClr val="000000"/>
+              </a:solidFill>
+              <a:uFill>
+                <a:solidFill>
+                  <a:srgbClr val="ffffff"/>
+                </a:solidFill>
+              </a:uFill>
+              <a:latin typeface="Arial"/>
+            </a:endParaRPr>
+          </a:p>
+        </p:txBody>
+      </p:sp>
+      <p:sp>
+        <p:nvSpPr>
+          <p:cNvPr id="44" name="PlaceHolder 3"/>
+          <p:cNvSpPr>
+            <a:spLocks noGrp="1"/>
+          </p:cNvSpPr>
+          <p:nvPr>
+            <p:ph type="body"/>
+          </p:nvPr>
+        </p:nvSpPr>
+        <p:spPr>
+          <a:xfrm>
+            <a:off x="5152320" y="1768680"/>
+            <a:ext cx="4426560" cy="4383360"/>
+          </a:xfrm>
+          <a:prstGeom prst="rect">
+            <a:avLst/>
+          </a:prstGeom>
+        </p:spPr>
+        <p:txBody>
+          <a:bodyPr lIns="0" rIns="0" tIns="0" bIns="0"/>
+          <a:p>
+            <a:endParaRPr b="0" lang="de-DE" sz="3200" spc="-1" strike="noStrike">
+              <a:solidFill>
+                <a:srgbClr val="000000"/>
+              </a:solidFill>
+              <a:uFill>
+                <a:solidFill>
+                  <a:srgbClr val="ffffff"/>
+                </a:solidFill>
+              </a:uFill>
+              <a:latin typeface="Arial"/>
+            </a:endParaRPr>
+          </a:p>
+        </p:txBody>
+      </p:sp>
+    </p:spTree>
+  </p:cSld>
+</p:sldLayout>
+</file>
+
+<file path=ppt/slideLayouts/slideLayout17.xml><?xml version="1.0" encoding="utf-8"?>
+<p:sldLayout xmlns:a="http://schemas.openxmlformats.org/drawingml/2006/main" xmlns:p="http://schemas.openxmlformats.org/presentationml/2006/main" xmlns:r="http://schemas.openxmlformats.org/officeDocument/2006/relationships" xmlns:p14="http://schemas.microsoft.com/office/powerpoint/2010/main" xmlns:p15="http://schemas.microsoft.com/office/powerpoint/2012/main" xmlns:mc="http://schemas.openxmlformats.org/markup-compatibility/2006" type="titleOnly" preserve="1">
+  <p:cSld name="Title Only">
+    <p:spTree>
+      <p:nvGrpSpPr>
+        <p:cNvPr id="1" name=""/>
+        <p:cNvGrpSpPr/>
+        <p:nvPr/>
+      </p:nvGrpSpPr>
+      <p:grpSpPr>
+        <a:xfrm>
+          <a:off x="0" y="0"/>
+          <a:ext cx="0" cy="0"/>
+          <a:chOff x="0" y="0"/>
+          <a:chExt cx="0" cy="0"/>
+        </a:xfrm>
+      </p:grpSpPr>
+      <p:sp>
+        <p:nvSpPr>
+          <p:cNvPr id="45" name="PlaceHolder 1"/>
+          <p:cNvSpPr>
+            <a:spLocks noGrp="1"/>
+          </p:cNvSpPr>
+          <p:nvPr>
+            <p:ph type="title"/>
+          </p:nvPr>
+        </p:nvSpPr>
+        <p:spPr>
+          <a:xfrm>
+            <a:off x="504000" y="301320"/>
+            <a:ext cx="9070560" cy="1261080"/>
+          </a:xfrm>
+          <a:prstGeom prst="rect">
+            <a:avLst/>
+          </a:prstGeom>
+        </p:spPr>
+        <p:txBody>
+          <a:bodyPr lIns="0" rIns="0" tIns="0" bIns="0" anchor="ctr"/>
+          <a:p>
+            <a:pPr algn="ctr"/>
+            <a:endParaRPr b="0" lang="de-DE" sz="4400" spc="-1" strike="noStrike">
+              <a:solidFill>
+                <a:srgbClr val="000000"/>
+              </a:solidFill>
+              <a:uFill>
+                <a:solidFill>
+                  <a:srgbClr val="ffffff"/>
+                </a:solidFill>
+              </a:uFill>
+              <a:latin typeface="Arial"/>
+            </a:endParaRPr>
+          </a:p>
+        </p:txBody>
+      </p:sp>
+    </p:spTree>
+  </p:cSld>
+</p:sldLayout>
+</file>
+
+<file path=ppt/slideLayouts/slideLayout18.xml><?xml version="1.0" encoding="utf-8"?>
+<p:sldLayout xmlns:a="http://schemas.openxmlformats.org/drawingml/2006/main" xmlns:p="http://schemas.openxmlformats.org/presentationml/2006/main" xmlns:r="http://schemas.openxmlformats.org/officeDocument/2006/relationships" xmlns:p14="http://schemas.microsoft.com/office/powerpoint/2010/main" xmlns:p15="http://schemas.microsoft.com/office/powerpoint/2012/main" xmlns:mc="http://schemas.openxmlformats.org/markup-compatibility/2006" type="objOnly" preserve="1">
+  <p:cSld name="Centered Text">
+    <p:spTree>
+      <p:nvGrpSpPr>
+        <p:cNvPr id="1" name=""/>
+        <p:cNvGrpSpPr/>
+        <p:nvPr/>
+      </p:nvGrpSpPr>
+      <p:grpSpPr>
+        <a:xfrm>
+          <a:off x="0" y="0"/>
+          <a:ext cx="0" cy="0"/>
+          <a:chOff x="0" y="0"/>
+          <a:chExt cx="0" cy="0"/>
+        </a:xfrm>
+      </p:grpSpPr>
+      <p:sp>
+        <p:nvSpPr>
+          <p:cNvPr id="46" name="PlaceHolder 1"/>
+          <p:cNvSpPr>
+            <a:spLocks noGrp="1"/>
+          </p:cNvSpPr>
+          <p:nvPr>
+            <p:ph type="subTitle"/>
+          </p:nvPr>
+        </p:nvSpPr>
+        <p:spPr>
+          <a:xfrm>
+            <a:off x="504000" y="301320"/>
+            <a:ext cx="9070560" cy="5846760"/>
+          </a:xfrm>
+          <a:prstGeom prst="rect">
+            <a:avLst/>
+          </a:prstGeom>
+        </p:spPr>
+        <p:txBody>
+          <a:bodyPr lIns="0" rIns="0" tIns="0" bIns="0" anchor="ctr"/>
+          <a:p>
+            <a:pPr algn="ctr"/>
+            <a:endParaRPr b="0" lang="de-DE" sz="3200" spc="-1" strike="noStrike">
+              <a:solidFill>
+                <a:srgbClr val="000000"/>
+              </a:solidFill>
+              <a:uFill>
+                <a:solidFill>
+                  <a:srgbClr val="ffffff"/>
+                </a:solidFill>
+              </a:uFill>
+              <a:latin typeface="Arial"/>
+            </a:endParaRPr>
+          </a:p>
+        </p:txBody>
+      </p:sp>
+    </p:spTree>
+  </p:cSld>
+</p:sldLayout>
+</file>
+
+<file path=ppt/slideLayouts/slideLayout19.xml><?xml version="1.0" encoding="utf-8"?>
+<p:sldLayout xmlns:a="http://schemas.openxmlformats.org/drawingml/2006/main" xmlns:p="http://schemas.openxmlformats.org/presentationml/2006/main" xmlns:r="http://schemas.openxmlformats.org/officeDocument/2006/relationships" xmlns:p14="http://schemas.microsoft.com/office/powerpoint/2010/main" xmlns:p15="http://schemas.microsoft.com/office/powerpoint/2012/main" xmlns:mc="http://schemas.openxmlformats.org/markup-compatibility/2006" type="twoObjAndObj" preserve="1">
+  <p:cSld name="Title, 2 Content and Content">
+    <p:spTree>
+      <p:nvGrpSpPr>
+        <p:cNvPr id="1" name=""/>
+        <p:cNvGrpSpPr/>
+        <p:nvPr/>
+      </p:nvGrpSpPr>
+      <p:grpSpPr>
+        <a:xfrm>
+          <a:off x="0" y="0"/>
+          <a:ext cx="0" cy="0"/>
+          <a:chOff x="0" y="0"/>
+          <a:chExt cx="0" cy="0"/>
+        </a:xfrm>
+      </p:grpSpPr>
+      <p:sp>
+        <p:nvSpPr>
+          <p:cNvPr id="47" name="PlaceHolder 1"/>
+          <p:cNvSpPr>
+            <a:spLocks noGrp="1"/>
+          </p:cNvSpPr>
+          <p:nvPr>
+            <p:ph type="title"/>
+          </p:nvPr>
+        </p:nvSpPr>
+        <p:spPr>
+          <a:xfrm>
+            <a:off x="504000" y="301320"/>
+            <a:ext cx="9070560" cy="1261080"/>
+          </a:xfrm>
+          <a:prstGeom prst="rect">
+            <a:avLst/>
+          </a:prstGeom>
+        </p:spPr>
+        <p:txBody>
+          <a:bodyPr lIns="0" rIns="0" tIns="0" bIns="0" anchor="ctr"/>
+          <a:p>
+            <a:pPr algn="ctr"/>
+            <a:endParaRPr b="0" lang="de-DE" sz="4400" spc="-1" strike="noStrike">
+              <a:solidFill>
+                <a:srgbClr val="000000"/>
+              </a:solidFill>
+              <a:uFill>
+                <a:solidFill>
+                  <a:srgbClr val="ffffff"/>
+                </a:solidFill>
+              </a:uFill>
+              <a:latin typeface="Arial"/>
+            </a:endParaRPr>
+          </a:p>
+        </p:txBody>
+      </p:sp>
+      <p:sp>
+        <p:nvSpPr>
+          <p:cNvPr id="48" name="PlaceHolder 2"/>
+          <p:cNvSpPr>
+            <a:spLocks noGrp="1"/>
+          </p:cNvSpPr>
+          <p:nvPr>
+            <p:ph type="body"/>
+          </p:nvPr>
+        </p:nvSpPr>
+        <p:spPr>
+          <a:xfrm>
+            <a:off x="504000" y="1768680"/>
+            <a:ext cx="4426560" cy="2090520"/>
+          </a:xfrm>
+          <a:prstGeom prst="rect">
+            <a:avLst/>
+          </a:prstGeom>
+        </p:spPr>
+        <p:txBody>
+          <a:bodyPr lIns="0" rIns="0" tIns="0" bIns="0"/>
+          <a:p>
+            <a:endParaRPr b="0" lang="de-DE" sz="3200" spc="-1" strike="noStrike">
+              <a:solidFill>
+                <a:srgbClr val="000000"/>
+              </a:solidFill>
+              <a:uFill>
+                <a:solidFill>
+                  <a:srgbClr val="ffffff"/>
+                </a:solidFill>
+              </a:uFill>
+              <a:latin typeface="Arial"/>
+            </a:endParaRPr>
+          </a:p>
+        </p:txBody>
+      </p:sp>
+      <p:sp>
+        <p:nvSpPr>
+          <p:cNvPr id="49" name="PlaceHolder 3"/>
+          <p:cNvSpPr>
+            <a:spLocks noGrp="1"/>
+          </p:cNvSpPr>
+          <p:nvPr>
+            <p:ph type="body"/>
+          </p:nvPr>
+        </p:nvSpPr>
+        <p:spPr>
+          <a:xfrm>
+            <a:off x="504000" y="4058280"/>
+            <a:ext cx="4426560" cy="2090520"/>
+          </a:xfrm>
+          <a:prstGeom prst="rect">
+            <a:avLst/>
+          </a:prstGeom>
+        </p:spPr>
+        <p:txBody>
+          <a:bodyPr lIns="0" rIns="0" tIns="0" bIns="0"/>
+          <a:p>
+            <a:endParaRPr b="0" lang="de-DE" sz="3200" spc="-1" strike="noStrike">
+              <a:solidFill>
+                <a:srgbClr val="000000"/>
+              </a:solidFill>
+              <a:uFill>
+                <a:solidFill>
+                  <a:srgbClr val="ffffff"/>
+                </a:solidFill>
+              </a:uFill>
+              <a:latin typeface="Arial"/>
+            </a:endParaRPr>
+          </a:p>
+        </p:txBody>
+      </p:sp>
+      <p:sp>
+        <p:nvSpPr>
+          <p:cNvPr id="50" name="PlaceHolder 4"/>
+          <p:cNvSpPr>
+            <a:spLocks noGrp="1"/>
+          </p:cNvSpPr>
+          <p:nvPr>
+            <p:ph type="body"/>
+          </p:nvPr>
+        </p:nvSpPr>
+        <p:spPr>
+          <a:xfrm>
+            <a:off x="5152320" y="1768680"/>
+            <a:ext cx="4426560" cy="4383360"/>
+          </a:xfrm>
+          <a:prstGeom prst="rect">
+            <a:avLst/>
+          </a:prstGeom>
+        </p:spPr>
+        <p:txBody>
+          <a:bodyPr lIns="0" rIns="0" tIns="0" bIns="0"/>
+          <a:p>
+            <a:endParaRPr b="0" lang="de-DE" sz="3200" spc="-1" strike="noStrike">
+              <a:solidFill>
+                <a:srgbClr val="000000"/>
+              </a:solidFill>
+              <a:uFill>
+                <a:solidFill>
+                  <a:srgbClr val="ffffff"/>
+                </a:solidFill>
+              </a:uFill>
+              <a:latin typeface="Arial"/>
+            </a:endParaRPr>
+          </a:p>
+        </p:txBody>
+      </p:sp>
     </p:spTree>
   </p:cSld>
 </p:sldLayout>
@@ -577,7 +1213,7 @@
         <p:spPr>
           <a:xfrm>
             <a:off x="504000" y="301320"/>
-            <a:ext cx="9071280" cy="1261800"/>
+            <a:ext cx="9070560" cy="1261080"/>
           </a:xfrm>
           <a:prstGeom prst="rect">
             <a:avLst/>
@@ -614,7 +1250,7 @@
         <p:spPr>
           <a:xfrm>
             <a:off x="504000" y="1768680"/>
-            <a:ext cx="9072000" cy="4384080"/>
+            <a:ext cx="9071280" cy="4383360"/>
           </a:xfrm>
           <a:prstGeom prst="rect">
             <a:avLst/>
@@ -625,6 +1261,1254 @@
           <a:p>
             <a:pPr algn="ctr"/>
             <a:endParaRPr b="0" lang="de-DE" sz="3200" spc="-1" strike="noStrike">
+              <a:solidFill>
+                <a:srgbClr val="000000"/>
+              </a:solidFill>
+              <a:uFill>
+                <a:solidFill>
+                  <a:srgbClr val="ffffff"/>
+                </a:solidFill>
+              </a:uFill>
+              <a:latin typeface="Arial"/>
+            </a:endParaRPr>
+          </a:p>
+        </p:txBody>
+      </p:sp>
+    </p:spTree>
+  </p:cSld>
+</p:sldLayout>
+</file>
+
+<file path=ppt/slideLayouts/slideLayout20.xml><?xml version="1.0" encoding="utf-8"?>
+<p:sldLayout xmlns:a="http://schemas.openxmlformats.org/drawingml/2006/main" xmlns:p="http://schemas.openxmlformats.org/presentationml/2006/main" xmlns:r="http://schemas.openxmlformats.org/officeDocument/2006/relationships" xmlns:p14="http://schemas.microsoft.com/office/powerpoint/2010/main" xmlns:p15="http://schemas.microsoft.com/office/powerpoint/2012/main" xmlns:mc="http://schemas.openxmlformats.org/markup-compatibility/2006" type="objAndTwoObj" preserve="1">
+  <p:cSld name="Title Content and 2 Content">
+    <p:spTree>
+      <p:nvGrpSpPr>
+        <p:cNvPr id="1" name=""/>
+        <p:cNvGrpSpPr/>
+        <p:nvPr/>
+      </p:nvGrpSpPr>
+      <p:grpSpPr>
+        <a:xfrm>
+          <a:off x="0" y="0"/>
+          <a:ext cx="0" cy="0"/>
+          <a:chOff x="0" y="0"/>
+          <a:chExt cx="0" cy="0"/>
+        </a:xfrm>
+      </p:grpSpPr>
+      <p:sp>
+        <p:nvSpPr>
+          <p:cNvPr id="51" name="PlaceHolder 1"/>
+          <p:cNvSpPr>
+            <a:spLocks noGrp="1"/>
+          </p:cNvSpPr>
+          <p:nvPr>
+            <p:ph type="title"/>
+          </p:nvPr>
+        </p:nvSpPr>
+        <p:spPr>
+          <a:xfrm>
+            <a:off x="504000" y="301320"/>
+            <a:ext cx="9070560" cy="1261080"/>
+          </a:xfrm>
+          <a:prstGeom prst="rect">
+            <a:avLst/>
+          </a:prstGeom>
+        </p:spPr>
+        <p:txBody>
+          <a:bodyPr lIns="0" rIns="0" tIns="0" bIns="0" anchor="ctr"/>
+          <a:p>
+            <a:pPr algn="ctr"/>
+            <a:endParaRPr b="0" lang="de-DE" sz="4400" spc="-1" strike="noStrike">
+              <a:solidFill>
+                <a:srgbClr val="000000"/>
+              </a:solidFill>
+              <a:uFill>
+                <a:solidFill>
+                  <a:srgbClr val="ffffff"/>
+                </a:solidFill>
+              </a:uFill>
+              <a:latin typeface="Arial"/>
+            </a:endParaRPr>
+          </a:p>
+        </p:txBody>
+      </p:sp>
+      <p:sp>
+        <p:nvSpPr>
+          <p:cNvPr id="52" name="PlaceHolder 2"/>
+          <p:cNvSpPr>
+            <a:spLocks noGrp="1"/>
+          </p:cNvSpPr>
+          <p:nvPr>
+            <p:ph type="body"/>
+          </p:nvPr>
+        </p:nvSpPr>
+        <p:spPr>
+          <a:xfrm>
+            <a:off x="504000" y="1768680"/>
+            <a:ext cx="4426560" cy="4383360"/>
+          </a:xfrm>
+          <a:prstGeom prst="rect">
+            <a:avLst/>
+          </a:prstGeom>
+        </p:spPr>
+        <p:txBody>
+          <a:bodyPr lIns="0" rIns="0" tIns="0" bIns="0"/>
+          <a:p>
+            <a:endParaRPr b="0" lang="de-DE" sz="3200" spc="-1" strike="noStrike">
+              <a:solidFill>
+                <a:srgbClr val="000000"/>
+              </a:solidFill>
+              <a:uFill>
+                <a:solidFill>
+                  <a:srgbClr val="ffffff"/>
+                </a:solidFill>
+              </a:uFill>
+              <a:latin typeface="Arial"/>
+            </a:endParaRPr>
+          </a:p>
+        </p:txBody>
+      </p:sp>
+      <p:sp>
+        <p:nvSpPr>
+          <p:cNvPr id="53" name="PlaceHolder 3"/>
+          <p:cNvSpPr>
+            <a:spLocks noGrp="1"/>
+          </p:cNvSpPr>
+          <p:nvPr>
+            <p:ph type="body"/>
+          </p:nvPr>
+        </p:nvSpPr>
+        <p:spPr>
+          <a:xfrm>
+            <a:off x="5152320" y="1768680"/>
+            <a:ext cx="4426560" cy="2090520"/>
+          </a:xfrm>
+          <a:prstGeom prst="rect">
+            <a:avLst/>
+          </a:prstGeom>
+        </p:spPr>
+        <p:txBody>
+          <a:bodyPr lIns="0" rIns="0" tIns="0" bIns="0"/>
+          <a:p>
+            <a:endParaRPr b="0" lang="de-DE" sz="3200" spc="-1" strike="noStrike">
+              <a:solidFill>
+                <a:srgbClr val="000000"/>
+              </a:solidFill>
+              <a:uFill>
+                <a:solidFill>
+                  <a:srgbClr val="ffffff"/>
+                </a:solidFill>
+              </a:uFill>
+              <a:latin typeface="Arial"/>
+            </a:endParaRPr>
+          </a:p>
+        </p:txBody>
+      </p:sp>
+      <p:sp>
+        <p:nvSpPr>
+          <p:cNvPr id="54" name="PlaceHolder 4"/>
+          <p:cNvSpPr>
+            <a:spLocks noGrp="1"/>
+          </p:cNvSpPr>
+          <p:nvPr>
+            <p:ph type="body"/>
+          </p:nvPr>
+        </p:nvSpPr>
+        <p:spPr>
+          <a:xfrm>
+            <a:off x="5152320" y="4058280"/>
+            <a:ext cx="4426560" cy="2090520"/>
+          </a:xfrm>
+          <a:prstGeom prst="rect">
+            <a:avLst/>
+          </a:prstGeom>
+        </p:spPr>
+        <p:txBody>
+          <a:bodyPr lIns="0" rIns="0" tIns="0" bIns="0"/>
+          <a:p>
+            <a:endParaRPr b="0" lang="de-DE" sz="3200" spc="-1" strike="noStrike">
+              <a:solidFill>
+                <a:srgbClr val="000000"/>
+              </a:solidFill>
+              <a:uFill>
+                <a:solidFill>
+                  <a:srgbClr val="ffffff"/>
+                </a:solidFill>
+              </a:uFill>
+              <a:latin typeface="Arial"/>
+            </a:endParaRPr>
+          </a:p>
+        </p:txBody>
+      </p:sp>
+    </p:spTree>
+  </p:cSld>
+</p:sldLayout>
+</file>
+
+<file path=ppt/slideLayouts/slideLayout21.xml><?xml version="1.0" encoding="utf-8"?>
+<p:sldLayout xmlns:a="http://schemas.openxmlformats.org/drawingml/2006/main" xmlns:p="http://schemas.openxmlformats.org/presentationml/2006/main" xmlns:r="http://schemas.openxmlformats.org/officeDocument/2006/relationships" xmlns:p14="http://schemas.microsoft.com/office/powerpoint/2010/main" xmlns:p15="http://schemas.microsoft.com/office/powerpoint/2012/main" xmlns:mc="http://schemas.openxmlformats.org/markup-compatibility/2006" type="twoObjOverTx" preserve="1">
+  <p:cSld name="Title, 2 Content over Content">
+    <p:spTree>
+      <p:nvGrpSpPr>
+        <p:cNvPr id="1" name=""/>
+        <p:cNvGrpSpPr/>
+        <p:nvPr/>
+      </p:nvGrpSpPr>
+      <p:grpSpPr>
+        <a:xfrm>
+          <a:off x="0" y="0"/>
+          <a:ext cx="0" cy="0"/>
+          <a:chOff x="0" y="0"/>
+          <a:chExt cx="0" cy="0"/>
+        </a:xfrm>
+      </p:grpSpPr>
+      <p:sp>
+        <p:nvSpPr>
+          <p:cNvPr id="55" name="PlaceHolder 1"/>
+          <p:cNvSpPr>
+            <a:spLocks noGrp="1"/>
+          </p:cNvSpPr>
+          <p:nvPr>
+            <p:ph type="title"/>
+          </p:nvPr>
+        </p:nvSpPr>
+        <p:spPr>
+          <a:xfrm>
+            <a:off x="504000" y="301320"/>
+            <a:ext cx="9070560" cy="1261080"/>
+          </a:xfrm>
+          <a:prstGeom prst="rect">
+            <a:avLst/>
+          </a:prstGeom>
+        </p:spPr>
+        <p:txBody>
+          <a:bodyPr lIns="0" rIns="0" tIns="0" bIns="0" anchor="ctr"/>
+          <a:p>
+            <a:pPr algn="ctr"/>
+            <a:endParaRPr b="0" lang="de-DE" sz="4400" spc="-1" strike="noStrike">
+              <a:solidFill>
+                <a:srgbClr val="000000"/>
+              </a:solidFill>
+              <a:uFill>
+                <a:solidFill>
+                  <a:srgbClr val="ffffff"/>
+                </a:solidFill>
+              </a:uFill>
+              <a:latin typeface="Arial"/>
+            </a:endParaRPr>
+          </a:p>
+        </p:txBody>
+      </p:sp>
+      <p:sp>
+        <p:nvSpPr>
+          <p:cNvPr id="56" name="PlaceHolder 2"/>
+          <p:cNvSpPr>
+            <a:spLocks noGrp="1"/>
+          </p:cNvSpPr>
+          <p:nvPr>
+            <p:ph type="body"/>
+          </p:nvPr>
+        </p:nvSpPr>
+        <p:spPr>
+          <a:xfrm>
+            <a:off x="504000" y="1768680"/>
+            <a:ext cx="4426560" cy="2090520"/>
+          </a:xfrm>
+          <a:prstGeom prst="rect">
+            <a:avLst/>
+          </a:prstGeom>
+        </p:spPr>
+        <p:txBody>
+          <a:bodyPr lIns="0" rIns="0" tIns="0" bIns="0"/>
+          <a:p>
+            <a:endParaRPr b="0" lang="de-DE" sz="3200" spc="-1" strike="noStrike">
+              <a:solidFill>
+                <a:srgbClr val="000000"/>
+              </a:solidFill>
+              <a:uFill>
+                <a:solidFill>
+                  <a:srgbClr val="ffffff"/>
+                </a:solidFill>
+              </a:uFill>
+              <a:latin typeface="Arial"/>
+            </a:endParaRPr>
+          </a:p>
+        </p:txBody>
+      </p:sp>
+      <p:sp>
+        <p:nvSpPr>
+          <p:cNvPr id="57" name="PlaceHolder 3"/>
+          <p:cNvSpPr>
+            <a:spLocks noGrp="1"/>
+          </p:cNvSpPr>
+          <p:nvPr>
+            <p:ph type="body"/>
+          </p:nvPr>
+        </p:nvSpPr>
+        <p:spPr>
+          <a:xfrm>
+            <a:off x="5152320" y="1768680"/>
+            <a:ext cx="4426560" cy="2090520"/>
+          </a:xfrm>
+          <a:prstGeom prst="rect">
+            <a:avLst/>
+          </a:prstGeom>
+        </p:spPr>
+        <p:txBody>
+          <a:bodyPr lIns="0" rIns="0" tIns="0" bIns="0"/>
+          <a:p>
+            <a:endParaRPr b="0" lang="de-DE" sz="3200" spc="-1" strike="noStrike">
+              <a:solidFill>
+                <a:srgbClr val="000000"/>
+              </a:solidFill>
+              <a:uFill>
+                <a:solidFill>
+                  <a:srgbClr val="ffffff"/>
+                </a:solidFill>
+              </a:uFill>
+              <a:latin typeface="Arial"/>
+            </a:endParaRPr>
+          </a:p>
+        </p:txBody>
+      </p:sp>
+      <p:sp>
+        <p:nvSpPr>
+          <p:cNvPr id="58" name="PlaceHolder 4"/>
+          <p:cNvSpPr>
+            <a:spLocks noGrp="1"/>
+          </p:cNvSpPr>
+          <p:nvPr>
+            <p:ph type="body"/>
+          </p:nvPr>
+        </p:nvSpPr>
+        <p:spPr>
+          <a:xfrm>
+            <a:off x="504000" y="4058280"/>
+            <a:ext cx="9071280" cy="2090520"/>
+          </a:xfrm>
+          <a:prstGeom prst="rect">
+            <a:avLst/>
+          </a:prstGeom>
+        </p:spPr>
+        <p:txBody>
+          <a:bodyPr lIns="0" rIns="0" tIns="0" bIns="0"/>
+          <a:p>
+            <a:endParaRPr b="0" lang="de-DE" sz="3200" spc="-1" strike="noStrike">
+              <a:solidFill>
+                <a:srgbClr val="000000"/>
+              </a:solidFill>
+              <a:uFill>
+                <a:solidFill>
+                  <a:srgbClr val="ffffff"/>
+                </a:solidFill>
+              </a:uFill>
+              <a:latin typeface="Arial"/>
+            </a:endParaRPr>
+          </a:p>
+        </p:txBody>
+      </p:sp>
+    </p:spTree>
+  </p:cSld>
+</p:sldLayout>
+</file>
+
+<file path=ppt/slideLayouts/slideLayout22.xml><?xml version="1.0" encoding="utf-8"?>
+<p:sldLayout xmlns:a="http://schemas.openxmlformats.org/drawingml/2006/main" xmlns:p="http://schemas.openxmlformats.org/presentationml/2006/main" xmlns:r="http://schemas.openxmlformats.org/officeDocument/2006/relationships" xmlns:p14="http://schemas.microsoft.com/office/powerpoint/2010/main" xmlns:p15="http://schemas.microsoft.com/office/powerpoint/2012/main" xmlns:mc="http://schemas.openxmlformats.org/markup-compatibility/2006" type="objOverTx" preserve="1">
+  <p:cSld name="Title, Content over Content">
+    <p:spTree>
+      <p:nvGrpSpPr>
+        <p:cNvPr id="1" name=""/>
+        <p:cNvGrpSpPr/>
+        <p:nvPr/>
+      </p:nvGrpSpPr>
+      <p:grpSpPr>
+        <a:xfrm>
+          <a:off x="0" y="0"/>
+          <a:ext cx="0" cy="0"/>
+          <a:chOff x="0" y="0"/>
+          <a:chExt cx="0" cy="0"/>
+        </a:xfrm>
+      </p:grpSpPr>
+      <p:sp>
+        <p:nvSpPr>
+          <p:cNvPr id="59" name="PlaceHolder 1"/>
+          <p:cNvSpPr>
+            <a:spLocks noGrp="1"/>
+          </p:cNvSpPr>
+          <p:nvPr>
+            <p:ph type="title"/>
+          </p:nvPr>
+        </p:nvSpPr>
+        <p:spPr>
+          <a:xfrm>
+            <a:off x="504000" y="301320"/>
+            <a:ext cx="9070560" cy="1261080"/>
+          </a:xfrm>
+          <a:prstGeom prst="rect">
+            <a:avLst/>
+          </a:prstGeom>
+        </p:spPr>
+        <p:txBody>
+          <a:bodyPr lIns="0" rIns="0" tIns="0" bIns="0" anchor="ctr"/>
+          <a:p>
+            <a:pPr algn="ctr"/>
+            <a:endParaRPr b="0" lang="de-DE" sz="4400" spc="-1" strike="noStrike">
+              <a:solidFill>
+                <a:srgbClr val="000000"/>
+              </a:solidFill>
+              <a:uFill>
+                <a:solidFill>
+                  <a:srgbClr val="ffffff"/>
+                </a:solidFill>
+              </a:uFill>
+              <a:latin typeface="Arial"/>
+            </a:endParaRPr>
+          </a:p>
+        </p:txBody>
+      </p:sp>
+      <p:sp>
+        <p:nvSpPr>
+          <p:cNvPr id="60" name="PlaceHolder 2"/>
+          <p:cNvSpPr>
+            <a:spLocks noGrp="1"/>
+          </p:cNvSpPr>
+          <p:nvPr>
+            <p:ph type="body"/>
+          </p:nvPr>
+        </p:nvSpPr>
+        <p:spPr>
+          <a:xfrm>
+            <a:off x="504000" y="1768680"/>
+            <a:ext cx="9071280" cy="2090520"/>
+          </a:xfrm>
+          <a:prstGeom prst="rect">
+            <a:avLst/>
+          </a:prstGeom>
+        </p:spPr>
+        <p:txBody>
+          <a:bodyPr lIns="0" rIns="0" tIns="0" bIns="0"/>
+          <a:p>
+            <a:endParaRPr b="0" lang="de-DE" sz="3200" spc="-1" strike="noStrike">
+              <a:solidFill>
+                <a:srgbClr val="000000"/>
+              </a:solidFill>
+              <a:uFill>
+                <a:solidFill>
+                  <a:srgbClr val="ffffff"/>
+                </a:solidFill>
+              </a:uFill>
+              <a:latin typeface="Arial"/>
+            </a:endParaRPr>
+          </a:p>
+        </p:txBody>
+      </p:sp>
+      <p:sp>
+        <p:nvSpPr>
+          <p:cNvPr id="61" name="PlaceHolder 3"/>
+          <p:cNvSpPr>
+            <a:spLocks noGrp="1"/>
+          </p:cNvSpPr>
+          <p:nvPr>
+            <p:ph type="body"/>
+          </p:nvPr>
+        </p:nvSpPr>
+        <p:spPr>
+          <a:xfrm>
+            <a:off x="504000" y="4058280"/>
+            <a:ext cx="9071280" cy="2090520"/>
+          </a:xfrm>
+          <a:prstGeom prst="rect">
+            <a:avLst/>
+          </a:prstGeom>
+        </p:spPr>
+        <p:txBody>
+          <a:bodyPr lIns="0" rIns="0" tIns="0" bIns="0"/>
+          <a:p>
+            <a:endParaRPr b="0" lang="de-DE" sz="3200" spc="-1" strike="noStrike">
+              <a:solidFill>
+                <a:srgbClr val="000000"/>
+              </a:solidFill>
+              <a:uFill>
+                <a:solidFill>
+                  <a:srgbClr val="ffffff"/>
+                </a:solidFill>
+              </a:uFill>
+              <a:latin typeface="Arial"/>
+            </a:endParaRPr>
+          </a:p>
+        </p:txBody>
+      </p:sp>
+    </p:spTree>
+  </p:cSld>
+</p:sldLayout>
+</file>
+
+<file path=ppt/slideLayouts/slideLayout23.xml><?xml version="1.0" encoding="utf-8"?>
+<p:sldLayout xmlns:a="http://schemas.openxmlformats.org/drawingml/2006/main" xmlns:p="http://schemas.openxmlformats.org/presentationml/2006/main" xmlns:r="http://schemas.openxmlformats.org/officeDocument/2006/relationships" xmlns:p14="http://schemas.microsoft.com/office/powerpoint/2010/main" xmlns:p15="http://schemas.microsoft.com/office/powerpoint/2012/main" xmlns:mc="http://schemas.openxmlformats.org/markup-compatibility/2006" type="fourObj" preserve="1">
+  <p:cSld name="Title, 4 Content">
+    <p:spTree>
+      <p:nvGrpSpPr>
+        <p:cNvPr id="1" name=""/>
+        <p:cNvGrpSpPr/>
+        <p:nvPr/>
+      </p:nvGrpSpPr>
+      <p:grpSpPr>
+        <a:xfrm>
+          <a:off x="0" y="0"/>
+          <a:ext cx="0" cy="0"/>
+          <a:chOff x="0" y="0"/>
+          <a:chExt cx="0" cy="0"/>
+        </a:xfrm>
+      </p:grpSpPr>
+      <p:sp>
+        <p:nvSpPr>
+          <p:cNvPr id="62" name="PlaceHolder 1"/>
+          <p:cNvSpPr>
+            <a:spLocks noGrp="1"/>
+          </p:cNvSpPr>
+          <p:nvPr>
+            <p:ph type="title"/>
+          </p:nvPr>
+        </p:nvSpPr>
+        <p:spPr>
+          <a:xfrm>
+            <a:off x="504000" y="301320"/>
+            <a:ext cx="9070560" cy="1261080"/>
+          </a:xfrm>
+          <a:prstGeom prst="rect">
+            <a:avLst/>
+          </a:prstGeom>
+        </p:spPr>
+        <p:txBody>
+          <a:bodyPr lIns="0" rIns="0" tIns="0" bIns="0" anchor="ctr"/>
+          <a:p>
+            <a:pPr algn="ctr"/>
+            <a:endParaRPr b="0" lang="de-DE" sz="4400" spc="-1" strike="noStrike">
+              <a:solidFill>
+                <a:srgbClr val="000000"/>
+              </a:solidFill>
+              <a:uFill>
+                <a:solidFill>
+                  <a:srgbClr val="ffffff"/>
+                </a:solidFill>
+              </a:uFill>
+              <a:latin typeface="Arial"/>
+            </a:endParaRPr>
+          </a:p>
+        </p:txBody>
+      </p:sp>
+      <p:sp>
+        <p:nvSpPr>
+          <p:cNvPr id="63" name="PlaceHolder 2"/>
+          <p:cNvSpPr>
+            <a:spLocks noGrp="1"/>
+          </p:cNvSpPr>
+          <p:nvPr>
+            <p:ph type="body"/>
+          </p:nvPr>
+        </p:nvSpPr>
+        <p:spPr>
+          <a:xfrm>
+            <a:off x="504000" y="1768680"/>
+            <a:ext cx="4426560" cy="2090520"/>
+          </a:xfrm>
+          <a:prstGeom prst="rect">
+            <a:avLst/>
+          </a:prstGeom>
+        </p:spPr>
+        <p:txBody>
+          <a:bodyPr lIns="0" rIns="0" tIns="0" bIns="0"/>
+          <a:p>
+            <a:endParaRPr b="0" lang="de-DE" sz="3200" spc="-1" strike="noStrike">
+              <a:solidFill>
+                <a:srgbClr val="000000"/>
+              </a:solidFill>
+              <a:uFill>
+                <a:solidFill>
+                  <a:srgbClr val="ffffff"/>
+                </a:solidFill>
+              </a:uFill>
+              <a:latin typeface="Arial"/>
+            </a:endParaRPr>
+          </a:p>
+        </p:txBody>
+      </p:sp>
+      <p:sp>
+        <p:nvSpPr>
+          <p:cNvPr id="64" name="PlaceHolder 3"/>
+          <p:cNvSpPr>
+            <a:spLocks noGrp="1"/>
+          </p:cNvSpPr>
+          <p:nvPr>
+            <p:ph type="body"/>
+          </p:nvPr>
+        </p:nvSpPr>
+        <p:spPr>
+          <a:xfrm>
+            <a:off x="5152320" y="1768680"/>
+            <a:ext cx="4426560" cy="2090520"/>
+          </a:xfrm>
+          <a:prstGeom prst="rect">
+            <a:avLst/>
+          </a:prstGeom>
+        </p:spPr>
+        <p:txBody>
+          <a:bodyPr lIns="0" rIns="0" tIns="0" bIns="0"/>
+          <a:p>
+            <a:endParaRPr b="0" lang="de-DE" sz="3200" spc="-1" strike="noStrike">
+              <a:solidFill>
+                <a:srgbClr val="000000"/>
+              </a:solidFill>
+              <a:uFill>
+                <a:solidFill>
+                  <a:srgbClr val="ffffff"/>
+                </a:solidFill>
+              </a:uFill>
+              <a:latin typeface="Arial"/>
+            </a:endParaRPr>
+          </a:p>
+        </p:txBody>
+      </p:sp>
+      <p:sp>
+        <p:nvSpPr>
+          <p:cNvPr id="65" name="PlaceHolder 4"/>
+          <p:cNvSpPr>
+            <a:spLocks noGrp="1"/>
+          </p:cNvSpPr>
+          <p:nvPr>
+            <p:ph type="body"/>
+          </p:nvPr>
+        </p:nvSpPr>
+        <p:spPr>
+          <a:xfrm>
+            <a:off x="5152320" y="4058280"/>
+            <a:ext cx="4426560" cy="2090520"/>
+          </a:xfrm>
+          <a:prstGeom prst="rect">
+            <a:avLst/>
+          </a:prstGeom>
+        </p:spPr>
+        <p:txBody>
+          <a:bodyPr lIns="0" rIns="0" tIns="0" bIns="0"/>
+          <a:p>
+            <a:endParaRPr b="0" lang="de-DE" sz="3200" spc="-1" strike="noStrike">
+              <a:solidFill>
+                <a:srgbClr val="000000"/>
+              </a:solidFill>
+              <a:uFill>
+                <a:solidFill>
+                  <a:srgbClr val="ffffff"/>
+                </a:solidFill>
+              </a:uFill>
+              <a:latin typeface="Arial"/>
+            </a:endParaRPr>
+          </a:p>
+        </p:txBody>
+      </p:sp>
+      <p:sp>
+        <p:nvSpPr>
+          <p:cNvPr id="66" name="PlaceHolder 5"/>
+          <p:cNvSpPr>
+            <a:spLocks noGrp="1"/>
+          </p:cNvSpPr>
+          <p:nvPr>
+            <p:ph type="body"/>
+          </p:nvPr>
+        </p:nvSpPr>
+        <p:spPr>
+          <a:xfrm>
+            <a:off x="504000" y="4058280"/>
+            <a:ext cx="4426560" cy="2090520"/>
+          </a:xfrm>
+          <a:prstGeom prst="rect">
+            <a:avLst/>
+          </a:prstGeom>
+        </p:spPr>
+        <p:txBody>
+          <a:bodyPr lIns="0" rIns="0" tIns="0" bIns="0"/>
+          <a:p>
+            <a:endParaRPr b="0" lang="de-DE" sz="3200" spc="-1" strike="noStrike">
+              <a:solidFill>
+                <a:srgbClr val="000000"/>
+              </a:solidFill>
+              <a:uFill>
+                <a:solidFill>
+                  <a:srgbClr val="ffffff"/>
+                </a:solidFill>
+              </a:uFill>
+              <a:latin typeface="Arial"/>
+            </a:endParaRPr>
+          </a:p>
+        </p:txBody>
+      </p:sp>
+    </p:spTree>
+  </p:cSld>
+</p:sldLayout>
+</file>
+
+<file path=ppt/slideLayouts/slideLayout24.xml><?xml version="1.0" encoding="utf-8"?>
+<p:sldLayout xmlns:a="http://schemas.openxmlformats.org/drawingml/2006/main" xmlns:p="http://schemas.openxmlformats.org/presentationml/2006/main" xmlns:r="http://schemas.openxmlformats.org/officeDocument/2006/relationships" xmlns:p14="http://schemas.microsoft.com/office/powerpoint/2010/main" xmlns:p15="http://schemas.microsoft.com/office/powerpoint/2012/main" xmlns:mc="http://schemas.openxmlformats.org/markup-compatibility/2006" type="blank" preserve="1">
+  <p:cSld name="Title, 6 Content">
+    <p:spTree>
+      <p:nvGrpSpPr>
+        <p:cNvPr id="1" name=""/>
+        <p:cNvGrpSpPr/>
+        <p:nvPr/>
+      </p:nvGrpSpPr>
+      <p:grpSpPr>
+        <a:xfrm>
+          <a:off x="0" y="0"/>
+          <a:ext cx="0" cy="0"/>
+          <a:chOff x="0" y="0"/>
+          <a:chExt cx="0" cy="0"/>
+        </a:xfrm>
+      </p:grpSpPr>
+      <p:sp>
+        <p:nvSpPr>
+          <p:cNvPr id="67" name="PlaceHolder 1"/>
+          <p:cNvSpPr>
+            <a:spLocks noGrp="1"/>
+          </p:cNvSpPr>
+          <p:nvPr>
+            <p:ph type="title"/>
+          </p:nvPr>
+        </p:nvSpPr>
+        <p:spPr>
+          <a:xfrm>
+            <a:off x="504000" y="301320"/>
+            <a:ext cx="9070560" cy="1261080"/>
+          </a:xfrm>
+          <a:prstGeom prst="rect">
+            <a:avLst/>
+          </a:prstGeom>
+        </p:spPr>
+        <p:txBody>
+          <a:bodyPr lIns="0" rIns="0" tIns="0" bIns="0" anchor="ctr"/>
+          <a:p>
+            <a:pPr algn="ctr"/>
+            <a:endParaRPr b="0" lang="de-DE" sz="4400" spc="-1" strike="noStrike">
+              <a:solidFill>
+                <a:srgbClr val="000000"/>
+              </a:solidFill>
+              <a:uFill>
+                <a:solidFill>
+                  <a:srgbClr val="ffffff"/>
+                </a:solidFill>
+              </a:uFill>
+              <a:latin typeface="Arial"/>
+            </a:endParaRPr>
+          </a:p>
+        </p:txBody>
+      </p:sp>
+      <p:sp>
+        <p:nvSpPr>
+          <p:cNvPr id="68" name="PlaceHolder 2"/>
+          <p:cNvSpPr>
+            <a:spLocks noGrp="1"/>
+          </p:cNvSpPr>
+          <p:nvPr>
+            <p:ph type="body"/>
+          </p:nvPr>
+        </p:nvSpPr>
+        <p:spPr>
+          <a:xfrm>
+            <a:off x="504000" y="1768680"/>
+            <a:ext cx="9071280" cy="4383360"/>
+          </a:xfrm>
+          <a:prstGeom prst="rect">
+            <a:avLst/>
+          </a:prstGeom>
+        </p:spPr>
+        <p:txBody>
+          <a:bodyPr lIns="0" rIns="0" tIns="0" bIns="0"/>
+          <a:p>
+            <a:endParaRPr b="0" lang="de-DE" sz="3200" spc="-1" strike="noStrike">
+              <a:solidFill>
+                <a:srgbClr val="000000"/>
+              </a:solidFill>
+              <a:uFill>
+                <a:solidFill>
+                  <a:srgbClr val="ffffff"/>
+                </a:solidFill>
+              </a:uFill>
+              <a:latin typeface="Arial"/>
+            </a:endParaRPr>
+          </a:p>
+        </p:txBody>
+      </p:sp>
+      <p:sp>
+        <p:nvSpPr>
+          <p:cNvPr id="69" name="PlaceHolder 3"/>
+          <p:cNvSpPr>
+            <a:spLocks noGrp="1"/>
+          </p:cNvSpPr>
+          <p:nvPr>
+            <p:ph type="body"/>
+          </p:nvPr>
+        </p:nvSpPr>
+        <p:spPr>
+          <a:xfrm>
+            <a:off x="504000" y="1768680"/>
+            <a:ext cx="9071280" cy="4383360"/>
+          </a:xfrm>
+          <a:prstGeom prst="rect">
+            <a:avLst/>
+          </a:prstGeom>
+        </p:spPr>
+        <p:txBody>
+          <a:bodyPr lIns="0" rIns="0" tIns="0" bIns="0"/>
+          <a:p>
+            <a:endParaRPr b="0" lang="de-DE" sz="3200" spc="-1" strike="noStrike">
+              <a:solidFill>
+                <a:srgbClr val="000000"/>
+              </a:solidFill>
+              <a:uFill>
+                <a:solidFill>
+                  <a:srgbClr val="ffffff"/>
+                </a:solidFill>
+              </a:uFill>
+              <a:latin typeface="Arial"/>
+            </a:endParaRPr>
+          </a:p>
+        </p:txBody>
+      </p:sp>
+      <p:pic>
+        <p:nvPicPr>
+          <p:cNvPr id="70" name="" descr=""/>
+          <p:cNvPicPr/>
+          <p:nvPr/>
+        </p:nvPicPr>
+        <p:blipFill>
+          <a:blip r:embed="rId2"/>
+          <a:stretch/>
+        </p:blipFill>
+        <p:spPr>
+          <a:xfrm>
+            <a:off x="2292840" y="1768680"/>
+            <a:ext cx="5493600" cy="4383360"/>
+          </a:xfrm>
+          <a:prstGeom prst="rect">
+            <a:avLst/>
+          </a:prstGeom>
+          <a:ln>
+            <a:noFill/>
+          </a:ln>
+        </p:spPr>
+      </p:pic>
+      <p:pic>
+        <p:nvPicPr>
+          <p:cNvPr id="71" name="" descr=""/>
+          <p:cNvPicPr/>
+          <p:nvPr/>
+        </p:nvPicPr>
+        <p:blipFill>
+          <a:blip r:embed="rId3"/>
+          <a:stretch/>
+        </p:blipFill>
+        <p:spPr>
+          <a:xfrm>
+            <a:off x="2292840" y="1768680"/>
+            <a:ext cx="5493600" cy="4383360"/>
+          </a:xfrm>
+          <a:prstGeom prst="rect">
+            <a:avLst/>
+          </a:prstGeom>
+          <a:ln>
+            <a:noFill/>
+          </a:ln>
+        </p:spPr>
+      </p:pic>
+    </p:spTree>
+  </p:cSld>
+</p:sldLayout>
+</file>
+
+<file path=ppt/slideLayouts/slideLayout25.xml><?xml version="1.0" encoding="utf-8"?>
+<p:sldLayout xmlns:a="http://schemas.openxmlformats.org/drawingml/2006/main" xmlns:p="http://schemas.openxmlformats.org/presentationml/2006/main" xmlns:r="http://schemas.openxmlformats.org/officeDocument/2006/relationships" xmlns:p14="http://schemas.microsoft.com/office/powerpoint/2010/main" xmlns:p15="http://schemas.microsoft.com/office/powerpoint/2012/main" xmlns:mc="http://schemas.openxmlformats.org/markup-compatibility/2006" type="blank" preserve="1">
+  <p:cSld name="Blank Slide">
+    <p:spTree>
+      <p:nvGrpSpPr>
+        <p:cNvPr id="1" name=""/>
+        <p:cNvGrpSpPr/>
+        <p:nvPr/>
+      </p:nvGrpSpPr>
+      <p:grpSpPr>
+        <a:xfrm>
+          <a:off x="0" y="0"/>
+          <a:ext cx="0" cy="0"/>
+          <a:chOff x="0" y="0"/>
+          <a:chExt cx="0" cy="0"/>
+        </a:xfrm>
+      </p:grpSpPr>
+    </p:spTree>
+  </p:cSld>
+</p:sldLayout>
+</file>
+
+<file path=ppt/slideLayouts/slideLayout26.xml><?xml version="1.0" encoding="utf-8"?>
+<p:sldLayout xmlns:a="http://schemas.openxmlformats.org/drawingml/2006/main" xmlns:p="http://schemas.openxmlformats.org/presentationml/2006/main" xmlns:r="http://schemas.openxmlformats.org/officeDocument/2006/relationships" xmlns:p14="http://schemas.microsoft.com/office/powerpoint/2010/main" xmlns:p15="http://schemas.microsoft.com/office/powerpoint/2012/main" xmlns:mc="http://schemas.openxmlformats.org/markup-compatibility/2006" type="tx" preserve="1">
+  <p:cSld name="Title Slide">
+    <p:spTree>
+      <p:nvGrpSpPr>
+        <p:cNvPr id="1" name=""/>
+        <p:cNvGrpSpPr/>
+        <p:nvPr/>
+      </p:nvGrpSpPr>
+      <p:grpSpPr>
+        <a:xfrm>
+          <a:off x="0" y="0"/>
+          <a:ext cx="0" cy="0"/>
+          <a:chOff x="0" y="0"/>
+          <a:chExt cx="0" cy="0"/>
+        </a:xfrm>
+      </p:grpSpPr>
+      <p:sp>
+        <p:nvSpPr>
+          <p:cNvPr id="75" name="PlaceHolder 1"/>
+          <p:cNvSpPr>
+            <a:spLocks noGrp="1"/>
+          </p:cNvSpPr>
+          <p:nvPr>
+            <p:ph type="title"/>
+          </p:nvPr>
+        </p:nvSpPr>
+        <p:spPr>
+          <a:xfrm>
+            <a:off x="504000" y="301320"/>
+            <a:ext cx="9070560" cy="1261080"/>
+          </a:xfrm>
+          <a:prstGeom prst="rect">
+            <a:avLst/>
+          </a:prstGeom>
+        </p:spPr>
+        <p:txBody>
+          <a:bodyPr lIns="0" rIns="0" tIns="0" bIns="0" anchor="ctr"/>
+          <a:p>
+            <a:pPr algn="ctr"/>
+            <a:endParaRPr b="0" lang="de-DE" sz="4400" spc="-1" strike="noStrike">
+              <a:solidFill>
+                <a:srgbClr val="000000"/>
+              </a:solidFill>
+              <a:uFill>
+                <a:solidFill>
+                  <a:srgbClr val="ffffff"/>
+                </a:solidFill>
+              </a:uFill>
+              <a:latin typeface="Arial"/>
+            </a:endParaRPr>
+          </a:p>
+        </p:txBody>
+      </p:sp>
+      <p:sp>
+        <p:nvSpPr>
+          <p:cNvPr id="76" name="PlaceHolder 2"/>
+          <p:cNvSpPr>
+            <a:spLocks noGrp="1"/>
+          </p:cNvSpPr>
+          <p:nvPr>
+            <p:ph type="subTitle"/>
+          </p:nvPr>
+        </p:nvSpPr>
+        <p:spPr>
+          <a:xfrm>
+            <a:off x="504000" y="1768680"/>
+            <a:ext cx="9071280" cy="4383360"/>
+          </a:xfrm>
+          <a:prstGeom prst="rect">
+            <a:avLst/>
+          </a:prstGeom>
+        </p:spPr>
+        <p:txBody>
+          <a:bodyPr lIns="0" rIns="0" tIns="0" bIns="0" anchor="ctr"/>
+          <a:p>
+            <a:pPr algn="ctr"/>
+            <a:endParaRPr b="0" lang="de-DE" sz="3200" spc="-1" strike="noStrike">
+              <a:solidFill>
+                <a:srgbClr val="000000"/>
+              </a:solidFill>
+              <a:uFill>
+                <a:solidFill>
+                  <a:srgbClr val="ffffff"/>
+                </a:solidFill>
+              </a:uFill>
+              <a:latin typeface="Arial"/>
+            </a:endParaRPr>
+          </a:p>
+        </p:txBody>
+      </p:sp>
+    </p:spTree>
+  </p:cSld>
+</p:sldLayout>
+</file>
+
+<file path=ppt/slideLayouts/slideLayout27.xml><?xml version="1.0" encoding="utf-8"?>
+<p:sldLayout xmlns:a="http://schemas.openxmlformats.org/drawingml/2006/main" xmlns:p="http://schemas.openxmlformats.org/presentationml/2006/main" xmlns:r="http://schemas.openxmlformats.org/officeDocument/2006/relationships" xmlns:p14="http://schemas.microsoft.com/office/powerpoint/2010/main" xmlns:p15="http://schemas.microsoft.com/office/powerpoint/2012/main" xmlns:mc="http://schemas.openxmlformats.org/markup-compatibility/2006" type="obj" preserve="1">
+  <p:cSld name="Title, Content">
+    <p:spTree>
+      <p:nvGrpSpPr>
+        <p:cNvPr id="1" name=""/>
+        <p:cNvGrpSpPr/>
+        <p:nvPr/>
+      </p:nvGrpSpPr>
+      <p:grpSpPr>
+        <a:xfrm>
+          <a:off x="0" y="0"/>
+          <a:ext cx="0" cy="0"/>
+          <a:chOff x="0" y="0"/>
+          <a:chExt cx="0" cy="0"/>
+        </a:xfrm>
+      </p:grpSpPr>
+      <p:sp>
+        <p:nvSpPr>
+          <p:cNvPr id="77" name="PlaceHolder 1"/>
+          <p:cNvSpPr>
+            <a:spLocks noGrp="1"/>
+          </p:cNvSpPr>
+          <p:nvPr>
+            <p:ph type="title"/>
+          </p:nvPr>
+        </p:nvSpPr>
+        <p:spPr>
+          <a:xfrm>
+            <a:off x="504000" y="301320"/>
+            <a:ext cx="9070560" cy="1261080"/>
+          </a:xfrm>
+          <a:prstGeom prst="rect">
+            <a:avLst/>
+          </a:prstGeom>
+        </p:spPr>
+        <p:txBody>
+          <a:bodyPr lIns="0" rIns="0" tIns="0" bIns="0" anchor="ctr"/>
+          <a:p>
+            <a:pPr algn="ctr"/>
+            <a:endParaRPr b="0" lang="de-DE" sz="4400" spc="-1" strike="noStrike">
+              <a:solidFill>
+                <a:srgbClr val="000000"/>
+              </a:solidFill>
+              <a:uFill>
+                <a:solidFill>
+                  <a:srgbClr val="ffffff"/>
+                </a:solidFill>
+              </a:uFill>
+              <a:latin typeface="Arial"/>
+            </a:endParaRPr>
+          </a:p>
+        </p:txBody>
+      </p:sp>
+      <p:sp>
+        <p:nvSpPr>
+          <p:cNvPr id="78" name="PlaceHolder 2"/>
+          <p:cNvSpPr>
+            <a:spLocks noGrp="1"/>
+          </p:cNvSpPr>
+          <p:nvPr>
+            <p:ph type="body"/>
+          </p:nvPr>
+        </p:nvSpPr>
+        <p:spPr>
+          <a:xfrm>
+            <a:off x="504000" y="1768680"/>
+            <a:ext cx="9071280" cy="4383360"/>
+          </a:xfrm>
+          <a:prstGeom prst="rect">
+            <a:avLst/>
+          </a:prstGeom>
+        </p:spPr>
+        <p:txBody>
+          <a:bodyPr lIns="0" rIns="0" tIns="0" bIns="0"/>
+          <a:p>
+            <a:endParaRPr b="0" lang="de-DE" sz="3200" spc="-1" strike="noStrike">
+              <a:solidFill>
+                <a:srgbClr val="000000"/>
+              </a:solidFill>
+              <a:uFill>
+                <a:solidFill>
+                  <a:srgbClr val="ffffff"/>
+                </a:solidFill>
+              </a:uFill>
+              <a:latin typeface="Arial"/>
+            </a:endParaRPr>
+          </a:p>
+        </p:txBody>
+      </p:sp>
+    </p:spTree>
+  </p:cSld>
+</p:sldLayout>
+</file>
+
+<file path=ppt/slideLayouts/slideLayout28.xml><?xml version="1.0" encoding="utf-8"?>
+<p:sldLayout xmlns:a="http://schemas.openxmlformats.org/drawingml/2006/main" xmlns:p="http://schemas.openxmlformats.org/presentationml/2006/main" xmlns:r="http://schemas.openxmlformats.org/officeDocument/2006/relationships" xmlns:p14="http://schemas.microsoft.com/office/powerpoint/2010/main" xmlns:p15="http://schemas.microsoft.com/office/powerpoint/2012/main" xmlns:mc="http://schemas.openxmlformats.org/markup-compatibility/2006" type="twoObj" preserve="1">
+  <p:cSld name="Title, 2 Content">
+    <p:spTree>
+      <p:nvGrpSpPr>
+        <p:cNvPr id="1" name=""/>
+        <p:cNvGrpSpPr/>
+        <p:nvPr/>
+      </p:nvGrpSpPr>
+      <p:grpSpPr>
+        <a:xfrm>
+          <a:off x="0" y="0"/>
+          <a:ext cx="0" cy="0"/>
+          <a:chOff x="0" y="0"/>
+          <a:chExt cx="0" cy="0"/>
+        </a:xfrm>
+      </p:grpSpPr>
+      <p:sp>
+        <p:nvSpPr>
+          <p:cNvPr id="79" name="PlaceHolder 1"/>
+          <p:cNvSpPr>
+            <a:spLocks noGrp="1"/>
+          </p:cNvSpPr>
+          <p:nvPr>
+            <p:ph type="title"/>
+          </p:nvPr>
+        </p:nvSpPr>
+        <p:spPr>
+          <a:xfrm>
+            <a:off x="504000" y="301320"/>
+            <a:ext cx="9070560" cy="1261080"/>
+          </a:xfrm>
+          <a:prstGeom prst="rect">
+            <a:avLst/>
+          </a:prstGeom>
+        </p:spPr>
+        <p:txBody>
+          <a:bodyPr lIns="0" rIns="0" tIns="0" bIns="0" anchor="ctr"/>
+          <a:p>
+            <a:pPr algn="ctr"/>
+            <a:endParaRPr b="0" lang="de-DE" sz="4400" spc="-1" strike="noStrike">
+              <a:solidFill>
+                <a:srgbClr val="000000"/>
+              </a:solidFill>
+              <a:uFill>
+                <a:solidFill>
+                  <a:srgbClr val="ffffff"/>
+                </a:solidFill>
+              </a:uFill>
+              <a:latin typeface="Arial"/>
+            </a:endParaRPr>
+          </a:p>
+        </p:txBody>
+      </p:sp>
+      <p:sp>
+        <p:nvSpPr>
+          <p:cNvPr id="80" name="PlaceHolder 2"/>
+          <p:cNvSpPr>
+            <a:spLocks noGrp="1"/>
+          </p:cNvSpPr>
+          <p:nvPr>
+            <p:ph type="body"/>
+          </p:nvPr>
+        </p:nvSpPr>
+        <p:spPr>
+          <a:xfrm>
+            <a:off x="504000" y="1768680"/>
+            <a:ext cx="4426560" cy="4383360"/>
+          </a:xfrm>
+          <a:prstGeom prst="rect">
+            <a:avLst/>
+          </a:prstGeom>
+        </p:spPr>
+        <p:txBody>
+          <a:bodyPr lIns="0" rIns="0" tIns="0" bIns="0"/>
+          <a:p>
+            <a:endParaRPr b="0" lang="de-DE" sz="3200" spc="-1" strike="noStrike">
+              <a:solidFill>
+                <a:srgbClr val="000000"/>
+              </a:solidFill>
+              <a:uFill>
+                <a:solidFill>
+                  <a:srgbClr val="ffffff"/>
+                </a:solidFill>
+              </a:uFill>
+              <a:latin typeface="Arial"/>
+            </a:endParaRPr>
+          </a:p>
+        </p:txBody>
+      </p:sp>
+      <p:sp>
+        <p:nvSpPr>
+          <p:cNvPr id="81" name="PlaceHolder 3"/>
+          <p:cNvSpPr>
+            <a:spLocks noGrp="1"/>
+          </p:cNvSpPr>
+          <p:nvPr>
+            <p:ph type="body"/>
+          </p:nvPr>
+        </p:nvSpPr>
+        <p:spPr>
+          <a:xfrm>
+            <a:off x="5152320" y="1768680"/>
+            <a:ext cx="4426560" cy="4383360"/>
+          </a:xfrm>
+          <a:prstGeom prst="rect">
+            <a:avLst/>
+          </a:prstGeom>
+        </p:spPr>
+        <p:txBody>
+          <a:bodyPr lIns="0" rIns="0" tIns="0" bIns="0"/>
+          <a:p>
+            <a:endParaRPr b="0" lang="de-DE" sz="3200" spc="-1" strike="noStrike">
+              <a:solidFill>
+                <a:srgbClr val="000000"/>
+              </a:solidFill>
+              <a:uFill>
+                <a:solidFill>
+                  <a:srgbClr val="ffffff"/>
+                </a:solidFill>
+              </a:uFill>
+              <a:latin typeface="Arial"/>
+            </a:endParaRPr>
+          </a:p>
+        </p:txBody>
+      </p:sp>
+    </p:spTree>
+  </p:cSld>
+</p:sldLayout>
+</file>
+
+<file path=ppt/slideLayouts/slideLayout29.xml><?xml version="1.0" encoding="utf-8"?>
+<p:sldLayout xmlns:a="http://schemas.openxmlformats.org/drawingml/2006/main" xmlns:p="http://schemas.openxmlformats.org/presentationml/2006/main" xmlns:r="http://schemas.openxmlformats.org/officeDocument/2006/relationships" xmlns:p14="http://schemas.microsoft.com/office/powerpoint/2010/main" xmlns:p15="http://schemas.microsoft.com/office/powerpoint/2012/main" xmlns:mc="http://schemas.openxmlformats.org/markup-compatibility/2006" type="titleOnly" preserve="1">
+  <p:cSld name="Title Only">
+    <p:spTree>
+      <p:nvGrpSpPr>
+        <p:cNvPr id="1" name=""/>
+        <p:cNvGrpSpPr/>
+        <p:nvPr/>
+      </p:nvGrpSpPr>
+      <p:grpSpPr>
+        <a:xfrm>
+          <a:off x="0" y="0"/>
+          <a:ext cx="0" cy="0"/>
+          <a:chOff x="0" y="0"/>
+          <a:chExt cx="0" cy="0"/>
+        </a:xfrm>
+      </p:grpSpPr>
+      <p:sp>
+        <p:nvSpPr>
+          <p:cNvPr id="82" name="PlaceHolder 1"/>
+          <p:cNvSpPr>
+            <a:spLocks noGrp="1"/>
+          </p:cNvSpPr>
+          <p:nvPr>
+            <p:ph type="title"/>
+          </p:nvPr>
+        </p:nvSpPr>
+        <p:spPr>
+          <a:xfrm>
+            <a:off x="504000" y="301320"/>
+            <a:ext cx="9070560" cy="1261080"/>
+          </a:xfrm>
+          <a:prstGeom prst="rect">
+            <a:avLst/>
+          </a:prstGeom>
+        </p:spPr>
+        <p:txBody>
+          <a:bodyPr lIns="0" rIns="0" tIns="0" bIns="0" anchor="ctr"/>
+          <a:p>
+            <a:pPr algn="ctr"/>
+            <a:endParaRPr b="0" lang="de-DE" sz="4400" spc="-1" strike="noStrike">
               <a:solidFill>
                 <a:srgbClr val="000000"/>
               </a:solidFill>
@@ -673,7 +2557,7 @@
         <p:spPr>
           <a:xfrm>
             <a:off x="504000" y="301320"/>
-            <a:ext cx="9071280" cy="1261800"/>
+            <a:ext cx="9070560" cy="1261080"/>
           </a:xfrm>
           <a:prstGeom prst="rect">
             <a:avLst/>
@@ -710,7 +2594,1291 @@
         <p:spPr>
           <a:xfrm>
             <a:off x="504000" y="1768680"/>
-            <a:ext cx="9072000" cy="4384080"/>
+            <a:ext cx="9071280" cy="4383360"/>
+          </a:xfrm>
+          <a:prstGeom prst="rect">
+            <a:avLst/>
+          </a:prstGeom>
+        </p:spPr>
+        <p:txBody>
+          <a:bodyPr lIns="0" rIns="0" tIns="0" bIns="0"/>
+          <a:p>
+            <a:endParaRPr b="0" lang="de-DE" sz="3200" spc="-1" strike="noStrike">
+              <a:solidFill>
+                <a:srgbClr val="000000"/>
+              </a:solidFill>
+              <a:uFill>
+                <a:solidFill>
+                  <a:srgbClr val="ffffff"/>
+                </a:solidFill>
+              </a:uFill>
+              <a:latin typeface="Arial"/>
+            </a:endParaRPr>
+          </a:p>
+        </p:txBody>
+      </p:sp>
+    </p:spTree>
+  </p:cSld>
+</p:sldLayout>
+</file>
+
+<file path=ppt/slideLayouts/slideLayout30.xml><?xml version="1.0" encoding="utf-8"?>
+<p:sldLayout xmlns:a="http://schemas.openxmlformats.org/drawingml/2006/main" xmlns:p="http://schemas.openxmlformats.org/presentationml/2006/main" xmlns:r="http://schemas.openxmlformats.org/officeDocument/2006/relationships" xmlns:p14="http://schemas.microsoft.com/office/powerpoint/2010/main" xmlns:p15="http://schemas.microsoft.com/office/powerpoint/2012/main" xmlns:mc="http://schemas.openxmlformats.org/markup-compatibility/2006" type="objOnly" preserve="1">
+  <p:cSld name="Centered Text">
+    <p:spTree>
+      <p:nvGrpSpPr>
+        <p:cNvPr id="1" name=""/>
+        <p:cNvGrpSpPr/>
+        <p:nvPr/>
+      </p:nvGrpSpPr>
+      <p:grpSpPr>
+        <a:xfrm>
+          <a:off x="0" y="0"/>
+          <a:ext cx="0" cy="0"/>
+          <a:chOff x="0" y="0"/>
+          <a:chExt cx="0" cy="0"/>
+        </a:xfrm>
+      </p:grpSpPr>
+      <p:sp>
+        <p:nvSpPr>
+          <p:cNvPr id="83" name="PlaceHolder 1"/>
+          <p:cNvSpPr>
+            <a:spLocks noGrp="1"/>
+          </p:cNvSpPr>
+          <p:nvPr>
+            <p:ph type="subTitle"/>
+          </p:nvPr>
+        </p:nvSpPr>
+        <p:spPr>
+          <a:xfrm>
+            <a:off x="504000" y="301320"/>
+            <a:ext cx="9070560" cy="5846760"/>
+          </a:xfrm>
+          <a:prstGeom prst="rect">
+            <a:avLst/>
+          </a:prstGeom>
+        </p:spPr>
+        <p:txBody>
+          <a:bodyPr lIns="0" rIns="0" tIns="0" bIns="0" anchor="ctr"/>
+          <a:p>
+            <a:pPr algn="ctr"/>
+            <a:endParaRPr b="0" lang="de-DE" sz="3200" spc="-1" strike="noStrike">
+              <a:solidFill>
+                <a:srgbClr val="000000"/>
+              </a:solidFill>
+              <a:uFill>
+                <a:solidFill>
+                  <a:srgbClr val="ffffff"/>
+                </a:solidFill>
+              </a:uFill>
+              <a:latin typeface="Arial"/>
+            </a:endParaRPr>
+          </a:p>
+        </p:txBody>
+      </p:sp>
+    </p:spTree>
+  </p:cSld>
+</p:sldLayout>
+</file>
+
+<file path=ppt/slideLayouts/slideLayout31.xml><?xml version="1.0" encoding="utf-8"?>
+<p:sldLayout xmlns:a="http://schemas.openxmlformats.org/drawingml/2006/main" xmlns:p="http://schemas.openxmlformats.org/presentationml/2006/main" xmlns:r="http://schemas.openxmlformats.org/officeDocument/2006/relationships" xmlns:p14="http://schemas.microsoft.com/office/powerpoint/2010/main" xmlns:p15="http://schemas.microsoft.com/office/powerpoint/2012/main" xmlns:mc="http://schemas.openxmlformats.org/markup-compatibility/2006" type="twoObjAndObj" preserve="1">
+  <p:cSld name="Title, 2 Content and Content">
+    <p:spTree>
+      <p:nvGrpSpPr>
+        <p:cNvPr id="1" name=""/>
+        <p:cNvGrpSpPr/>
+        <p:nvPr/>
+      </p:nvGrpSpPr>
+      <p:grpSpPr>
+        <a:xfrm>
+          <a:off x="0" y="0"/>
+          <a:ext cx="0" cy="0"/>
+          <a:chOff x="0" y="0"/>
+          <a:chExt cx="0" cy="0"/>
+        </a:xfrm>
+      </p:grpSpPr>
+      <p:sp>
+        <p:nvSpPr>
+          <p:cNvPr id="84" name="PlaceHolder 1"/>
+          <p:cNvSpPr>
+            <a:spLocks noGrp="1"/>
+          </p:cNvSpPr>
+          <p:nvPr>
+            <p:ph type="title"/>
+          </p:nvPr>
+        </p:nvSpPr>
+        <p:spPr>
+          <a:xfrm>
+            <a:off x="504000" y="301320"/>
+            <a:ext cx="9070560" cy="1261080"/>
+          </a:xfrm>
+          <a:prstGeom prst="rect">
+            <a:avLst/>
+          </a:prstGeom>
+        </p:spPr>
+        <p:txBody>
+          <a:bodyPr lIns="0" rIns="0" tIns="0" bIns="0" anchor="ctr"/>
+          <a:p>
+            <a:pPr algn="ctr"/>
+            <a:endParaRPr b="0" lang="de-DE" sz="4400" spc="-1" strike="noStrike">
+              <a:solidFill>
+                <a:srgbClr val="000000"/>
+              </a:solidFill>
+              <a:uFill>
+                <a:solidFill>
+                  <a:srgbClr val="ffffff"/>
+                </a:solidFill>
+              </a:uFill>
+              <a:latin typeface="Arial"/>
+            </a:endParaRPr>
+          </a:p>
+        </p:txBody>
+      </p:sp>
+      <p:sp>
+        <p:nvSpPr>
+          <p:cNvPr id="85" name="PlaceHolder 2"/>
+          <p:cNvSpPr>
+            <a:spLocks noGrp="1"/>
+          </p:cNvSpPr>
+          <p:nvPr>
+            <p:ph type="body"/>
+          </p:nvPr>
+        </p:nvSpPr>
+        <p:spPr>
+          <a:xfrm>
+            <a:off x="504000" y="1768680"/>
+            <a:ext cx="4426560" cy="2090520"/>
+          </a:xfrm>
+          <a:prstGeom prst="rect">
+            <a:avLst/>
+          </a:prstGeom>
+        </p:spPr>
+        <p:txBody>
+          <a:bodyPr lIns="0" rIns="0" tIns="0" bIns="0"/>
+          <a:p>
+            <a:endParaRPr b="0" lang="de-DE" sz="3200" spc="-1" strike="noStrike">
+              <a:solidFill>
+                <a:srgbClr val="000000"/>
+              </a:solidFill>
+              <a:uFill>
+                <a:solidFill>
+                  <a:srgbClr val="ffffff"/>
+                </a:solidFill>
+              </a:uFill>
+              <a:latin typeface="Arial"/>
+            </a:endParaRPr>
+          </a:p>
+        </p:txBody>
+      </p:sp>
+      <p:sp>
+        <p:nvSpPr>
+          <p:cNvPr id="86" name="PlaceHolder 3"/>
+          <p:cNvSpPr>
+            <a:spLocks noGrp="1"/>
+          </p:cNvSpPr>
+          <p:nvPr>
+            <p:ph type="body"/>
+          </p:nvPr>
+        </p:nvSpPr>
+        <p:spPr>
+          <a:xfrm>
+            <a:off x="504000" y="4058280"/>
+            <a:ext cx="4426560" cy="2090520"/>
+          </a:xfrm>
+          <a:prstGeom prst="rect">
+            <a:avLst/>
+          </a:prstGeom>
+        </p:spPr>
+        <p:txBody>
+          <a:bodyPr lIns="0" rIns="0" tIns="0" bIns="0"/>
+          <a:p>
+            <a:endParaRPr b="0" lang="de-DE" sz="3200" spc="-1" strike="noStrike">
+              <a:solidFill>
+                <a:srgbClr val="000000"/>
+              </a:solidFill>
+              <a:uFill>
+                <a:solidFill>
+                  <a:srgbClr val="ffffff"/>
+                </a:solidFill>
+              </a:uFill>
+              <a:latin typeface="Arial"/>
+            </a:endParaRPr>
+          </a:p>
+        </p:txBody>
+      </p:sp>
+      <p:sp>
+        <p:nvSpPr>
+          <p:cNvPr id="87" name="PlaceHolder 4"/>
+          <p:cNvSpPr>
+            <a:spLocks noGrp="1"/>
+          </p:cNvSpPr>
+          <p:nvPr>
+            <p:ph type="body"/>
+          </p:nvPr>
+        </p:nvSpPr>
+        <p:spPr>
+          <a:xfrm>
+            <a:off x="5152320" y="1768680"/>
+            <a:ext cx="4426560" cy="4383360"/>
+          </a:xfrm>
+          <a:prstGeom prst="rect">
+            <a:avLst/>
+          </a:prstGeom>
+        </p:spPr>
+        <p:txBody>
+          <a:bodyPr lIns="0" rIns="0" tIns="0" bIns="0"/>
+          <a:p>
+            <a:endParaRPr b="0" lang="de-DE" sz="3200" spc="-1" strike="noStrike">
+              <a:solidFill>
+                <a:srgbClr val="000000"/>
+              </a:solidFill>
+              <a:uFill>
+                <a:solidFill>
+                  <a:srgbClr val="ffffff"/>
+                </a:solidFill>
+              </a:uFill>
+              <a:latin typeface="Arial"/>
+            </a:endParaRPr>
+          </a:p>
+        </p:txBody>
+      </p:sp>
+    </p:spTree>
+  </p:cSld>
+</p:sldLayout>
+</file>
+
+<file path=ppt/slideLayouts/slideLayout32.xml><?xml version="1.0" encoding="utf-8"?>
+<p:sldLayout xmlns:a="http://schemas.openxmlformats.org/drawingml/2006/main" xmlns:p="http://schemas.openxmlformats.org/presentationml/2006/main" xmlns:r="http://schemas.openxmlformats.org/officeDocument/2006/relationships" xmlns:p14="http://schemas.microsoft.com/office/powerpoint/2010/main" xmlns:p15="http://schemas.microsoft.com/office/powerpoint/2012/main" xmlns:mc="http://schemas.openxmlformats.org/markup-compatibility/2006" type="objAndTwoObj" preserve="1">
+  <p:cSld name="Title Content and 2 Content">
+    <p:spTree>
+      <p:nvGrpSpPr>
+        <p:cNvPr id="1" name=""/>
+        <p:cNvGrpSpPr/>
+        <p:nvPr/>
+      </p:nvGrpSpPr>
+      <p:grpSpPr>
+        <a:xfrm>
+          <a:off x="0" y="0"/>
+          <a:ext cx="0" cy="0"/>
+          <a:chOff x="0" y="0"/>
+          <a:chExt cx="0" cy="0"/>
+        </a:xfrm>
+      </p:grpSpPr>
+      <p:sp>
+        <p:nvSpPr>
+          <p:cNvPr id="88" name="PlaceHolder 1"/>
+          <p:cNvSpPr>
+            <a:spLocks noGrp="1"/>
+          </p:cNvSpPr>
+          <p:nvPr>
+            <p:ph type="title"/>
+          </p:nvPr>
+        </p:nvSpPr>
+        <p:spPr>
+          <a:xfrm>
+            <a:off x="504000" y="301320"/>
+            <a:ext cx="9070560" cy="1261080"/>
+          </a:xfrm>
+          <a:prstGeom prst="rect">
+            <a:avLst/>
+          </a:prstGeom>
+        </p:spPr>
+        <p:txBody>
+          <a:bodyPr lIns="0" rIns="0" tIns="0" bIns="0" anchor="ctr"/>
+          <a:p>
+            <a:pPr algn="ctr"/>
+            <a:endParaRPr b="0" lang="de-DE" sz="4400" spc="-1" strike="noStrike">
+              <a:solidFill>
+                <a:srgbClr val="000000"/>
+              </a:solidFill>
+              <a:uFill>
+                <a:solidFill>
+                  <a:srgbClr val="ffffff"/>
+                </a:solidFill>
+              </a:uFill>
+              <a:latin typeface="Arial"/>
+            </a:endParaRPr>
+          </a:p>
+        </p:txBody>
+      </p:sp>
+      <p:sp>
+        <p:nvSpPr>
+          <p:cNvPr id="89" name="PlaceHolder 2"/>
+          <p:cNvSpPr>
+            <a:spLocks noGrp="1"/>
+          </p:cNvSpPr>
+          <p:nvPr>
+            <p:ph type="body"/>
+          </p:nvPr>
+        </p:nvSpPr>
+        <p:spPr>
+          <a:xfrm>
+            <a:off x="504000" y="1768680"/>
+            <a:ext cx="4426560" cy="4383360"/>
+          </a:xfrm>
+          <a:prstGeom prst="rect">
+            <a:avLst/>
+          </a:prstGeom>
+        </p:spPr>
+        <p:txBody>
+          <a:bodyPr lIns="0" rIns="0" tIns="0" bIns="0"/>
+          <a:p>
+            <a:endParaRPr b="0" lang="de-DE" sz="3200" spc="-1" strike="noStrike">
+              <a:solidFill>
+                <a:srgbClr val="000000"/>
+              </a:solidFill>
+              <a:uFill>
+                <a:solidFill>
+                  <a:srgbClr val="ffffff"/>
+                </a:solidFill>
+              </a:uFill>
+              <a:latin typeface="Arial"/>
+            </a:endParaRPr>
+          </a:p>
+        </p:txBody>
+      </p:sp>
+      <p:sp>
+        <p:nvSpPr>
+          <p:cNvPr id="90" name="PlaceHolder 3"/>
+          <p:cNvSpPr>
+            <a:spLocks noGrp="1"/>
+          </p:cNvSpPr>
+          <p:nvPr>
+            <p:ph type="body"/>
+          </p:nvPr>
+        </p:nvSpPr>
+        <p:spPr>
+          <a:xfrm>
+            <a:off x="5152320" y="1768680"/>
+            <a:ext cx="4426560" cy="2090520"/>
+          </a:xfrm>
+          <a:prstGeom prst="rect">
+            <a:avLst/>
+          </a:prstGeom>
+        </p:spPr>
+        <p:txBody>
+          <a:bodyPr lIns="0" rIns="0" tIns="0" bIns="0"/>
+          <a:p>
+            <a:endParaRPr b="0" lang="de-DE" sz="3200" spc="-1" strike="noStrike">
+              <a:solidFill>
+                <a:srgbClr val="000000"/>
+              </a:solidFill>
+              <a:uFill>
+                <a:solidFill>
+                  <a:srgbClr val="ffffff"/>
+                </a:solidFill>
+              </a:uFill>
+              <a:latin typeface="Arial"/>
+            </a:endParaRPr>
+          </a:p>
+        </p:txBody>
+      </p:sp>
+      <p:sp>
+        <p:nvSpPr>
+          <p:cNvPr id="91" name="PlaceHolder 4"/>
+          <p:cNvSpPr>
+            <a:spLocks noGrp="1"/>
+          </p:cNvSpPr>
+          <p:nvPr>
+            <p:ph type="body"/>
+          </p:nvPr>
+        </p:nvSpPr>
+        <p:spPr>
+          <a:xfrm>
+            <a:off x="5152320" y="4058280"/>
+            <a:ext cx="4426560" cy="2090520"/>
+          </a:xfrm>
+          <a:prstGeom prst="rect">
+            <a:avLst/>
+          </a:prstGeom>
+        </p:spPr>
+        <p:txBody>
+          <a:bodyPr lIns="0" rIns="0" tIns="0" bIns="0"/>
+          <a:p>
+            <a:endParaRPr b="0" lang="de-DE" sz="3200" spc="-1" strike="noStrike">
+              <a:solidFill>
+                <a:srgbClr val="000000"/>
+              </a:solidFill>
+              <a:uFill>
+                <a:solidFill>
+                  <a:srgbClr val="ffffff"/>
+                </a:solidFill>
+              </a:uFill>
+              <a:latin typeface="Arial"/>
+            </a:endParaRPr>
+          </a:p>
+        </p:txBody>
+      </p:sp>
+    </p:spTree>
+  </p:cSld>
+</p:sldLayout>
+</file>
+
+<file path=ppt/slideLayouts/slideLayout33.xml><?xml version="1.0" encoding="utf-8"?>
+<p:sldLayout xmlns:a="http://schemas.openxmlformats.org/drawingml/2006/main" xmlns:p="http://schemas.openxmlformats.org/presentationml/2006/main" xmlns:r="http://schemas.openxmlformats.org/officeDocument/2006/relationships" xmlns:p14="http://schemas.microsoft.com/office/powerpoint/2010/main" xmlns:p15="http://schemas.microsoft.com/office/powerpoint/2012/main" xmlns:mc="http://schemas.openxmlformats.org/markup-compatibility/2006" type="twoObjOverTx" preserve="1">
+  <p:cSld name="Title, 2 Content over Content">
+    <p:spTree>
+      <p:nvGrpSpPr>
+        <p:cNvPr id="1" name=""/>
+        <p:cNvGrpSpPr/>
+        <p:nvPr/>
+      </p:nvGrpSpPr>
+      <p:grpSpPr>
+        <a:xfrm>
+          <a:off x="0" y="0"/>
+          <a:ext cx="0" cy="0"/>
+          <a:chOff x="0" y="0"/>
+          <a:chExt cx="0" cy="0"/>
+        </a:xfrm>
+      </p:grpSpPr>
+      <p:sp>
+        <p:nvSpPr>
+          <p:cNvPr id="92" name="PlaceHolder 1"/>
+          <p:cNvSpPr>
+            <a:spLocks noGrp="1"/>
+          </p:cNvSpPr>
+          <p:nvPr>
+            <p:ph type="title"/>
+          </p:nvPr>
+        </p:nvSpPr>
+        <p:spPr>
+          <a:xfrm>
+            <a:off x="504000" y="301320"/>
+            <a:ext cx="9070560" cy="1261080"/>
+          </a:xfrm>
+          <a:prstGeom prst="rect">
+            <a:avLst/>
+          </a:prstGeom>
+        </p:spPr>
+        <p:txBody>
+          <a:bodyPr lIns="0" rIns="0" tIns="0" bIns="0" anchor="ctr"/>
+          <a:p>
+            <a:pPr algn="ctr"/>
+            <a:endParaRPr b="0" lang="de-DE" sz="4400" spc="-1" strike="noStrike">
+              <a:solidFill>
+                <a:srgbClr val="000000"/>
+              </a:solidFill>
+              <a:uFill>
+                <a:solidFill>
+                  <a:srgbClr val="ffffff"/>
+                </a:solidFill>
+              </a:uFill>
+              <a:latin typeface="Arial"/>
+            </a:endParaRPr>
+          </a:p>
+        </p:txBody>
+      </p:sp>
+      <p:sp>
+        <p:nvSpPr>
+          <p:cNvPr id="93" name="PlaceHolder 2"/>
+          <p:cNvSpPr>
+            <a:spLocks noGrp="1"/>
+          </p:cNvSpPr>
+          <p:nvPr>
+            <p:ph type="body"/>
+          </p:nvPr>
+        </p:nvSpPr>
+        <p:spPr>
+          <a:xfrm>
+            <a:off x="504000" y="1768680"/>
+            <a:ext cx="4426560" cy="2090520"/>
+          </a:xfrm>
+          <a:prstGeom prst="rect">
+            <a:avLst/>
+          </a:prstGeom>
+        </p:spPr>
+        <p:txBody>
+          <a:bodyPr lIns="0" rIns="0" tIns="0" bIns="0"/>
+          <a:p>
+            <a:endParaRPr b="0" lang="de-DE" sz="3200" spc="-1" strike="noStrike">
+              <a:solidFill>
+                <a:srgbClr val="000000"/>
+              </a:solidFill>
+              <a:uFill>
+                <a:solidFill>
+                  <a:srgbClr val="ffffff"/>
+                </a:solidFill>
+              </a:uFill>
+              <a:latin typeface="Arial"/>
+            </a:endParaRPr>
+          </a:p>
+        </p:txBody>
+      </p:sp>
+      <p:sp>
+        <p:nvSpPr>
+          <p:cNvPr id="94" name="PlaceHolder 3"/>
+          <p:cNvSpPr>
+            <a:spLocks noGrp="1"/>
+          </p:cNvSpPr>
+          <p:nvPr>
+            <p:ph type="body"/>
+          </p:nvPr>
+        </p:nvSpPr>
+        <p:spPr>
+          <a:xfrm>
+            <a:off x="5152320" y="1768680"/>
+            <a:ext cx="4426560" cy="2090520"/>
+          </a:xfrm>
+          <a:prstGeom prst="rect">
+            <a:avLst/>
+          </a:prstGeom>
+        </p:spPr>
+        <p:txBody>
+          <a:bodyPr lIns="0" rIns="0" tIns="0" bIns="0"/>
+          <a:p>
+            <a:endParaRPr b="0" lang="de-DE" sz="3200" spc="-1" strike="noStrike">
+              <a:solidFill>
+                <a:srgbClr val="000000"/>
+              </a:solidFill>
+              <a:uFill>
+                <a:solidFill>
+                  <a:srgbClr val="ffffff"/>
+                </a:solidFill>
+              </a:uFill>
+              <a:latin typeface="Arial"/>
+            </a:endParaRPr>
+          </a:p>
+        </p:txBody>
+      </p:sp>
+      <p:sp>
+        <p:nvSpPr>
+          <p:cNvPr id="95" name="PlaceHolder 4"/>
+          <p:cNvSpPr>
+            <a:spLocks noGrp="1"/>
+          </p:cNvSpPr>
+          <p:nvPr>
+            <p:ph type="body"/>
+          </p:nvPr>
+        </p:nvSpPr>
+        <p:spPr>
+          <a:xfrm>
+            <a:off x="504000" y="4058280"/>
+            <a:ext cx="9071280" cy="2090520"/>
+          </a:xfrm>
+          <a:prstGeom prst="rect">
+            <a:avLst/>
+          </a:prstGeom>
+        </p:spPr>
+        <p:txBody>
+          <a:bodyPr lIns="0" rIns="0" tIns="0" bIns="0"/>
+          <a:p>
+            <a:endParaRPr b="0" lang="de-DE" sz="3200" spc="-1" strike="noStrike">
+              <a:solidFill>
+                <a:srgbClr val="000000"/>
+              </a:solidFill>
+              <a:uFill>
+                <a:solidFill>
+                  <a:srgbClr val="ffffff"/>
+                </a:solidFill>
+              </a:uFill>
+              <a:latin typeface="Arial"/>
+            </a:endParaRPr>
+          </a:p>
+        </p:txBody>
+      </p:sp>
+    </p:spTree>
+  </p:cSld>
+</p:sldLayout>
+</file>
+
+<file path=ppt/slideLayouts/slideLayout34.xml><?xml version="1.0" encoding="utf-8"?>
+<p:sldLayout xmlns:a="http://schemas.openxmlformats.org/drawingml/2006/main" xmlns:p="http://schemas.openxmlformats.org/presentationml/2006/main" xmlns:r="http://schemas.openxmlformats.org/officeDocument/2006/relationships" xmlns:p14="http://schemas.microsoft.com/office/powerpoint/2010/main" xmlns:p15="http://schemas.microsoft.com/office/powerpoint/2012/main" xmlns:mc="http://schemas.openxmlformats.org/markup-compatibility/2006" type="objOverTx" preserve="1">
+  <p:cSld name="Title, Content over Content">
+    <p:spTree>
+      <p:nvGrpSpPr>
+        <p:cNvPr id="1" name=""/>
+        <p:cNvGrpSpPr/>
+        <p:nvPr/>
+      </p:nvGrpSpPr>
+      <p:grpSpPr>
+        <a:xfrm>
+          <a:off x="0" y="0"/>
+          <a:ext cx="0" cy="0"/>
+          <a:chOff x="0" y="0"/>
+          <a:chExt cx="0" cy="0"/>
+        </a:xfrm>
+      </p:grpSpPr>
+      <p:sp>
+        <p:nvSpPr>
+          <p:cNvPr id="96" name="PlaceHolder 1"/>
+          <p:cNvSpPr>
+            <a:spLocks noGrp="1"/>
+          </p:cNvSpPr>
+          <p:nvPr>
+            <p:ph type="title"/>
+          </p:nvPr>
+        </p:nvSpPr>
+        <p:spPr>
+          <a:xfrm>
+            <a:off x="504000" y="301320"/>
+            <a:ext cx="9070560" cy="1261080"/>
+          </a:xfrm>
+          <a:prstGeom prst="rect">
+            <a:avLst/>
+          </a:prstGeom>
+        </p:spPr>
+        <p:txBody>
+          <a:bodyPr lIns="0" rIns="0" tIns="0" bIns="0" anchor="ctr"/>
+          <a:p>
+            <a:pPr algn="ctr"/>
+            <a:endParaRPr b="0" lang="de-DE" sz="4400" spc="-1" strike="noStrike">
+              <a:solidFill>
+                <a:srgbClr val="000000"/>
+              </a:solidFill>
+              <a:uFill>
+                <a:solidFill>
+                  <a:srgbClr val="ffffff"/>
+                </a:solidFill>
+              </a:uFill>
+              <a:latin typeface="Arial"/>
+            </a:endParaRPr>
+          </a:p>
+        </p:txBody>
+      </p:sp>
+      <p:sp>
+        <p:nvSpPr>
+          <p:cNvPr id="97" name="PlaceHolder 2"/>
+          <p:cNvSpPr>
+            <a:spLocks noGrp="1"/>
+          </p:cNvSpPr>
+          <p:nvPr>
+            <p:ph type="body"/>
+          </p:nvPr>
+        </p:nvSpPr>
+        <p:spPr>
+          <a:xfrm>
+            <a:off x="504000" y="1768680"/>
+            <a:ext cx="9071280" cy="2090520"/>
+          </a:xfrm>
+          <a:prstGeom prst="rect">
+            <a:avLst/>
+          </a:prstGeom>
+        </p:spPr>
+        <p:txBody>
+          <a:bodyPr lIns="0" rIns="0" tIns="0" bIns="0"/>
+          <a:p>
+            <a:endParaRPr b="0" lang="de-DE" sz="3200" spc="-1" strike="noStrike">
+              <a:solidFill>
+                <a:srgbClr val="000000"/>
+              </a:solidFill>
+              <a:uFill>
+                <a:solidFill>
+                  <a:srgbClr val="ffffff"/>
+                </a:solidFill>
+              </a:uFill>
+              <a:latin typeface="Arial"/>
+            </a:endParaRPr>
+          </a:p>
+        </p:txBody>
+      </p:sp>
+      <p:sp>
+        <p:nvSpPr>
+          <p:cNvPr id="98" name="PlaceHolder 3"/>
+          <p:cNvSpPr>
+            <a:spLocks noGrp="1"/>
+          </p:cNvSpPr>
+          <p:nvPr>
+            <p:ph type="body"/>
+          </p:nvPr>
+        </p:nvSpPr>
+        <p:spPr>
+          <a:xfrm>
+            <a:off x="504000" y="4058280"/>
+            <a:ext cx="9071280" cy="2090520"/>
+          </a:xfrm>
+          <a:prstGeom prst="rect">
+            <a:avLst/>
+          </a:prstGeom>
+        </p:spPr>
+        <p:txBody>
+          <a:bodyPr lIns="0" rIns="0" tIns="0" bIns="0"/>
+          <a:p>
+            <a:endParaRPr b="0" lang="de-DE" sz="3200" spc="-1" strike="noStrike">
+              <a:solidFill>
+                <a:srgbClr val="000000"/>
+              </a:solidFill>
+              <a:uFill>
+                <a:solidFill>
+                  <a:srgbClr val="ffffff"/>
+                </a:solidFill>
+              </a:uFill>
+              <a:latin typeface="Arial"/>
+            </a:endParaRPr>
+          </a:p>
+        </p:txBody>
+      </p:sp>
+    </p:spTree>
+  </p:cSld>
+</p:sldLayout>
+</file>
+
+<file path=ppt/slideLayouts/slideLayout35.xml><?xml version="1.0" encoding="utf-8"?>
+<p:sldLayout xmlns:a="http://schemas.openxmlformats.org/drawingml/2006/main" xmlns:p="http://schemas.openxmlformats.org/presentationml/2006/main" xmlns:r="http://schemas.openxmlformats.org/officeDocument/2006/relationships" xmlns:p14="http://schemas.microsoft.com/office/powerpoint/2010/main" xmlns:p15="http://schemas.microsoft.com/office/powerpoint/2012/main" xmlns:mc="http://schemas.openxmlformats.org/markup-compatibility/2006" type="fourObj" preserve="1">
+  <p:cSld name="Title, 4 Content">
+    <p:spTree>
+      <p:nvGrpSpPr>
+        <p:cNvPr id="1" name=""/>
+        <p:cNvGrpSpPr/>
+        <p:nvPr/>
+      </p:nvGrpSpPr>
+      <p:grpSpPr>
+        <a:xfrm>
+          <a:off x="0" y="0"/>
+          <a:ext cx="0" cy="0"/>
+          <a:chOff x="0" y="0"/>
+          <a:chExt cx="0" cy="0"/>
+        </a:xfrm>
+      </p:grpSpPr>
+      <p:sp>
+        <p:nvSpPr>
+          <p:cNvPr id="99" name="PlaceHolder 1"/>
+          <p:cNvSpPr>
+            <a:spLocks noGrp="1"/>
+          </p:cNvSpPr>
+          <p:nvPr>
+            <p:ph type="title"/>
+          </p:nvPr>
+        </p:nvSpPr>
+        <p:spPr>
+          <a:xfrm>
+            <a:off x="504000" y="301320"/>
+            <a:ext cx="9070560" cy="1261080"/>
+          </a:xfrm>
+          <a:prstGeom prst="rect">
+            <a:avLst/>
+          </a:prstGeom>
+        </p:spPr>
+        <p:txBody>
+          <a:bodyPr lIns="0" rIns="0" tIns="0" bIns="0" anchor="ctr"/>
+          <a:p>
+            <a:pPr algn="ctr"/>
+            <a:endParaRPr b="0" lang="de-DE" sz="4400" spc="-1" strike="noStrike">
+              <a:solidFill>
+                <a:srgbClr val="000000"/>
+              </a:solidFill>
+              <a:uFill>
+                <a:solidFill>
+                  <a:srgbClr val="ffffff"/>
+                </a:solidFill>
+              </a:uFill>
+              <a:latin typeface="Arial"/>
+            </a:endParaRPr>
+          </a:p>
+        </p:txBody>
+      </p:sp>
+      <p:sp>
+        <p:nvSpPr>
+          <p:cNvPr id="100" name="PlaceHolder 2"/>
+          <p:cNvSpPr>
+            <a:spLocks noGrp="1"/>
+          </p:cNvSpPr>
+          <p:nvPr>
+            <p:ph type="body"/>
+          </p:nvPr>
+        </p:nvSpPr>
+        <p:spPr>
+          <a:xfrm>
+            <a:off x="504000" y="1768680"/>
+            <a:ext cx="4426560" cy="2090520"/>
+          </a:xfrm>
+          <a:prstGeom prst="rect">
+            <a:avLst/>
+          </a:prstGeom>
+        </p:spPr>
+        <p:txBody>
+          <a:bodyPr lIns="0" rIns="0" tIns="0" bIns="0"/>
+          <a:p>
+            <a:endParaRPr b="0" lang="de-DE" sz="3200" spc="-1" strike="noStrike">
+              <a:solidFill>
+                <a:srgbClr val="000000"/>
+              </a:solidFill>
+              <a:uFill>
+                <a:solidFill>
+                  <a:srgbClr val="ffffff"/>
+                </a:solidFill>
+              </a:uFill>
+              <a:latin typeface="Arial"/>
+            </a:endParaRPr>
+          </a:p>
+        </p:txBody>
+      </p:sp>
+      <p:sp>
+        <p:nvSpPr>
+          <p:cNvPr id="101" name="PlaceHolder 3"/>
+          <p:cNvSpPr>
+            <a:spLocks noGrp="1"/>
+          </p:cNvSpPr>
+          <p:nvPr>
+            <p:ph type="body"/>
+          </p:nvPr>
+        </p:nvSpPr>
+        <p:spPr>
+          <a:xfrm>
+            <a:off x="5152320" y="1768680"/>
+            <a:ext cx="4426560" cy="2090520"/>
+          </a:xfrm>
+          <a:prstGeom prst="rect">
+            <a:avLst/>
+          </a:prstGeom>
+        </p:spPr>
+        <p:txBody>
+          <a:bodyPr lIns="0" rIns="0" tIns="0" bIns="0"/>
+          <a:p>
+            <a:endParaRPr b="0" lang="de-DE" sz="3200" spc="-1" strike="noStrike">
+              <a:solidFill>
+                <a:srgbClr val="000000"/>
+              </a:solidFill>
+              <a:uFill>
+                <a:solidFill>
+                  <a:srgbClr val="ffffff"/>
+                </a:solidFill>
+              </a:uFill>
+              <a:latin typeface="Arial"/>
+            </a:endParaRPr>
+          </a:p>
+        </p:txBody>
+      </p:sp>
+      <p:sp>
+        <p:nvSpPr>
+          <p:cNvPr id="102" name="PlaceHolder 4"/>
+          <p:cNvSpPr>
+            <a:spLocks noGrp="1"/>
+          </p:cNvSpPr>
+          <p:nvPr>
+            <p:ph type="body"/>
+          </p:nvPr>
+        </p:nvSpPr>
+        <p:spPr>
+          <a:xfrm>
+            <a:off x="5152320" y="4058280"/>
+            <a:ext cx="4426560" cy="2090520"/>
+          </a:xfrm>
+          <a:prstGeom prst="rect">
+            <a:avLst/>
+          </a:prstGeom>
+        </p:spPr>
+        <p:txBody>
+          <a:bodyPr lIns="0" rIns="0" tIns="0" bIns="0"/>
+          <a:p>
+            <a:endParaRPr b="0" lang="de-DE" sz="3200" spc="-1" strike="noStrike">
+              <a:solidFill>
+                <a:srgbClr val="000000"/>
+              </a:solidFill>
+              <a:uFill>
+                <a:solidFill>
+                  <a:srgbClr val="ffffff"/>
+                </a:solidFill>
+              </a:uFill>
+              <a:latin typeface="Arial"/>
+            </a:endParaRPr>
+          </a:p>
+        </p:txBody>
+      </p:sp>
+      <p:sp>
+        <p:nvSpPr>
+          <p:cNvPr id="103" name="PlaceHolder 5"/>
+          <p:cNvSpPr>
+            <a:spLocks noGrp="1"/>
+          </p:cNvSpPr>
+          <p:nvPr>
+            <p:ph type="body"/>
+          </p:nvPr>
+        </p:nvSpPr>
+        <p:spPr>
+          <a:xfrm>
+            <a:off x="504000" y="4058280"/>
+            <a:ext cx="4426560" cy="2090520"/>
+          </a:xfrm>
+          <a:prstGeom prst="rect">
+            <a:avLst/>
+          </a:prstGeom>
+        </p:spPr>
+        <p:txBody>
+          <a:bodyPr lIns="0" rIns="0" tIns="0" bIns="0"/>
+          <a:p>
+            <a:endParaRPr b="0" lang="de-DE" sz="3200" spc="-1" strike="noStrike">
+              <a:solidFill>
+                <a:srgbClr val="000000"/>
+              </a:solidFill>
+              <a:uFill>
+                <a:solidFill>
+                  <a:srgbClr val="ffffff"/>
+                </a:solidFill>
+              </a:uFill>
+              <a:latin typeface="Arial"/>
+            </a:endParaRPr>
+          </a:p>
+        </p:txBody>
+      </p:sp>
+    </p:spTree>
+  </p:cSld>
+</p:sldLayout>
+</file>
+
+<file path=ppt/slideLayouts/slideLayout36.xml><?xml version="1.0" encoding="utf-8"?>
+<p:sldLayout xmlns:a="http://schemas.openxmlformats.org/drawingml/2006/main" xmlns:p="http://schemas.openxmlformats.org/presentationml/2006/main" xmlns:r="http://schemas.openxmlformats.org/officeDocument/2006/relationships" xmlns:p14="http://schemas.microsoft.com/office/powerpoint/2010/main" xmlns:p15="http://schemas.microsoft.com/office/powerpoint/2012/main" xmlns:mc="http://schemas.openxmlformats.org/markup-compatibility/2006" type="blank" preserve="1">
+  <p:cSld name="Title, 6 Content">
+    <p:spTree>
+      <p:nvGrpSpPr>
+        <p:cNvPr id="1" name=""/>
+        <p:cNvGrpSpPr/>
+        <p:nvPr/>
+      </p:nvGrpSpPr>
+      <p:grpSpPr>
+        <a:xfrm>
+          <a:off x="0" y="0"/>
+          <a:ext cx="0" cy="0"/>
+          <a:chOff x="0" y="0"/>
+          <a:chExt cx="0" cy="0"/>
+        </a:xfrm>
+      </p:grpSpPr>
+      <p:sp>
+        <p:nvSpPr>
+          <p:cNvPr id="104" name="PlaceHolder 1"/>
+          <p:cNvSpPr>
+            <a:spLocks noGrp="1"/>
+          </p:cNvSpPr>
+          <p:nvPr>
+            <p:ph type="title"/>
+          </p:nvPr>
+        </p:nvSpPr>
+        <p:spPr>
+          <a:xfrm>
+            <a:off x="504000" y="301320"/>
+            <a:ext cx="9070560" cy="1261080"/>
+          </a:xfrm>
+          <a:prstGeom prst="rect">
+            <a:avLst/>
+          </a:prstGeom>
+        </p:spPr>
+        <p:txBody>
+          <a:bodyPr lIns="0" rIns="0" tIns="0" bIns="0" anchor="ctr"/>
+          <a:p>
+            <a:pPr algn="ctr"/>
+            <a:endParaRPr b="0" lang="de-DE" sz="4400" spc="-1" strike="noStrike">
+              <a:solidFill>
+                <a:srgbClr val="000000"/>
+              </a:solidFill>
+              <a:uFill>
+                <a:solidFill>
+                  <a:srgbClr val="ffffff"/>
+                </a:solidFill>
+              </a:uFill>
+              <a:latin typeface="Arial"/>
+            </a:endParaRPr>
+          </a:p>
+        </p:txBody>
+      </p:sp>
+      <p:sp>
+        <p:nvSpPr>
+          <p:cNvPr id="105" name="PlaceHolder 2"/>
+          <p:cNvSpPr>
+            <a:spLocks noGrp="1"/>
+          </p:cNvSpPr>
+          <p:nvPr>
+            <p:ph type="body"/>
+          </p:nvPr>
+        </p:nvSpPr>
+        <p:spPr>
+          <a:xfrm>
+            <a:off x="504000" y="1768680"/>
+            <a:ext cx="9071280" cy="4383360"/>
+          </a:xfrm>
+          <a:prstGeom prst="rect">
+            <a:avLst/>
+          </a:prstGeom>
+        </p:spPr>
+        <p:txBody>
+          <a:bodyPr lIns="0" rIns="0" tIns="0" bIns="0"/>
+          <a:p>
+            <a:endParaRPr b="0" lang="de-DE" sz="3200" spc="-1" strike="noStrike">
+              <a:solidFill>
+                <a:srgbClr val="000000"/>
+              </a:solidFill>
+              <a:uFill>
+                <a:solidFill>
+                  <a:srgbClr val="ffffff"/>
+                </a:solidFill>
+              </a:uFill>
+              <a:latin typeface="Arial"/>
+            </a:endParaRPr>
+          </a:p>
+        </p:txBody>
+      </p:sp>
+      <p:sp>
+        <p:nvSpPr>
+          <p:cNvPr id="106" name="PlaceHolder 3"/>
+          <p:cNvSpPr>
+            <a:spLocks noGrp="1"/>
+          </p:cNvSpPr>
+          <p:nvPr>
+            <p:ph type="body"/>
+          </p:nvPr>
+        </p:nvSpPr>
+        <p:spPr>
+          <a:xfrm>
+            <a:off x="504000" y="1768680"/>
+            <a:ext cx="9071280" cy="4383360"/>
+          </a:xfrm>
+          <a:prstGeom prst="rect">
+            <a:avLst/>
+          </a:prstGeom>
+        </p:spPr>
+        <p:txBody>
+          <a:bodyPr lIns="0" rIns="0" tIns="0" bIns="0"/>
+          <a:p>
+            <a:endParaRPr b="0" lang="de-DE" sz="3200" spc="-1" strike="noStrike">
+              <a:solidFill>
+                <a:srgbClr val="000000"/>
+              </a:solidFill>
+              <a:uFill>
+                <a:solidFill>
+                  <a:srgbClr val="ffffff"/>
+                </a:solidFill>
+              </a:uFill>
+              <a:latin typeface="Arial"/>
+            </a:endParaRPr>
+          </a:p>
+        </p:txBody>
+      </p:sp>
+      <p:pic>
+        <p:nvPicPr>
+          <p:cNvPr id="107" name="" descr=""/>
+          <p:cNvPicPr/>
+          <p:nvPr/>
+        </p:nvPicPr>
+        <p:blipFill>
+          <a:blip r:embed="rId2"/>
+          <a:stretch/>
+        </p:blipFill>
+        <p:spPr>
+          <a:xfrm>
+            <a:off x="2292840" y="1768680"/>
+            <a:ext cx="5493600" cy="4383360"/>
+          </a:xfrm>
+          <a:prstGeom prst="rect">
+            <a:avLst/>
+          </a:prstGeom>
+          <a:ln>
+            <a:noFill/>
+          </a:ln>
+        </p:spPr>
+      </p:pic>
+      <p:pic>
+        <p:nvPicPr>
+          <p:cNvPr id="108" name="" descr=""/>
+          <p:cNvPicPr/>
+          <p:nvPr/>
+        </p:nvPicPr>
+        <p:blipFill>
+          <a:blip r:embed="rId3"/>
+          <a:stretch/>
+        </p:blipFill>
+        <p:spPr>
+          <a:xfrm>
+            <a:off x="2292840" y="1768680"/>
+            <a:ext cx="5493600" cy="4383360"/>
+          </a:xfrm>
+          <a:prstGeom prst="rect">
+            <a:avLst/>
+          </a:prstGeom>
+          <a:ln>
+            <a:noFill/>
+          </a:ln>
+        </p:spPr>
+      </p:pic>
+    </p:spTree>
+  </p:cSld>
+</p:sldLayout>
+</file>
+
+<file path=ppt/slideLayouts/slideLayout37.xml><?xml version="1.0" encoding="utf-8"?>
+<p:sldLayout xmlns:a="http://schemas.openxmlformats.org/drawingml/2006/main" xmlns:p="http://schemas.openxmlformats.org/presentationml/2006/main" xmlns:r="http://schemas.openxmlformats.org/officeDocument/2006/relationships" xmlns:p14="http://schemas.microsoft.com/office/powerpoint/2010/main" xmlns:p15="http://schemas.microsoft.com/office/powerpoint/2012/main" xmlns:mc="http://schemas.openxmlformats.org/markup-compatibility/2006" type="blank" preserve="1">
+  <p:cSld name="Blank Slide">
+    <p:spTree>
+      <p:nvGrpSpPr>
+        <p:cNvPr id="1" name=""/>
+        <p:cNvGrpSpPr/>
+        <p:nvPr/>
+      </p:nvGrpSpPr>
+      <p:grpSpPr>
+        <a:xfrm>
+          <a:off x="0" y="0"/>
+          <a:ext cx="0" cy="0"/>
+          <a:chOff x="0" y="0"/>
+          <a:chExt cx="0" cy="0"/>
+        </a:xfrm>
+      </p:grpSpPr>
+    </p:spTree>
+  </p:cSld>
+</p:sldLayout>
+</file>
+
+<file path=ppt/slideLayouts/slideLayout38.xml><?xml version="1.0" encoding="utf-8"?>
+<p:sldLayout xmlns:a="http://schemas.openxmlformats.org/drawingml/2006/main" xmlns:p="http://schemas.openxmlformats.org/presentationml/2006/main" xmlns:r="http://schemas.openxmlformats.org/officeDocument/2006/relationships" xmlns:p14="http://schemas.microsoft.com/office/powerpoint/2010/main" xmlns:p15="http://schemas.microsoft.com/office/powerpoint/2012/main" xmlns:mc="http://schemas.openxmlformats.org/markup-compatibility/2006" type="tx" preserve="1">
+  <p:cSld name="Title Slide">
+    <p:spTree>
+      <p:nvGrpSpPr>
+        <p:cNvPr id="1" name=""/>
+        <p:cNvGrpSpPr/>
+        <p:nvPr/>
+      </p:nvGrpSpPr>
+      <p:grpSpPr>
+        <a:xfrm>
+          <a:off x="0" y="0"/>
+          <a:ext cx="0" cy="0"/>
+          <a:chOff x="0" y="0"/>
+          <a:chExt cx="0" cy="0"/>
+        </a:xfrm>
+      </p:grpSpPr>
+      <p:sp>
+        <p:nvSpPr>
+          <p:cNvPr id="111" name="PlaceHolder 1"/>
+          <p:cNvSpPr>
+            <a:spLocks noGrp="1"/>
+          </p:cNvSpPr>
+          <p:nvPr>
+            <p:ph type="title"/>
+          </p:nvPr>
+        </p:nvSpPr>
+        <p:spPr>
+          <a:xfrm>
+            <a:off x="504000" y="301320"/>
+            <a:ext cx="9070560" cy="1261080"/>
+          </a:xfrm>
+          <a:prstGeom prst="rect">
+            <a:avLst/>
+          </a:prstGeom>
+        </p:spPr>
+        <p:txBody>
+          <a:bodyPr lIns="0" rIns="0" tIns="0" bIns="0" anchor="ctr"/>
+          <a:p>
+            <a:pPr algn="ctr"/>
+            <a:endParaRPr b="0" lang="de-DE" sz="4400" spc="-1" strike="noStrike">
+              <a:solidFill>
+                <a:srgbClr val="000000"/>
+              </a:solidFill>
+              <a:uFill>
+                <a:solidFill>
+                  <a:srgbClr val="ffffff"/>
+                </a:solidFill>
+              </a:uFill>
+              <a:latin typeface="Arial"/>
+            </a:endParaRPr>
+          </a:p>
+        </p:txBody>
+      </p:sp>
+      <p:sp>
+        <p:nvSpPr>
+          <p:cNvPr id="112" name="PlaceHolder 2"/>
+          <p:cNvSpPr>
+            <a:spLocks noGrp="1"/>
+          </p:cNvSpPr>
+          <p:nvPr>
+            <p:ph type="subTitle"/>
+          </p:nvPr>
+        </p:nvSpPr>
+        <p:spPr>
+          <a:xfrm>
+            <a:off x="504000" y="1768680"/>
+            <a:ext cx="9071280" cy="4383360"/>
+          </a:xfrm>
+          <a:prstGeom prst="rect">
+            <a:avLst/>
+          </a:prstGeom>
+        </p:spPr>
+        <p:txBody>
+          <a:bodyPr lIns="0" rIns="0" tIns="0" bIns="0" anchor="ctr"/>
+          <a:p>
+            <a:pPr algn="ctr"/>
+            <a:endParaRPr b="0" lang="de-DE" sz="3200" spc="-1" strike="noStrike">
+              <a:solidFill>
+                <a:srgbClr val="000000"/>
+              </a:solidFill>
+              <a:uFill>
+                <a:solidFill>
+                  <a:srgbClr val="ffffff"/>
+                </a:solidFill>
+              </a:uFill>
+              <a:latin typeface="Arial"/>
+            </a:endParaRPr>
+          </a:p>
+        </p:txBody>
+      </p:sp>
+    </p:spTree>
+  </p:cSld>
+</p:sldLayout>
+</file>
+
+<file path=ppt/slideLayouts/slideLayout39.xml><?xml version="1.0" encoding="utf-8"?>
+<p:sldLayout xmlns:a="http://schemas.openxmlformats.org/drawingml/2006/main" xmlns:p="http://schemas.openxmlformats.org/presentationml/2006/main" xmlns:r="http://schemas.openxmlformats.org/officeDocument/2006/relationships" xmlns:p14="http://schemas.microsoft.com/office/powerpoint/2010/main" xmlns:p15="http://schemas.microsoft.com/office/powerpoint/2012/main" xmlns:mc="http://schemas.openxmlformats.org/markup-compatibility/2006" type="obj" preserve="1">
+  <p:cSld name="Title, Content">
+    <p:spTree>
+      <p:nvGrpSpPr>
+        <p:cNvPr id="1" name=""/>
+        <p:cNvGrpSpPr/>
+        <p:nvPr/>
+      </p:nvGrpSpPr>
+      <p:grpSpPr>
+        <a:xfrm>
+          <a:off x="0" y="0"/>
+          <a:ext cx="0" cy="0"/>
+          <a:chOff x="0" y="0"/>
+          <a:chExt cx="0" cy="0"/>
+        </a:xfrm>
+      </p:grpSpPr>
+      <p:sp>
+        <p:nvSpPr>
+          <p:cNvPr id="113" name="PlaceHolder 1"/>
+          <p:cNvSpPr>
+            <a:spLocks noGrp="1"/>
+          </p:cNvSpPr>
+          <p:nvPr>
+            <p:ph type="title"/>
+          </p:nvPr>
+        </p:nvSpPr>
+        <p:spPr>
+          <a:xfrm>
+            <a:off x="504000" y="301320"/>
+            <a:ext cx="9070560" cy="1261080"/>
+          </a:xfrm>
+          <a:prstGeom prst="rect">
+            <a:avLst/>
+          </a:prstGeom>
+        </p:spPr>
+        <p:txBody>
+          <a:bodyPr lIns="0" rIns="0" tIns="0" bIns="0" anchor="ctr"/>
+          <a:p>
+            <a:pPr algn="ctr"/>
+            <a:endParaRPr b="0" lang="de-DE" sz="4400" spc="-1" strike="noStrike">
+              <a:solidFill>
+                <a:srgbClr val="000000"/>
+              </a:solidFill>
+              <a:uFill>
+                <a:solidFill>
+                  <a:srgbClr val="ffffff"/>
+                </a:solidFill>
+              </a:uFill>
+              <a:latin typeface="Arial"/>
+            </a:endParaRPr>
+          </a:p>
+        </p:txBody>
+      </p:sp>
+      <p:sp>
+        <p:nvSpPr>
+          <p:cNvPr id="114" name="PlaceHolder 2"/>
+          <p:cNvSpPr>
+            <a:spLocks noGrp="1"/>
+          </p:cNvSpPr>
+          <p:nvPr>
+            <p:ph type="body"/>
+          </p:nvPr>
+        </p:nvSpPr>
+        <p:spPr>
+          <a:xfrm>
+            <a:off x="504000" y="1768680"/>
+            <a:ext cx="9071280" cy="4383360"/>
           </a:xfrm>
           <a:prstGeom prst="rect">
             <a:avLst/>
@@ -768,7 +3936,7 @@
         <p:spPr>
           <a:xfrm>
             <a:off x="504000" y="301320"/>
-            <a:ext cx="9071280" cy="1261800"/>
+            <a:ext cx="9070560" cy="1261080"/>
           </a:xfrm>
           <a:prstGeom prst="rect">
             <a:avLst/>
@@ -805,7 +3973,7 @@
         <p:spPr>
           <a:xfrm>
             <a:off x="504000" y="1768680"/>
-            <a:ext cx="4426920" cy="4384080"/>
+            <a:ext cx="4426560" cy="4383360"/>
           </a:xfrm>
           <a:prstGeom prst="rect">
             <a:avLst/>
@@ -840,8 +4008,8 @@
         </p:nvSpPr>
         <p:spPr>
           <a:xfrm>
-            <a:off x="5152680" y="1768680"/>
-            <a:ext cx="4426920" cy="4384080"/>
+            <a:off x="5152320" y="1768680"/>
+            <a:ext cx="4426560" cy="4383360"/>
           </a:xfrm>
           <a:prstGeom prst="rect">
             <a:avLst/>
@@ -864,6 +4032,1267 @@
           </a:p>
         </p:txBody>
       </p:sp>
+    </p:spTree>
+  </p:cSld>
+</p:sldLayout>
+</file>
+
+<file path=ppt/slideLayouts/slideLayout40.xml><?xml version="1.0" encoding="utf-8"?>
+<p:sldLayout xmlns:a="http://schemas.openxmlformats.org/drawingml/2006/main" xmlns:p="http://schemas.openxmlformats.org/presentationml/2006/main" xmlns:r="http://schemas.openxmlformats.org/officeDocument/2006/relationships" xmlns:p14="http://schemas.microsoft.com/office/powerpoint/2010/main" xmlns:p15="http://schemas.microsoft.com/office/powerpoint/2012/main" xmlns:mc="http://schemas.openxmlformats.org/markup-compatibility/2006" type="twoObj" preserve="1">
+  <p:cSld name="Title, 2 Content">
+    <p:spTree>
+      <p:nvGrpSpPr>
+        <p:cNvPr id="1" name=""/>
+        <p:cNvGrpSpPr/>
+        <p:nvPr/>
+      </p:nvGrpSpPr>
+      <p:grpSpPr>
+        <a:xfrm>
+          <a:off x="0" y="0"/>
+          <a:ext cx="0" cy="0"/>
+          <a:chOff x="0" y="0"/>
+          <a:chExt cx="0" cy="0"/>
+        </a:xfrm>
+      </p:grpSpPr>
+      <p:sp>
+        <p:nvSpPr>
+          <p:cNvPr id="115" name="PlaceHolder 1"/>
+          <p:cNvSpPr>
+            <a:spLocks noGrp="1"/>
+          </p:cNvSpPr>
+          <p:nvPr>
+            <p:ph type="title"/>
+          </p:nvPr>
+        </p:nvSpPr>
+        <p:spPr>
+          <a:xfrm>
+            <a:off x="504000" y="301320"/>
+            <a:ext cx="9070560" cy="1261080"/>
+          </a:xfrm>
+          <a:prstGeom prst="rect">
+            <a:avLst/>
+          </a:prstGeom>
+        </p:spPr>
+        <p:txBody>
+          <a:bodyPr lIns="0" rIns="0" tIns="0" bIns="0" anchor="ctr"/>
+          <a:p>
+            <a:pPr algn="ctr"/>
+            <a:endParaRPr b="0" lang="de-DE" sz="4400" spc="-1" strike="noStrike">
+              <a:solidFill>
+                <a:srgbClr val="000000"/>
+              </a:solidFill>
+              <a:uFill>
+                <a:solidFill>
+                  <a:srgbClr val="ffffff"/>
+                </a:solidFill>
+              </a:uFill>
+              <a:latin typeface="Arial"/>
+            </a:endParaRPr>
+          </a:p>
+        </p:txBody>
+      </p:sp>
+      <p:sp>
+        <p:nvSpPr>
+          <p:cNvPr id="116" name="PlaceHolder 2"/>
+          <p:cNvSpPr>
+            <a:spLocks noGrp="1"/>
+          </p:cNvSpPr>
+          <p:nvPr>
+            <p:ph type="body"/>
+          </p:nvPr>
+        </p:nvSpPr>
+        <p:spPr>
+          <a:xfrm>
+            <a:off x="504000" y="1768680"/>
+            <a:ext cx="4426560" cy="4383360"/>
+          </a:xfrm>
+          <a:prstGeom prst="rect">
+            <a:avLst/>
+          </a:prstGeom>
+        </p:spPr>
+        <p:txBody>
+          <a:bodyPr lIns="0" rIns="0" tIns="0" bIns="0"/>
+          <a:p>
+            <a:endParaRPr b="0" lang="de-DE" sz="3200" spc="-1" strike="noStrike">
+              <a:solidFill>
+                <a:srgbClr val="000000"/>
+              </a:solidFill>
+              <a:uFill>
+                <a:solidFill>
+                  <a:srgbClr val="ffffff"/>
+                </a:solidFill>
+              </a:uFill>
+              <a:latin typeface="Arial"/>
+            </a:endParaRPr>
+          </a:p>
+        </p:txBody>
+      </p:sp>
+      <p:sp>
+        <p:nvSpPr>
+          <p:cNvPr id="117" name="PlaceHolder 3"/>
+          <p:cNvSpPr>
+            <a:spLocks noGrp="1"/>
+          </p:cNvSpPr>
+          <p:nvPr>
+            <p:ph type="body"/>
+          </p:nvPr>
+        </p:nvSpPr>
+        <p:spPr>
+          <a:xfrm>
+            <a:off x="5152320" y="1768680"/>
+            <a:ext cx="4426560" cy="4383360"/>
+          </a:xfrm>
+          <a:prstGeom prst="rect">
+            <a:avLst/>
+          </a:prstGeom>
+        </p:spPr>
+        <p:txBody>
+          <a:bodyPr lIns="0" rIns="0" tIns="0" bIns="0"/>
+          <a:p>
+            <a:endParaRPr b="0" lang="de-DE" sz="3200" spc="-1" strike="noStrike">
+              <a:solidFill>
+                <a:srgbClr val="000000"/>
+              </a:solidFill>
+              <a:uFill>
+                <a:solidFill>
+                  <a:srgbClr val="ffffff"/>
+                </a:solidFill>
+              </a:uFill>
+              <a:latin typeface="Arial"/>
+            </a:endParaRPr>
+          </a:p>
+        </p:txBody>
+      </p:sp>
+    </p:spTree>
+  </p:cSld>
+</p:sldLayout>
+</file>
+
+<file path=ppt/slideLayouts/slideLayout41.xml><?xml version="1.0" encoding="utf-8"?>
+<p:sldLayout xmlns:a="http://schemas.openxmlformats.org/drawingml/2006/main" xmlns:p="http://schemas.openxmlformats.org/presentationml/2006/main" xmlns:r="http://schemas.openxmlformats.org/officeDocument/2006/relationships" xmlns:p14="http://schemas.microsoft.com/office/powerpoint/2010/main" xmlns:p15="http://schemas.microsoft.com/office/powerpoint/2012/main" xmlns:mc="http://schemas.openxmlformats.org/markup-compatibility/2006" type="titleOnly" preserve="1">
+  <p:cSld name="Title Only">
+    <p:spTree>
+      <p:nvGrpSpPr>
+        <p:cNvPr id="1" name=""/>
+        <p:cNvGrpSpPr/>
+        <p:nvPr/>
+      </p:nvGrpSpPr>
+      <p:grpSpPr>
+        <a:xfrm>
+          <a:off x="0" y="0"/>
+          <a:ext cx="0" cy="0"/>
+          <a:chOff x="0" y="0"/>
+          <a:chExt cx="0" cy="0"/>
+        </a:xfrm>
+      </p:grpSpPr>
+      <p:sp>
+        <p:nvSpPr>
+          <p:cNvPr id="118" name="PlaceHolder 1"/>
+          <p:cNvSpPr>
+            <a:spLocks noGrp="1"/>
+          </p:cNvSpPr>
+          <p:nvPr>
+            <p:ph type="title"/>
+          </p:nvPr>
+        </p:nvSpPr>
+        <p:spPr>
+          <a:xfrm>
+            <a:off x="504000" y="301320"/>
+            <a:ext cx="9070560" cy="1261080"/>
+          </a:xfrm>
+          <a:prstGeom prst="rect">
+            <a:avLst/>
+          </a:prstGeom>
+        </p:spPr>
+        <p:txBody>
+          <a:bodyPr lIns="0" rIns="0" tIns="0" bIns="0" anchor="ctr"/>
+          <a:p>
+            <a:pPr algn="ctr"/>
+            <a:endParaRPr b="0" lang="de-DE" sz="4400" spc="-1" strike="noStrike">
+              <a:solidFill>
+                <a:srgbClr val="000000"/>
+              </a:solidFill>
+              <a:uFill>
+                <a:solidFill>
+                  <a:srgbClr val="ffffff"/>
+                </a:solidFill>
+              </a:uFill>
+              <a:latin typeface="Arial"/>
+            </a:endParaRPr>
+          </a:p>
+        </p:txBody>
+      </p:sp>
+    </p:spTree>
+  </p:cSld>
+</p:sldLayout>
+</file>
+
+<file path=ppt/slideLayouts/slideLayout42.xml><?xml version="1.0" encoding="utf-8"?>
+<p:sldLayout xmlns:a="http://schemas.openxmlformats.org/drawingml/2006/main" xmlns:p="http://schemas.openxmlformats.org/presentationml/2006/main" xmlns:r="http://schemas.openxmlformats.org/officeDocument/2006/relationships" xmlns:p14="http://schemas.microsoft.com/office/powerpoint/2010/main" xmlns:p15="http://schemas.microsoft.com/office/powerpoint/2012/main" xmlns:mc="http://schemas.openxmlformats.org/markup-compatibility/2006" type="objOnly" preserve="1">
+  <p:cSld name="Centered Text">
+    <p:spTree>
+      <p:nvGrpSpPr>
+        <p:cNvPr id="1" name=""/>
+        <p:cNvGrpSpPr/>
+        <p:nvPr/>
+      </p:nvGrpSpPr>
+      <p:grpSpPr>
+        <a:xfrm>
+          <a:off x="0" y="0"/>
+          <a:ext cx="0" cy="0"/>
+          <a:chOff x="0" y="0"/>
+          <a:chExt cx="0" cy="0"/>
+        </a:xfrm>
+      </p:grpSpPr>
+      <p:sp>
+        <p:nvSpPr>
+          <p:cNvPr id="119" name="PlaceHolder 1"/>
+          <p:cNvSpPr>
+            <a:spLocks noGrp="1"/>
+          </p:cNvSpPr>
+          <p:nvPr>
+            <p:ph type="subTitle"/>
+          </p:nvPr>
+        </p:nvSpPr>
+        <p:spPr>
+          <a:xfrm>
+            <a:off x="504000" y="301320"/>
+            <a:ext cx="9070560" cy="5846760"/>
+          </a:xfrm>
+          <a:prstGeom prst="rect">
+            <a:avLst/>
+          </a:prstGeom>
+        </p:spPr>
+        <p:txBody>
+          <a:bodyPr lIns="0" rIns="0" tIns="0" bIns="0" anchor="ctr"/>
+          <a:p>
+            <a:pPr algn="ctr"/>
+            <a:endParaRPr b="0" lang="de-DE" sz="3200" spc="-1" strike="noStrike">
+              <a:solidFill>
+                <a:srgbClr val="000000"/>
+              </a:solidFill>
+              <a:uFill>
+                <a:solidFill>
+                  <a:srgbClr val="ffffff"/>
+                </a:solidFill>
+              </a:uFill>
+              <a:latin typeface="Arial"/>
+            </a:endParaRPr>
+          </a:p>
+        </p:txBody>
+      </p:sp>
+    </p:spTree>
+  </p:cSld>
+</p:sldLayout>
+</file>
+
+<file path=ppt/slideLayouts/slideLayout43.xml><?xml version="1.0" encoding="utf-8"?>
+<p:sldLayout xmlns:a="http://schemas.openxmlformats.org/drawingml/2006/main" xmlns:p="http://schemas.openxmlformats.org/presentationml/2006/main" xmlns:r="http://schemas.openxmlformats.org/officeDocument/2006/relationships" xmlns:p14="http://schemas.microsoft.com/office/powerpoint/2010/main" xmlns:p15="http://schemas.microsoft.com/office/powerpoint/2012/main" xmlns:mc="http://schemas.openxmlformats.org/markup-compatibility/2006" type="twoObjAndObj" preserve="1">
+  <p:cSld name="Title, 2 Content and Content">
+    <p:spTree>
+      <p:nvGrpSpPr>
+        <p:cNvPr id="1" name=""/>
+        <p:cNvGrpSpPr/>
+        <p:nvPr/>
+      </p:nvGrpSpPr>
+      <p:grpSpPr>
+        <a:xfrm>
+          <a:off x="0" y="0"/>
+          <a:ext cx="0" cy="0"/>
+          <a:chOff x="0" y="0"/>
+          <a:chExt cx="0" cy="0"/>
+        </a:xfrm>
+      </p:grpSpPr>
+      <p:sp>
+        <p:nvSpPr>
+          <p:cNvPr id="120" name="PlaceHolder 1"/>
+          <p:cNvSpPr>
+            <a:spLocks noGrp="1"/>
+          </p:cNvSpPr>
+          <p:nvPr>
+            <p:ph type="title"/>
+          </p:nvPr>
+        </p:nvSpPr>
+        <p:spPr>
+          <a:xfrm>
+            <a:off x="504000" y="301320"/>
+            <a:ext cx="9070560" cy="1261080"/>
+          </a:xfrm>
+          <a:prstGeom prst="rect">
+            <a:avLst/>
+          </a:prstGeom>
+        </p:spPr>
+        <p:txBody>
+          <a:bodyPr lIns="0" rIns="0" tIns="0" bIns="0" anchor="ctr"/>
+          <a:p>
+            <a:pPr algn="ctr"/>
+            <a:endParaRPr b="0" lang="de-DE" sz="4400" spc="-1" strike="noStrike">
+              <a:solidFill>
+                <a:srgbClr val="000000"/>
+              </a:solidFill>
+              <a:uFill>
+                <a:solidFill>
+                  <a:srgbClr val="ffffff"/>
+                </a:solidFill>
+              </a:uFill>
+              <a:latin typeface="Arial"/>
+            </a:endParaRPr>
+          </a:p>
+        </p:txBody>
+      </p:sp>
+      <p:sp>
+        <p:nvSpPr>
+          <p:cNvPr id="121" name="PlaceHolder 2"/>
+          <p:cNvSpPr>
+            <a:spLocks noGrp="1"/>
+          </p:cNvSpPr>
+          <p:nvPr>
+            <p:ph type="body"/>
+          </p:nvPr>
+        </p:nvSpPr>
+        <p:spPr>
+          <a:xfrm>
+            <a:off x="504000" y="1768680"/>
+            <a:ext cx="4426560" cy="2090520"/>
+          </a:xfrm>
+          <a:prstGeom prst="rect">
+            <a:avLst/>
+          </a:prstGeom>
+        </p:spPr>
+        <p:txBody>
+          <a:bodyPr lIns="0" rIns="0" tIns="0" bIns="0"/>
+          <a:p>
+            <a:endParaRPr b="0" lang="de-DE" sz="3200" spc="-1" strike="noStrike">
+              <a:solidFill>
+                <a:srgbClr val="000000"/>
+              </a:solidFill>
+              <a:uFill>
+                <a:solidFill>
+                  <a:srgbClr val="ffffff"/>
+                </a:solidFill>
+              </a:uFill>
+              <a:latin typeface="Arial"/>
+            </a:endParaRPr>
+          </a:p>
+        </p:txBody>
+      </p:sp>
+      <p:sp>
+        <p:nvSpPr>
+          <p:cNvPr id="122" name="PlaceHolder 3"/>
+          <p:cNvSpPr>
+            <a:spLocks noGrp="1"/>
+          </p:cNvSpPr>
+          <p:nvPr>
+            <p:ph type="body"/>
+          </p:nvPr>
+        </p:nvSpPr>
+        <p:spPr>
+          <a:xfrm>
+            <a:off x="504000" y="4058280"/>
+            <a:ext cx="4426560" cy="2090520"/>
+          </a:xfrm>
+          <a:prstGeom prst="rect">
+            <a:avLst/>
+          </a:prstGeom>
+        </p:spPr>
+        <p:txBody>
+          <a:bodyPr lIns="0" rIns="0" tIns="0" bIns="0"/>
+          <a:p>
+            <a:endParaRPr b="0" lang="de-DE" sz="3200" spc="-1" strike="noStrike">
+              <a:solidFill>
+                <a:srgbClr val="000000"/>
+              </a:solidFill>
+              <a:uFill>
+                <a:solidFill>
+                  <a:srgbClr val="ffffff"/>
+                </a:solidFill>
+              </a:uFill>
+              <a:latin typeface="Arial"/>
+            </a:endParaRPr>
+          </a:p>
+        </p:txBody>
+      </p:sp>
+      <p:sp>
+        <p:nvSpPr>
+          <p:cNvPr id="123" name="PlaceHolder 4"/>
+          <p:cNvSpPr>
+            <a:spLocks noGrp="1"/>
+          </p:cNvSpPr>
+          <p:nvPr>
+            <p:ph type="body"/>
+          </p:nvPr>
+        </p:nvSpPr>
+        <p:spPr>
+          <a:xfrm>
+            <a:off x="5152320" y="1768680"/>
+            <a:ext cx="4426560" cy="4383360"/>
+          </a:xfrm>
+          <a:prstGeom prst="rect">
+            <a:avLst/>
+          </a:prstGeom>
+        </p:spPr>
+        <p:txBody>
+          <a:bodyPr lIns="0" rIns="0" tIns="0" bIns="0"/>
+          <a:p>
+            <a:endParaRPr b="0" lang="de-DE" sz="3200" spc="-1" strike="noStrike">
+              <a:solidFill>
+                <a:srgbClr val="000000"/>
+              </a:solidFill>
+              <a:uFill>
+                <a:solidFill>
+                  <a:srgbClr val="ffffff"/>
+                </a:solidFill>
+              </a:uFill>
+              <a:latin typeface="Arial"/>
+            </a:endParaRPr>
+          </a:p>
+        </p:txBody>
+      </p:sp>
+    </p:spTree>
+  </p:cSld>
+</p:sldLayout>
+</file>
+
+<file path=ppt/slideLayouts/slideLayout44.xml><?xml version="1.0" encoding="utf-8"?>
+<p:sldLayout xmlns:a="http://schemas.openxmlformats.org/drawingml/2006/main" xmlns:p="http://schemas.openxmlformats.org/presentationml/2006/main" xmlns:r="http://schemas.openxmlformats.org/officeDocument/2006/relationships" xmlns:p14="http://schemas.microsoft.com/office/powerpoint/2010/main" xmlns:p15="http://schemas.microsoft.com/office/powerpoint/2012/main" xmlns:mc="http://schemas.openxmlformats.org/markup-compatibility/2006" type="objAndTwoObj" preserve="1">
+  <p:cSld name="Title Content and 2 Content">
+    <p:spTree>
+      <p:nvGrpSpPr>
+        <p:cNvPr id="1" name=""/>
+        <p:cNvGrpSpPr/>
+        <p:nvPr/>
+      </p:nvGrpSpPr>
+      <p:grpSpPr>
+        <a:xfrm>
+          <a:off x="0" y="0"/>
+          <a:ext cx="0" cy="0"/>
+          <a:chOff x="0" y="0"/>
+          <a:chExt cx="0" cy="0"/>
+        </a:xfrm>
+      </p:grpSpPr>
+      <p:sp>
+        <p:nvSpPr>
+          <p:cNvPr id="124" name="PlaceHolder 1"/>
+          <p:cNvSpPr>
+            <a:spLocks noGrp="1"/>
+          </p:cNvSpPr>
+          <p:nvPr>
+            <p:ph type="title"/>
+          </p:nvPr>
+        </p:nvSpPr>
+        <p:spPr>
+          <a:xfrm>
+            <a:off x="504000" y="301320"/>
+            <a:ext cx="9070560" cy="1261080"/>
+          </a:xfrm>
+          <a:prstGeom prst="rect">
+            <a:avLst/>
+          </a:prstGeom>
+        </p:spPr>
+        <p:txBody>
+          <a:bodyPr lIns="0" rIns="0" tIns="0" bIns="0" anchor="ctr"/>
+          <a:p>
+            <a:pPr algn="ctr"/>
+            <a:endParaRPr b="0" lang="de-DE" sz="4400" spc="-1" strike="noStrike">
+              <a:solidFill>
+                <a:srgbClr val="000000"/>
+              </a:solidFill>
+              <a:uFill>
+                <a:solidFill>
+                  <a:srgbClr val="ffffff"/>
+                </a:solidFill>
+              </a:uFill>
+              <a:latin typeface="Arial"/>
+            </a:endParaRPr>
+          </a:p>
+        </p:txBody>
+      </p:sp>
+      <p:sp>
+        <p:nvSpPr>
+          <p:cNvPr id="125" name="PlaceHolder 2"/>
+          <p:cNvSpPr>
+            <a:spLocks noGrp="1"/>
+          </p:cNvSpPr>
+          <p:nvPr>
+            <p:ph type="body"/>
+          </p:nvPr>
+        </p:nvSpPr>
+        <p:spPr>
+          <a:xfrm>
+            <a:off x="504000" y="1768680"/>
+            <a:ext cx="4426560" cy="4383360"/>
+          </a:xfrm>
+          <a:prstGeom prst="rect">
+            <a:avLst/>
+          </a:prstGeom>
+        </p:spPr>
+        <p:txBody>
+          <a:bodyPr lIns="0" rIns="0" tIns="0" bIns="0"/>
+          <a:p>
+            <a:endParaRPr b="0" lang="de-DE" sz="3200" spc="-1" strike="noStrike">
+              <a:solidFill>
+                <a:srgbClr val="000000"/>
+              </a:solidFill>
+              <a:uFill>
+                <a:solidFill>
+                  <a:srgbClr val="ffffff"/>
+                </a:solidFill>
+              </a:uFill>
+              <a:latin typeface="Arial"/>
+            </a:endParaRPr>
+          </a:p>
+        </p:txBody>
+      </p:sp>
+      <p:sp>
+        <p:nvSpPr>
+          <p:cNvPr id="126" name="PlaceHolder 3"/>
+          <p:cNvSpPr>
+            <a:spLocks noGrp="1"/>
+          </p:cNvSpPr>
+          <p:nvPr>
+            <p:ph type="body"/>
+          </p:nvPr>
+        </p:nvSpPr>
+        <p:spPr>
+          <a:xfrm>
+            <a:off x="5152320" y="1768680"/>
+            <a:ext cx="4426560" cy="2090520"/>
+          </a:xfrm>
+          <a:prstGeom prst="rect">
+            <a:avLst/>
+          </a:prstGeom>
+        </p:spPr>
+        <p:txBody>
+          <a:bodyPr lIns="0" rIns="0" tIns="0" bIns="0"/>
+          <a:p>
+            <a:endParaRPr b="0" lang="de-DE" sz="3200" spc="-1" strike="noStrike">
+              <a:solidFill>
+                <a:srgbClr val="000000"/>
+              </a:solidFill>
+              <a:uFill>
+                <a:solidFill>
+                  <a:srgbClr val="ffffff"/>
+                </a:solidFill>
+              </a:uFill>
+              <a:latin typeface="Arial"/>
+            </a:endParaRPr>
+          </a:p>
+        </p:txBody>
+      </p:sp>
+      <p:sp>
+        <p:nvSpPr>
+          <p:cNvPr id="127" name="PlaceHolder 4"/>
+          <p:cNvSpPr>
+            <a:spLocks noGrp="1"/>
+          </p:cNvSpPr>
+          <p:nvPr>
+            <p:ph type="body"/>
+          </p:nvPr>
+        </p:nvSpPr>
+        <p:spPr>
+          <a:xfrm>
+            <a:off x="5152320" y="4058280"/>
+            <a:ext cx="4426560" cy="2090520"/>
+          </a:xfrm>
+          <a:prstGeom prst="rect">
+            <a:avLst/>
+          </a:prstGeom>
+        </p:spPr>
+        <p:txBody>
+          <a:bodyPr lIns="0" rIns="0" tIns="0" bIns="0"/>
+          <a:p>
+            <a:endParaRPr b="0" lang="de-DE" sz="3200" spc="-1" strike="noStrike">
+              <a:solidFill>
+                <a:srgbClr val="000000"/>
+              </a:solidFill>
+              <a:uFill>
+                <a:solidFill>
+                  <a:srgbClr val="ffffff"/>
+                </a:solidFill>
+              </a:uFill>
+              <a:latin typeface="Arial"/>
+            </a:endParaRPr>
+          </a:p>
+        </p:txBody>
+      </p:sp>
+    </p:spTree>
+  </p:cSld>
+</p:sldLayout>
+</file>
+
+<file path=ppt/slideLayouts/slideLayout45.xml><?xml version="1.0" encoding="utf-8"?>
+<p:sldLayout xmlns:a="http://schemas.openxmlformats.org/drawingml/2006/main" xmlns:p="http://schemas.openxmlformats.org/presentationml/2006/main" xmlns:r="http://schemas.openxmlformats.org/officeDocument/2006/relationships" xmlns:p14="http://schemas.microsoft.com/office/powerpoint/2010/main" xmlns:p15="http://schemas.microsoft.com/office/powerpoint/2012/main" xmlns:mc="http://schemas.openxmlformats.org/markup-compatibility/2006" type="twoObjOverTx" preserve="1">
+  <p:cSld name="Title, 2 Content over Content">
+    <p:spTree>
+      <p:nvGrpSpPr>
+        <p:cNvPr id="1" name=""/>
+        <p:cNvGrpSpPr/>
+        <p:nvPr/>
+      </p:nvGrpSpPr>
+      <p:grpSpPr>
+        <a:xfrm>
+          <a:off x="0" y="0"/>
+          <a:ext cx="0" cy="0"/>
+          <a:chOff x="0" y="0"/>
+          <a:chExt cx="0" cy="0"/>
+        </a:xfrm>
+      </p:grpSpPr>
+      <p:sp>
+        <p:nvSpPr>
+          <p:cNvPr id="128" name="PlaceHolder 1"/>
+          <p:cNvSpPr>
+            <a:spLocks noGrp="1"/>
+          </p:cNvSpPr>
+          <p:nvPr>
+            <p:ph type="title"/>
+          </p:nvPr>
+        </p:nvSpPr>
+        <p:spPr>
+          <a:xfrm>
+            <a:off x="504000" y="301320"/>
+            <a:ext cx="9070560" cy="1261080"/>
+          </a:xfrm>
+          <a:prstGeom prst="rect">
+            <a:avLst/>
+          </a:prstGeom>
+        </p:spPr>
+        <p:txBody>
+          <a:bodyPr lIns="0" rIns="0" tIns="0" bIns="0" anchor="ctr"/>
+          <a:p>
+            <a:pPr algn="ctr"/>
+            <a:endParaRPr b="0" lang="de-DE" sz="4400" spc="-1" strike="noStrike">
+              <a:solidFill>
+                <a:srgbClr val="000000"/>
+              </a:solidFill>
+              <a:uFill>
+                <a:solidFill>
+                  <a:srgbClr val="ffffff"/>
+                </a:solidFill>
+              </a:uFill>
+              <a:latin typeface="Arial"/>
+            </a:endParaRPr>
+          </a:p>
+        </p:txBody>
+      </p:sp>
+      <p:sp>
+        <p:nvSpPr>
+          <p:cNvPr id="129" name="PlaceHolder 2"/>
+          <p:cNvSpPr>
+            <a:spLocks noGrp="1"/>
+          </p:cNvSpPr>
+          <p:nvPr>
+            <p:ph type="body"/>
+          </p:nvPr>
+        </p:nvSpPr>
+        <p:spPr>
+          <a:xfrm>
+            <a:off x="504000" y="1768680"/>
+            <a:ext cx="4426560" cy="2090520"/>
+          </a:xfrm>
+          <a:prstGeom prst="rect">
+            <a:avLst/>
+          </a:prstGeom>
+        </p:spPr>
+        <p:txBody>
+          <a:bodyPr lIns="0" rIns="0" tIns="0" bIns="0"/>
+          <a:p>
+            <a:endParaRPr b="0" lang="de-DE" sz="3200" spc="-1" strike="noStrike">
+              <a:solidFill>
+                <a:srgbClr val="000000"/>
+              </a:solidFill>
+              <a:uFill>
+                <a:solidFill>
+                  <a:srgbClr val="ffffff"/>
+                </a:solidFill>
+              </a:uFill>
+              <a:latin typeface="Arial"/>
+            </a:endParaRPr>
+          </a:p>
+        </p:txBody>
+      </p:sp>
+      <p:sp>
+        <p:nvSpPr>
+          <p:cNvPr id="130" name="PlaceHolder 3"/>
+          <p:cNvSpPr>
+            <a:spLocks noGrp="1"/>
+          </p:cNvSpPr>
+          <p:nvPr>
+            <p:ph type="body"/>
+          </p:nvPr>
+        </p:nvSpPr>
+        <p:spPr>
+          <a:xfrm>
+            <a:off x="5152320" y="1768680"/>
+            <a:ext cx="4426560" cy="2090520"/>
+          </a:xfrm>
+          <a:prstGeom prst="rect">
+            <a:avLst/>
+          </a:prstGeom>
+        </p:spPr>
+        <p:txBody>
+          <a:bodyPr lIns="0" rIns="0" tIns="0" bIns="0"/>
+          <a:p>
+            <a:endParaRPr b="0" lang="de-DE" sz="3200" spc="-1" strike="noStrike">
+              <a:solidFill>
+                <a:srgbClr val="000000"/>
+              </a:solidFill>
+              <a:uFill>
+                <a:solidFill>
+                  <a:srgbClr val="ffffff"/>
+                </a:solidFill>
+              </a:uFill>
+              <a:latin typeface="Arial"/>
+            </a:endParaRPr>
+          </a:p>
+        </p:txBody>
+      </p:sp>
+      <p:sp>
+        <p:nvSpPr>
+          <p:cNvPr id="131" name="PlaceHolder 4"/>
+          <p:cNvSpPr>
+            <a:spLocks noGrp="1"/>
+          </p:cNvSpPr>
+          <p:nvPr>
+            <p:ph type="body"/>
+          </p:nvPr>
+        </p:nvSpPr>
+        <p:spPr>
+          <a:xfrm>
+            <a:off x="504000" y="4058280"/>
+            <a:ext cx="9071280" cy="2090520"/>
+          </a:xfrm>
+          <a:prstGeom prst="rect">
+            <a:avLst/>
+          </a:prstGeom>
+        </p:spPr>
+        <p:txBody>
+          <a:bodyPr lIns="0" rIns="0" tIns="0" bIns="0"/>
+          <a:p>
+            <a:endParaRPr b="0" lang="de-DE" sz="3200" spc="-1" strike="noStrike">
+              <a:solidFill>
+                <a:srgbClr val="000000"/>
+              </a:solidFill>
+              <a:uFill>
+                <a:solidFill>
+                  <a:srgbClr val="ffffff"/>
+                </a:solidFill>
+              </a:uFill>
+              <a:latin typeface="Arial"/>
+            </a:endParaRPr>
+          </a:p>
+        </p:txBody>
+      </p:sp>
+    </p:spTree>
+  </p:cSld>
+</p:sldLayout>
+</file>
+
+<file path=ppt/slideLayouts/slideLayout46.xml><?xml version="1.0" encoding="utf-8"?>
+<p:sldLayout xmlns:a="http://schemas.openxmlformats.org/drawingml/2006/main" xmlns:p="http://schemas.openxmlformats.org/presentationml/2006/main" xmlns:r="http://schemas.openxmlformats.org/officeDocument/2006/relationships" xmlns:p14="http://schemas.microsoft.com/office/powerpoint/2010/main" xmlns:p15="http://schemas.microsoft.com/office/powerpoint/2012/main" xmlns:mc="http://schemas.openxmlformats.org/markup-compatibility/2006" type="objOverTx" preserve="1">
+  <p:cSld name="Title, Content over Content">
+    <p:spTree>
+      <p:nvGrpSpPr>
+        <p:cNvPr id="1" name=""/>
+        <p:cNvGrpSpPr/>
+        <p:nvPr/>
+      </p:nvGrpSpPr>
+      <p:grpSpPr>
+        <a:xfrm>
+          <a:off x="0" y="0"/>
+          <a:ext cx="0" cy="0"/>
+          <a:chOff x="0" y="0"/>
+          <a:chExt cx="0" cy="0"/>
+        </a:xfrm>
+      </p:grpSpPr>
+      <p:sp>
+        <p:nvSpPr>
+          <p:cNvPr id="132" name="PlaceHolder 1"/>
+          <p:cNvSpPr>
+            <a:spLocks noGrp="1"/>
+          </p:cNvSpPr>
+          <p:nvPr>
+            <p:ph type="title"/>
+          </p:nvPr>
+        </p:nvSpPr>
+        <p:spPr>
+          <a:xfrm>
+            <a:off x="504000" y="301320"/>
+            <a:ext cx="9070560" cy="1261080"/>
+          </a:xfrm>
+          <a:prstGeom prst="rect">
+            <a:avLst/>
+          </a:prstGeom>
+        </p:spPr>
+        <p:txBody>
+          <a:bodyPr lIns="0" rIns="0" tIns="0" bIns="0" anchor="ctr"/>
+          <a:p>
+            <a:pPr algn="ctr"/>
+            <a:endParaRPr b="0" lang="de-DE" sz="4400" spc="-1" strike="noStrike">
+              <a:solidFill>
+                <a:srgbClr val="000000"/>
+              </a:solidFill>
+              <a:uFill>
+                <a:solidFill>
+                  <a:srgbClr val="ffffff"/>
+                </a:solidFill>
+              </a:uFill>
+              <a:latin typeface="Arial"/>
+            </a:endParaRPr>
+          </a:p>
+        </p:txBody>
+      </p:sp>
+      <p:sp>
+        <p:nvSpPr>
+          <p:cNvPr id="133" name="PlaceHolder 2"/>
+          <p:cNvSpPr>
+            <a:spLocks noGrp="1"/>
+          </p:cNvSpPr>
+          <p:nvPr>
+            <p:ph type="body"/>
+          </p:nvPr>
+        </p:nvSpPr>
+        <p:spPr>
+          <a:xfrm>
+            <a:off x="504000" y="1768680"/>
+            <a:ext cx="9071280" cy="2090520"/>
+          </a:xfrm>
+          <a:prstGeom prst="rect">
+            <a:avLst/>
+          </a:prstGeom>
+        </p:spPr>
+        <p:txBody>
+          <a:bodyPr lIns="0" rIns="0" tIns="0" bIns="0"/>
+          <a:p>
+            <a:endParaRPr b="0" lang="de-DE" sz="3200" spc="-1" strike="noStrike">
+              <a:solidFill>
+                <a:srgbClr val="000000"/>
+              </a:solidFill>
+              <a:uFill>
+                <a:solidFill>
+                  <a:srgbClr val="ffffff"/>
+                </a:solidFill>
+              </a:uFill>
+              <a:latin typeface="Arial"/>
+            </a:endParaRPr>
+          </a:p>
+        </p:txBody>
+      </p:sp>
+      <p:sp>
+        <p:nvSpPr>
+          <p:cNvPr id="134" name="PlaceHolder 3"/>
+          <p:cNvSpPr>
+            <a:spLocks noGrp="1"/>
+          </p:cNvSpPr>
+          <p:nvPr>
+            <p:ph type="body"/>
+          </p:nvPr>
+        </p:nvSpPr>
+        <p:spPr>
+          <a:xfrm>
+            <a:off x="504000" y="4058280"/>
+            <a:ext cx="9071280" cy="2090520"/>
+          </a:xfrm>
+          <a:prstGeom prst="rect">
+            <a:avLst/>
+          </a:prstGeom>
+        </p:spPr>
+        <p:txBody>
+          <a:bodyPr lIns="0" rIns="0" tIns="0" bIns="0"/>
+          <a:p>
+            <a:endParaRPr b="0" lang="de-DE" sz="3200" spc="-1" strike="noStrike">
+              <a:solidFill>
+                <a:srgbClr val="000000"/>
+              </a:solidFill>
+              <a:uFill>
+                <a:solidFill>
+                  <a:srgbClr val="ffffff"/>
+                </a:solidFill>
+              </a:uFill>
+              <a:latin typeface="Arial"/>
+            </a:endParaRPr>
+          </a:p>
+        </p:txBody>
+      </p:sp>
+    </p:spTree>
+  </p:cSld>
+</p:sldLayout>
+</file>
+
+<file path=ppt/slideLayouts/slideLayout47.xml><?xml version="1.0" encoding="utf-8"?>
+<p:sldLayout xmlns:a="http://schemas.openxmlformats.org/drawingml/2006/main" xmlns:p="http://schemas.openxmlformats.org/presentationml/2006/main" xmlns:r="http://schemas.openxmlformats.org/officeDocument/2006/relationships" xmlns:p14="http://schemas.microsoft.com/office/powerpoint/2010/main" xmlns:p15="http://schemas.microsoft.com/office/powerpoint/2012/main" xmlns:mc="http://schemas.openxmlformats.org/markup-compatibility/2006" type="fourObj" preserve="1">
+  <p:cSld name="Title, 4 Content">
+    <p:spTree>
+      <p:nvGrpSpPr>
+        <p:cNvPr id="1" name=""/>
+        <p:cNvGrpSpPr/>
+        <p:nvPr/>
+      </p:nvGrpSpPr>
+      <p:grpSpPr>
+        <a:xfrm>
+          <a:off x="0" y="0"/>
+          <a:ext cx="0" cy="0"/>
+          <a:chOff x="0" y="0"/>
+          <a:chExt cx="0" cy="0"/>
+        </a:xfrm>
+      </p:grpSpPr>
+      <p:sp>
+        <p:nvSpPr>
+          <p:cNvPr id="135" name="PlaceHolder 1"/>
+          <p:cNvSpPr>
+            <a:spLocks noGrp="1"/>
+          </p:cNvSpPr>
+          <p:nvPr>
+            <p:ph type="title"/>
+          </p:nvPr>
+        </p:nvSpPr>
+        <p:spPr>
+          <a:xfrm>
+            <a:off x="504000" y="301320"/>
+            <a:ext cx="9070560" cy="1261080"/>
+          </a:xfrm>
+          <a:prstGeom prst="rect">
+            <a:avLst/>
+          </a:prstGeom>
+        </p:spPr>
+        <p:txBody>
+          <a:bodyPr lIns="0" rIns="0" tIns="0" bIns="0" anchor="ctr"/>
+          <a:p>
+            <a:pPr algn="ctr"/>
+            <a:endParaRPr b="0" lang="de-DE" sz="4400" spc="-1" strike="noStrike">
+              <a:solidFill>
+                <a:srgbClr val="000000"/>
+              </a:solidFill>
+              <a:uFill>
+                <a:solidFill>
+                  <a:srgbClr val="ffffff"/>
+                </a:solidFill>
+              </a:uFill>
+              <a:latin typeface="Arial"/>
+            </a:endParaRPr>
+          </a:p>
+        </p:txBody>
+      </p:sp>
+      <p:sp>
+        <p:nvSpPr>
+          <p:cNvPr id="136" name="PlaceHolder 2"/>
+          <p:cNvSpPr>
+            <a:spLocks noGrp="1"/>
+          </p:cNvSpPr>
+          <p:nvPr>
+            <p:ph type="body"/>
+          </p:nvPr>
+        </p:nvSpPr>
+        <p:spPr>
+          <a:xfrm>
+            <a:off x="504000" y="1768680"/>
+            <a:ext cx="4426560" cy="2090520"/>
+          </a:xfrm>
+          <a:prstGeom prst="rect">
+            <a:avLst/>
+          </a:prstGeom>
+        </p:spPr>
+        <p:txBody>
+          <a:bodyPr lIns="0" rIns="0" tIns="0" bIns="0"/>
+          <a:p>
+            <a:endParaRPr b="0" lang="de-DE" sz="3200" spc="-1" strike="noStrike">
+              <a:solidFill>
+                <a:srgbClr val="000000"/>
+              </a:solidFill>
+              <a:uFill>
+                <a:solidFill>
+                  <a:srgbClr val="ffffff"/>
+                </a:solidFill>
+              </a:uFill>
+              <a:latin typeface="Arial"/>
+            </a:endParaRPr>
+          </a:p>
+        </p:txBody>
+      </p:sp>
+      <p:sp>
+        <p:nvSpPr>
+          <p:cNvPr id="137" name="PlaceHolder 3"/>
+          <p:cNvSpPr>
+            <a:spLocks noGrp="1"/>
+          </p:cNvSpPr>
+          <p:nvPr>
+            <p:ph type="body"/>
+          </p:nvPr>
+        </p:nvSpPr>
+        <p:spPr>
+          <a:xfrm>
+            <a:off x="5152320" y="1768680"/>
+            <a:ext cx="4426560" cy="2090520"/>
+          </a:xfrm>
+          <a:prstGeom prst="rect">
+            <a:avLst/>
+          </a:prstGeom>
+        </p:spPr>
+        <p:txBody>
+          <a:bodyPr lIns="0" rIns="0" tIns="0" bIns="0"/>
+          <a:p>
+            <a:endParaRPr b="0" lang="de-DE" sz="3200" spc="-1" strike="noStrike">
+              <a:solidFill>
+                <a:srgbClr val="000000"/>
+              </a:solidFill>
+              <a:uFill>
+                <a:solidFill>
+                  <a:srgbClr val="ffffff"/>
+                </a:solidFill>
+              </a:uFill>
+              <a:latin typeface="Arial"/>
+            </a:endParaRPr>
+          </a:p>
+        </p:txBody>
+      </p:sp>
+      <p:sp>
+        <p:nvSpPr>
+          <p:cNvPr id="138" name="PlaceHolder 4"/>
+          <p:cNvSpPr>
+            <a:spLocks noGrp="1"/>
+          </p:cNvSpPr>
+          <p:nvPr>
+            <p:ph type="body"/>
+          </p:nvPr>
+        </p:nvSpPr>
+        <p:spPr>
+          <a:xfrm>
+            <a:off x="5152320" y="4058280"/>
+            <a:ext cx="4426560" cy="2090520"/>
+          </a:xfrm>
+          <a:prstGeom prst="rect">
+            <a:avLst/>
+          </a:prstGeom>
+        </p:spPr>
+        <p:txBody>
+          <a:bodyPr lIns="0" rIns="0" tIns="0" bIns="0"/>
+          <a:p>
+            <a:endParaRPr b="0" lang="de-DE" sz="3200" spc="-1" strike="noStrike">
+              <a:solidFill>
+                <a:srgbClr val="000000"/>
+              </a:solidFill>
+              <a:uFill>
+                <a:solidFill>
+                  <a:srgbClr val="ffffff"/>
+                </a:solidFill>
+              </a:uFill>
+              <a:latin typeface="Arial"/>
+            </a:endParaRPr>
+          </a:p>
+        </p:txBody>
+      </p:sp>
+      <p:sp>
+        <p:nvSpPr>
+          <p:cNvPr id="139" name="PlaceHolder 5"/>
+          <p:cNvSpPr>
+            <a:spLocks noGrp="1"/>
+          </p:cNvSpPr>
+          <p:nvPr>
+            <p:ph type="body"/>
+          </p:nvPr>
+        </p:nvSpPr>
+        <p:spPr>
+          <a:xfrm>
+            <a:off x="504000" y="4058280"/>
+            <a:ext cx="4426560" cy="2090520"/>
+          </a:xfrm>
+          <a:prstGeom prst="rect">
+            <a:avLst/>
+          </a:prstGeom>
+        </p:spPr>
+        <p:txBody>
+          <a:bodyPr lIns="0" rIns="0" tIns="0" bIns="0"/>
+          <a:p>
+            <a:endParaRPr b="0" lang="de-DE" sz="3200" spc="-1" strike="noStrike">
+              <a:solidFill>
+                <a:srgbClr val="000000"/>
+              </a:solidFill>
+              <a:uFill>
+                <a:solidFill>
+                  <a:srgbClr val="ffffff"/>
+                </a:solidFill>
+              </a:uFill>
+              <a:latin typeface="Arial"/>
+            </a:endParaRPr>
+          </a:p>
+        </p:txBody>
+      </p:sp>
+    </p:spTree>
+  </p:cSld>
+</p:sldLayout>
+</file>
+
+<file path=ppt/slideLayouts/slideLayout48.xml><?xml version="1.0" encoding="utf-8"?>
+<p:sldLayout xmlns:a="http://schemas.openxmlformats.org/drawingml/2006/main" xmlns:p="http://schemas.openxmlformats.org/presentationml/2006/main" xmlns:r="http://schemas.openxmlformats.org/officeDocument/2006/relationships" xmlns:p14="http://schemas.microsoft.com/office/powerpoint/2010/main" xmlns:p15="http://schemas.microsoft.com/office/powerpoint/2012/main" xmlns:mc="http://schemas.openxmlformats.org/markup-compatibility/2006" type="blank" preserve="1">
+  <p:cSld name="Title, 6 Content">
+    <p:spTree>
+      <p:nvGrpSpPr>
+        <p:cNvPr id="1" name=""/>
+        <p:cNvGrpSpPr/>
+        <p:nvPr/>
+      </p:nvGrpSpPr>
+      <p:grpSpPr>
+        <a:xfrm>
+          <a:off x="0" y="0"/>
+          <a:ext cx="0" cy="0"/>
+          <a:chOff x="0" y="0"/>
+          <a:chExt cx="0" cy="0"/>
+        </a:xfrm>
+      </p:grpSpPr>
+      <p:sp>
+        <p:nvSpPr>
+          <p:cNvPr id="140" name="PlaceHolder 1"/>
+          <p:cNvSpPr>
+            <a:spLocks noGrp="1"/>
+          </p:cNvSpPr>
+          <p:nvPr>
+            <p:ph type="title"/>
+          </p:nvPr>
+        </p:nvSpPr>
+        <p:spPr>
+          <a:xfrm>
+            <a:off x="504000" y="301320"/>
+            <a:ext cx="9070560" cy="1261080"/>
+          </a:xfrm>
+          <a:prstGeom prst="rect">
+            <a:avLst/>
+          </a:prstGeom>
+        </p:spPr>
+        <p:txBody>
+          <a:bodyPr lIns="0" rIns="0" tIns="0" bIns="0" anchor="ctr"/>
+          <a:p>
+            <a:pPr algn="ctr"/>
+            <a:endParaRPr b="0" lang="de-DE" sz="4400" spc="-1" strike="noStrike">
+              <a:solidFill>
+                <a:srgbClr val="000000"/>
+              </a:solidFill>
+              <a:uFill>
+                <a:solidFill>
+                  <a:srgbClr val="ffffff"/>
+                </a:solidFill>
+              </a:uFill>
+              <a:latin typeface="Arial"/>
+            </a:endParaRPr>
+          </a:p>
+        </p:txBody>
+      </p:sp>
+      <p:sp>
+        <p:nvSpPr>
+          <p:cNvPr id="141" name="PlaceHolder 2"/>
+          <p:cNvSpPr>
+            <a:spLocks noGrp="1"/>
+          </p:cNvSpPr>
+          <p:nvPr>
+            <p:ph type="body"/>
+          </p:nvPr>
+        </p:nvSpPr>
+        <p:spPr>
+          <a:xfrm>
+            <a:off x="504000" y="1768680"/>
+            <a:ext cx="9071280" cy="4383360"/>
+          </a:xfrm>
+          <a:prstGeom prst="rect">
+            <a:avLst/>
+          </a:prstGeom>
+        </p:spPr>
+        <p:txBody>
+          <a:bodyPr lIns="0" rIns="0" tIns="0" bIns="0"/>
+          <a:p>
+            <a:endParaRPr b="0" lang="de-DE" sz="3200" spc="-1" strike="noStrike">
+              <a:solidFill>
+                <a:srgbClr val="000000"/>
+              </a:solidFill>
+              <a:uFill>
+                <a:solidFill>
+                  <a:srgbClr val="ffffff"/>
+                </a:solidFill>
+              </a:uFill>
+              <a:latin typeface="Arial"/>
+            </a:endParaRPr>
+          </a:p>
+        </p:txBody>
+      </p:sp>
+      <p:sp>
+        <p:nvSpPr>
+          <p:cNvPr id="142" name="PlaceHolder 3"/>
+          <p:cNvSpPr>
+            <a:spLocks noGrp="1"/>
+          </p:cNvSpPr>
+          <p:nvPr>
+            <p:ph type="body"/>
+          </p:nvPr>
+        </p:nvSpPr>
+        <p:spPr>
+          <a:xfrm>
+            <a:off x="504000" y="1768680"/>
+            <a:ext cx="9071280" cy="4383360"/>
+          </a:xfrm>
+          <a:prstGeom prst="rect">
+            <a:avLst/>
+          </a:prstGeom>
+        </p:spPr>
+        <p:txBody>
+          <a:bodyPr lIns="0" rIns="0" tIns="0" bIns="0"/>
+          <a:p>
+            <a:endParaRPr b="0" lang="de-DE" sz="3200" spc="-1" strike="noStrike">
+              <a:solidFill>
+                <a:srgbClr val="000000"/>
+              </a:solidFill>
+              <a:uFill>
+                <a:solidFill>
+                  <a:srgbClr val="ffffff"/>
+                </a:solidFill>
+              </a:uFill>
+              <a:latin typeface="Arial"/>
+            </a:endParaRPr>
+          </a:p>
+        </p:txBody>
+      </p:sp>
+      <p:pic>
+        <p:nvPicPr>
+          <p:cNvPr id="143" name="" descr=""/>
+          <p:cNvPicPr/>
+          <p:nvPr/>
+        </p:nvPicPr>
+        <p:blipFill>
+          <a:blip r:embed="rId2"/>
+          <a:stretch/>
+        </p:blipFill>
+        <p:spPr>
+          <a:xfrm>
+            <a:off x="2292840" y="1768680"/>
+            <a:ext cx="5493600" cy="4383360"/>
+          </a:xfrm>
+          <a:prstGeom prst="rect">
+            <a:avLst/>
+          </a:prstGeom>
+          <a:ln>
+            <a:noFill/>
+          </a:ln>
+        </p:spPr>
+      </p:pic>
+      <p:pic>
+        <p:nvPicPr>
+          <p:cNvPr id="144" name="" descr=""/>
+          <p:cNvPicPr/>
+          <p:nvPr/>
+        </p:nvPicPr>
+        <p:blipFill>
+          <a:blip r:embed="rId3"/>
+          <a:stretch/>
+        </p:blipFill>
+        <p:spPr>
+          <a:xfrm>
+            <a:off x="2292840" y="1768680"/>
+            <a:ext cx="5493600" cy="4383360"/>
+          </a:xfrm>
+          <a:prstGeom prst="rect">
+            <a:avLst/>
+          </a:prstGeom>
+          <a:ln>
+            <a:noFill/>
+          </a:ln>
+        </p:spPr>
+      </p:pic>
     </p:spTree>
   </p:cSld>
 </p:sldLayout>
@@ -899,7 +5328,7 @@
         <p:spPr>
           <a:xfrm>
             <a:off x="504000" y="301320"/>
-            <a:ext cx="9071280" cy="1261800"/>
+            <a:ext cx="9070560" cy="1261080"/>
           </a:xfrm>
           <a:prstGeom prst="rect">
             <a:avLst/>
@@ -958,7 +5387,7 @@
         <p:spPr>
           <a:xfrm>
             <a:off x="504000" y="301320"/>
-            <a:ext cx="9071280" cy="5850360"/>
+            <a:ext cx="9070560" cy="5846760"/>
           </a:xfrm>
           <a:prstGeom prst="rect">
             <a:avLst/>
@@ -1017,7 +5446,7 @@
         <p:spPr>
           <a:xfrm>
             <a:off x="504000" y="301320"/>
-            <a:ext cx="9071280" cy="1261800"/>
+            <a:ext cx="9070560" cy="1261080"/>
           </a:xfrm>
           <a:prstGeom prst="rect">
             <a:avLst/>
@@ -1054,7 +5483,7 @@
         <p:spPr>
           <a:xfrm>
             <a:off x="504000" y="1768680"/>
-            <a:ext cx="4426920" cy="2090880"/>
+            <a:ext cx="4426560" cy="2090520"/>
           </a:xfrm>
           <a:prstGeom prst="rect">
             <a:avLst/>
@@ -1089,8 +5518,8 @@
         </p:nvSpPr>
         <p:spPr>
           <a:xfrm>
-            <a:off x="504000" y="4058640"/>
-            <a:ext cx="4426920" cy="2090880"/>
+            <a:off x="504000" y="4058280"/>
+            <a:ext cx="4426560" cy="2090520"/>
           </a:xfrm>
           <a:prstGeom prst="rect">
             <a:avLst/>
@@ -1125,8 +5554,8 @@
         </p:nvSpPr>
         <p:spPr>
           <a:xfrm>
-            <a:off x="5152680" y="1768680"/>
-            <a:ext cx="4426920" cy="4384080"/>
+            <a:off x="5152320" y="1768680"/>
+            <a:ext cx="4426560" cy="4383360"/>
           </a:xfrm>
           <a:prstGeom prst="rect">
             <a:avLst/>
@@ -1184,7 +5613,7 @@
         <p:spPr>
           <a:xfrm>
             <a:off x="504000" y="301320"/>
-            <a:ext cx="9071280" cy="1261800"/>
+            <a:ext cx="9070560" cy="1261080"/>
           </a:xfrm>
           <a:prstGeom prst="rect">
             <a:avLst/>
@@ -1221,7 +5650,7 @@
         <p:spPr>
           <a:xfrm>
             <a:off x="504000" y="1768680"/>
-            <a:ext cx="4426920" cy="4384080"/>
+            <a:ext cx="4426560" cy="4383360"/>
           </a:xfrm>
           <a:prstGeom prst="rect">
             <a:avLst/>
@@ -1256,8 +5685,8 @@
         </p:nvSpPr>
         <p:spPr>
           <a:xfrm>
-            <a:off x="5152680" y="1768680"/>
-            <a:ext cx="4426920" cy="2090880"/>
+            <a:off x="5152320" y="1768680"/>
+            <a:ext cx="4426560" cy="2090520"/>
           </a:xfrm>
           <a:prstGeom prst="rect">
             <a:avLst/>
@@ -1292,8 +5721,8 @@
         </p:nvSpPr>
         <p:spPr>
           <a:xfrm>
-            <a:off x="5152680" y="4058640"/>
-            <a:ext cx="4426920" cy="2090880"/>
+            <a:off x="5152320" y="4058280"/>
+            <a:ext cx="4426560" cy="2090520"/>
           </a:xfrm>
           <a:prstGeom prst="rect">
             <a:avLst/>
@@ -1351,7 +5780,7 @@
         <p:spPr>
           <a:xfrm>
             <a:off x="504000" y="301320"/>
-            <a:ext cx="9071280" cy="1261800"/>
+            <a:ext cx="9070560" cy="1261080"/>
           </a:xfrm>
           <a:prstGeom prst="rect">
             <a:avLst/>
@@ -1388,7 +5817,7 @@
         <p:spPr>
           <a:xfrm>
             <a:off x="504000" y="1768680"/>
-            <a:ext cx="4426920" cy="2090880"/>
+            <a:ext cx="4426560" cy="2090520"/>
           </a:xfrm>
           <a:prstGeom prst="rect">
             <a:avLst/>
@@ -1423,8 +5852,8 @@
         </p:nvSpPr>
         <p:spPr>
           <a:xfrm>
-            <a:off x="5152680" y="1768680"/>
-            <a:ext cx="4426920" cy="2090880"/>
+            <a:off x="5152320" y="1768680"/>
+            <a:ext cx="4426560" cy="2090520"/>
           </a:xfrm>
           <a:prstGeom prst="rect">
             <a:avLst/>
@@ -1459,8 +5888,8 @@
         </p:nvSpPr>
         <p:spPr>
           <a:xfrm>
-            <a:off x="504000" y="4058640"/>
-            <a:ext cx="9072000" cy="2090880"/>
+            <a:off x="504000" y="4058280"/>
+            <a:ext cx="9071280" cy="2090520"/>
           </a:xfrm>
           <a:prstGeom prst="rect">
             <a:avLst/>
@@ -1518,7 +5947,7 @@
         <p:spPr>
           <a:xfrm>
             <a:off x="504000" y="301320"/>
-            <a:ext cx="9071280" cy="1261800"/>
+            <a:ext cx="9070560" cy="1261080"/>
           </a:xfrm>
           <a:prstGeom prst="rect">
             <a:avLst/>
@@ -1555,7 +5984,7 @@
         <p:spPr>
           <a:xfrm>
             <a:off x="504000" y="1768680"/>
-            <a:ext cx="9072000" cy="4384080"/>
+            <a:ext cx="9071280" cy="4383360"/>
           </a:xfrm>
           <a:prstGeom prst="rect">
             <a:avLst/>
@@ -1573,7 +6002,7 @@
               <a:buChar char=""/>
             </a:pPr>
             <a:r>
-              <a:rPr b="0" lang="de-DE" sz="3200" spc="-1" strike="noStrike">
+              <a:rPr b="0" lang="de-DE" sz="1800" spc="-1" strike="noStrike">
                 <a:solidFill>
                   <a:srgbClr val="000000"/>
                 </a:solidFill>
@@ -1586,7 +6015,7 @@
               </a:rPr>
               <a:t>Format des Gliederungstextes durch Klicken bearbeiten</a:t>
             </a:r>
-            <a:endParaRPr b="0" lang="de-DE" sz="3200" spc="-1" strike="noStrike">
+            <a:endParaRPr b="0" lang="de-DE" sz="1800" spc="-1" strike="noStrike">
               <a:solidFill>
                 <a:srgbClr val="000000"/>
               </a:solidFill>
@@ -1608,7 +6037,7 @@
               <a:buChar char=""/>
             </a:pPr>
             <a:r>
-              <a:rPr b="0" lang="de-DE" sz="2800" spc="-1" strike="noStrike">
+              <a:rPr b="0" lang="de-DE" sz="1800" spc="-1" strike="noStrike">
                 <a:solidFill>
                   <a:srgbClr val="000000"/>
                 </a:solidFill>
@@ -1621,7 +6050,7 @@
               </a:rPr>
               <a:t>Zweite Gliederungsebene</a:t>
             </a:r>
-            <a:endParaRPr b="0" lang="de-DE" sz="2800" spc="-1" strike="noStrike">
+            <a:endParaRPr b="0" lang="de-DE" sz="1800" spc="-1" strike="noStrike">
               <a:solidFill>
                 <a:srgbClr val="000000"/>
               </a:solidFill>
@@ -1643,7 +6072,7 @@
               <a:buChar char=""/>
             </a:pPr>
             <a:r>
-              <a:rPr b="0" lang="de-DE" sz="2400" spc="-1" strike="noStrike">
+              <a:rPr b="0" lang="de-DE" sz="1800" spc="-1" strike="noStrike">
                 <a:solidFill>
                   <a:srgbClr val="000000"/>
                 </a:solidFill>
@@ -1656,7 +6085,7 @@
               </a:rPr>
               <a:t>Dritte Gliederungsebene</a:t>
             </a:r>
-            <a:endParaRPr b="0" lang="de-DE" sz="2400" spc="-1" strike="noStrike">
+            <a:endParaRPr b="0" lang="de-DE" sz="1800" spc="-1" strike="noStrike">
               <a:solidFill>
                 <a:srgbClr val="000000"/>
               </a:solidFill>
@@ -1678,7 +6107,7 @@
               <a:buChar char=""/>
             </a:pPr>
             <a:r>
-              <a:rPr b="0" lang="de-DE" sz="2000" spc="-1" strike="noStrike">
+              <a:rPr b="0" lang="de-DE" sz="1800" spc="-1" strike="noStrike">
                 <a:solidFill>
                   <a:srgbClr val="000000"/>
                 </a:solidFill>
@@ -1691,7 +6120,7 @@
               </a:rPr>
               <a:t>Vierte Gliederungsebene</a:t>
             </a:r>
-            <a:endParaRPr b="0" lang="de-DE" sz="2000" spc="-1" strike="noStrike">
+            <a:endParaRPr b="0" lang="de-DE" sz="1800" spc="-1" strike="noStrike">
               <a:solidFill>
                 <a:srgbClr val="000000"/>
               </a:solidFill>
@@ -1713,7 +6142,7 @@
               <a:buChar char=""/>
             </a:pPr>
             <a:r>
-              <a:rPr b="0" lang="de-DE" sz="2000" spc="-1" strike="noStrike">
+              <a:rPr b="0" lang="de-DE" sz="1800" spc="-1" strike="noStrike">
                 <a:solidFill>
                   <a:srgbClr val="000000"/>
                 </a:solidFill>
@@ -1726,7 +6155,7 @@
               </a:rPr>
               <a:t>Fünfte Gliederungsebene</a:t>
             </a:r>
-            <a:endParaRPr b="0" lang="de-DE" sz="2000" spc="-1" strike="noStrike">
+            <a:endParaRPr b="0" lang="de-DE" sz="1800" spc="-1" strike="noStrike">
               <a:solidFill>
                 <a:srgbClr val="000000"/>
               </a:solidFill>
@@ -1748,7 +6177,7 @@
               <a:buChar char=""/>
             </a:pPr>
             <a:r>
-              <a:rPr b="0" lang="de-DE" sz="2000" spc="-1" strike="noStrike">
+              <a:rPr b="0" lang="de-DE" sz="1800" spc="-1" strike="noStrike">
                 <a:solidFill>
                   <a:srgbClr val="000000"/>
                 </a:solidFill>
@@ -1761,7 +6190,7 @@
               </a:rPr>
               <a:t>Sechste Gliederungsebene</a:t>
             </a:r>
-            <a:endParaRPr b="0" lang="de-DE" sz="2000" spc="-1" strike="noStrike">
+            <a:endParaRPr b="0" lang="de-DE" sz="1800" spc="-1" strike="noStrike">
               <a:solidFill>
                 <a:srgbClr val="000000"/>
               </a:solidFill>
@@ -1783,7 +6212,7 @@
               <a:buChar char=""/>
             </a:pPr>
             <a:r>
-              <a:rPr b="0" lang="de-DE" sz="2000" spc="-1" strike="noStrike">
+              <a:rPr b="0" lang="de-DE" sz="1800" spc="-1" strike="noStrike">
                 <a:solidFill>
                   <a:srgbClr val="000000"/>
                 </a:solidFill>
@@ -1796,7 +6225,7 @@
               </a:rPr>
               <a:t>Siebte Gliederungsebene</a:t>
             </a:r>
-            <a:endParaRPr b="0" lang="de-DE" sz="2000" spc="-1" strike="noStrike">
+            <a:endParaRPr b="0" lang="de-DE" sz="1800" spc="-1" strike="noStrike">
               <a:solidFill>
                 <a:srgbClr val="000000"/>
               </a:solidFill>
@@ -1826,6 +6255,1314 @@
     <p:sldLayoutId id="2147483658" r:id="rId11"/>
     <p:sldLayoutId id="2147483659" r:id="rId12"/>
     <p:sldLayoutId id="2147483660" r:id="rId13"/>
+  </p:sldLayoutIdLst>
+</p:sldMaster>
+</file>
+
+<file path=ppt/slideMasters/slideMaster2.xml><?xml version="1.0" encoding="utf-8"?>
+<p:sldMaster xmlns:a="http://schemas.openxmlformats.org/drawingml/2006/main" xmlns:p="http://schemas.openxmlformats.org/presentationml/2006/main" xmlns:r="http://schemas.openxmlformats.org/officeDocument/2006/relationships" xmlns:p14="http://schemas.microsoft.com/office/powerpoint/2010/main" xmlns:p15="http://schemas.microsoft.com/office/powerpoint/2012/main" xmlns:mc="http://schemas.openxmlformats.org/markup-compatibility/2006">
+  <p:cSld>
+    <p:spTree>
+      <p:nvGrpSpPr>
+        <p:cNvPr id="1" name=""/>
+        <p:cNvGrpSpPr/>
+        <p:nvPr/>
+      </p:nvGrpSpPr>
+      <p:grpSpPr>
+        <a:xfrm>
+          <a:off x="0" y="0"/>
+          <a:ext cx="0" cy="0"/>
+          <a:chOff x="0" y="0"/>
+          <a:chExt cx="0" cy="0"/>
+        </a:xfrm>
+      </p:grpSpPr>
+      <p:sp>
+        <p:nvSpPr>
+          <p:cNvPr id="36" name="PlaceHolder 1"/>
+          <p:cNvSpPr>
+            <a:spLocks noGrp="1"/>
+          </p:cNvSpPr>
+          <p:nvPr>
+            <p:ph type="title"/>
+          </p:nvPr>
+        </p:nvSpPr>
+        <p:spPr>
+          <a:xfrm>
+            <a:off x="504000" y="301320"/>
+            <a:ext cx="9070560" cy="1261080"/>
+          </a:xfrm>
+          <a:prstGeom prst="rect">
+            <a:avLst/>
+          </a:prstGeom>
+        </p:spPr>
+        <p:txBody>
+          <a:bodyPr lIns="0" rIns="0" tIns="0" bIns="0" anchor="ctr"/>
+          <a:p>
+            <a:pPr algn="ctr"/>
+            <a:endParaRPr b="0" lang="de-DE" sz="4400" spc="-1" strike="noStrike">
+              <a:solidFill>
+                <a:srgbClr val="000000"/>
+              </a:solidFill>
+              <a:uFill>
+                <a:solidFill>
+                  <a:srgbClr val="ffffff"/>
+                </a:solidFill>
+              </a:uFill>
+              <a:latin typeface="Arial"/>
+            </a:endParaRPr>
+          </a:p>
+        </p:txBody>
+      </p:sp>
+      <p:sp>
+        <p:nvSpPr>
+          <p:cNvPr id="37" name="PlaceHolder 2"/>
+          <p:cNvSpPr>
+            <a:spLocks noGrp="1"/>
+          </p:cNvSpPr>
+          <p:nvPr>
+            <p:ph type="body"/>
+          </p:nvPr>
+        </p:nvSpPr>
+        <p:spPr>
+          <a:xfrm>
+            <a:off x="504000" y="1768680"/>
+            <a:ext cx="9071280" cy="4383360"/>
+          </a:xfrm>
+          <a:prstGeom prst="rect">
+            <a:avLst/>
+          </a:prstGeom>
+        </p:spPr>
+        <p:txBody>
+          <a:bodyPr lIns="0" rIns="0" tIns="0" bIns="0"/>
+          <a:p>
+            <a:pPr marL="432000" indent="-324000">
+              <a:buClr>
+                <a:srgbClr val="000000"/>
+              </a:buClr>
+              <a:buSzPct val="45000"/>
+              <a:buFont typeface="Wingdings" charset="2"/>
+              <a:buChar char=""/>
+            </a:pPr>
+            <a:r>
+              <a:rPr b="0" lang="de-DE" sz="1800" spc="-1" strike="noStrike">
+                <a:solidFill>
+                  <a:srgbClr val="000000"/>
+                </a:solidFill>
+                <a:uFill>
+                  <a:solidFill>
+                    <a:srgbClr val="ffffff"/>
+                  </a:solidFill>
+                </a:uFill>
+                <a:latin typeface="Arial"/>
+              </a:rPr>
+              <a:t>Format des Gliederungstextes durch Klicken bearbeiten</a:t>
+            </a:r>
+            <a:endParaRPr b="0" lang="de-DE" sz="1800" spc="-1" strike="noStrike">
+              <a:solidFill>
+                <a:srgbClr val="000000"/>
+              </a:solidFill>
+              <a:uFill>
+                <a:solidFill>
+                  <a:srgbClr val="ffffff"/>
+                </a:solidFill>
+              </a:uFill>
+              <a:latin typeface="Arial"/>
+            </a:endParaRPr>
+          </a:p>
+          <a:p>
+            <a:pPr lvl="1" marL="864000" indent="-324000">
+              <a:buClr>
+                <a:srgbClr val="000000"/>
+              </a:buClr>
+              <a:buSzPct val="75000"/>
+              <a:buFont typeface="Symbol" charset="2"/>
+              <a:buChar char=""/>
+            </a:pPr>
+            <a:r>
+              <a:rPr b="0" lang="de-DE" sz="1800" spc="-1" strike="noStrike">
+                <a:solidFill>
+                  <a:srgbClr val="000000"/>
+                </a:solidFill>
+                <a:uFill>
+                  <a:solidFill>
+                    <a:srgbClr val="ffffff"/>
+                  </a:solidFill>
+                </a:uFill>
+                <a:latin typeface="Arial"/>
+              </a:rPr>
+              <a:t>Zweite Gliederungsebene</a:t>
+            </a:r>
+            <a:endParaRPr b="0" lang="de-DE" sz="1800" spc="-1" strike="noStrike">
+              <a:solidFill>
+                <a:srgbClr val="000000"/>
+              </a:solidFill>
+              <a:uFill>
+                <a:solidFill>
+                  <a:srgbClr val="ffffff"/>
+                </a:solidFill>
+              </a:uFill>
+              <a:latin typeface="Arial"/>
+            </a:endParaRPr>
+          </a:p>
+          <a:p>
+            <a:pPr lvl="2" marL="1296000" indent="-288000">
+              <a:buClr>
+                <a:srgbClr val="000000"/>
+              </a:buClr>
+              <a:buSzPct val="45000"/>
+              <a:buFont typeface="Wingdings" charset="2"/>
+              <a:buChar char=""/>
+            </a:pPr>
+            <a:r>
+              <a:rPr b="0" lang="de-DE" sz="1800" spc="-1" strike="noStrike">
+                <a:solidFill>
+                  <a:srgbClr val="000000"/>
+                </a:solidFill>
+                <a:uFill>
+                  <a:solidFill>
+                    <a:srgbClr val="ffffff"/>
+                  </a:solidFill>
+                </a:uFill>
+                <a:latin typeface="Arial"/>
+              </a:rPr>
+              <a:t>Dritte Gliederungsebene</a:t>
+            </a:r>
+            <a:endParaRPr b="0" lang="de-DE" sz="1800" spc="-1" strike="noStrike">
+              <a:solidFill>
+                <a:srgbClr val="000000"/>
+              </a:solidFill>
+              <a:uFill>
+                <a:solidFill>
+                  <a:srgbClr val="ffffff"/>
+                </a:solidFill>
+              </a:uFill>
+              <a:latin typeface="Arial"/>
+            </a:endParaRPr>
+          </a:p>
+          <a:p>
+            <a:pPr lvl="3" marL="1728000" indent="-216000">
+              <a:buClr>
+                <a:srgbClr val="000000"/>
+              </a:buClr>
+              <a:buSzPct val="75000"/>
+              <a:buFont typeface="Symbol" charset="2"/>
+              <a:buChar char=""/>
+            </a:pPr>
+            <a:r>
+              <a:rPr b="0" lang="de-DE" sz="1800" spc="-1" strike="noStrike">
+                <a:solidFill>
+                  <a:srgbClr val="000000"/>
+                </a:solidFill>
+                <a:uFill>
+                  <a:solidFill>
+                    <a:srgbClr val="ffffff"/>
+                  </a:solidFill>
+                </a:uFill>
+                <a:latin typeface="Arial"/>
+              </a:rPr>
+              <a:t>Vierte Gliederungsebene</a:t>
+            </a:r>
+            <a:endParaRPr b="0" lang="de-DE" sz="1800" spc="-1" strike="noStrike">
+              <a:solidFill>
+                <a:srgbClr val="000000"/>
+              </a:solidFill>
+              <a:uFill>
+                <a:solidFill>
+                  <a:srgbClr val="ffffff"/>
+                </a:solidFill>
+              </a:uFill>
+              <a:latin typeface="Arial"/>
+            </a:endParaRPr>
+          </a:p>
+          <a:p>
+            <a:pPr lvl="4" marL="2160000" indent="-216000">
+              <a:buClr>
+                <a:srgbClr val="000000"/>
+              </a:buClr>
+              <a:buSzPct val="45000"/>
+              <a:buFont typeface="Wingdings" charset="2"/>
+              <a:buChar char=""/>
+            </a:pPr>
+            <a:r>
+              <a:rPr b="0" lang="de-DE" sz="1800" spc="-1" strike="noStrike">
+                <a:solidFill>
+                  <a:srgbClr val="000000"/>
+                </a:solidFill>
+                <a:uFill>
+                  <a:solidFill>
+                    <a:srgbClr val="ffffff"/>
+                  </a:solidFill>
+                </a:uFill>
+                <a:latin typeface="Arial"/>
+              </a:rPr>
+              <a:t>Fünfte Gliederungsebene</a:t>
+            </a:r>
+            <a:endParaRPr b="0" lang="de-DE" sz="1800" spc="-1" strike="noStrike">
+              <a:solidFill>
+                <a:srgbClr val="000000"/>
+              </a:solidFill>
+              <a:uFill>
+                <a:solidFill>
+                  <a:srgbClr val="ffffff"/>
+                </a:solidFill>
+              </a:uFill>
+              <a:latin typeface="Arial"/>
+            </a:endParaRPr>
+          </a:p>
+          <a:p>
+            <a:pPr lvl="5" marL="2592000" indent="-216000">
+              <a:buClr>
+                <a:srgbClr val="000000"/>
+              </a:buClr>
+              <a:buSzPct val="45000"/>
+              <a:buFont typeface="Wingdings" charset="2"/>
+              <a:buChar char=""/>
+            </a:pPr>
+            <a:r>
+              <a:rPr b="0" lang="de-DE" sz="1800" spc="-1" strike="noStrike">
+                <a:solidFill>
+                  <a:srgbClr val="000000"/>
+                </a:solidFill>
+                <a:uFill>
+                  <a:solidFill>
+                    <a:srgbClr val="ffffff"/>
+                  </a:solidFill>
+                </a:uFill>
+                <a:latin typeface="Arial"/>
+              </a:rPr>
+              <a:t>Sechste Gliederungsebene</a:t>
+            </a:r>
+            <a:endParaRPr b="0" lang="de-DE" sz="1800" spc="-1" strike="noStrike">
+              <a:solidFill>
+                <a:srgbClr val="000000"/>
+              </a:solidFill>
+              <a:uFill>
+                <a:solidFill>
+                  <a:srgbClr val="ffffff"/>
+                </a:solidFill>
+              </a:uFill>
+              <a:latin typeface="Arial"/>
+            </a:endParaRPr>
+          </a:p>
+          <a:p>
+            <a:pPr lvl="6" marL="3024000" indent="-216000">
+              <a:buClr>
+                <a:srgbClr val="000000"/>
+              </a:buClr>
+              <a:buSzPct val="45000"/>
+              <a:buFont typeface="Wingdings" charset="2"/>
+              <a:buChar char=""/>
+            </a:pPr>
+            <a:r>
+              <a:rPr b="0" lang="de-DE" sz="1800" spc="-1" strike="noStrike">
+                <a:solidFill>
+                  <a:srgbClr val="000000"/>
+                </a:solidFill>
+                <a:uFill>
+                  <a:solidFill>
+                    <a:srgbClr val="ffffff"/>
+                  </a:solidFill>
+                </a:uFill>
+                <a:latin typeface="Arial"/>
+              </a:rPr>
+              <a:t>Siebte Gliederungsebene</a:t>
+            </a:r>
+            <a:endParaRPr b="0" lang="de-DE" sz="1800" spc="-1" strike="noStrike">
+              <a:solidFill>
+                <a:srgbClr val="000000"/>
+              </a:solidFill>
+              <a:uFill>
+                <a:solidFill>
+                  <a:srgbClr val="ffffff"/>
+                </a:solidFill>
+              </a:uFill>
+              <a:latin typeface="Arial"/>
+            </a:endParaRPr>
+          </a:p>
+        </p:txBody>
+      </p:sp>
+    </p:spTree>
+  </p:cSld>
+  <p:clrMap bg1="lt1" bg2="lt2" tx1="dk1" tx2="dk2" accent1="accent1" accent2="accent2" accent3="accent3" accent4="accent4" accent5="accent5" accent6="accent6" hlink="hlink" folHlink="folHlink"/>
+  <p:sldLayoutIdLst>
+    <p:sldLayoutId id="2147483662" r:id="rId2"/>
+    <p:sldLayoutId id="2147483663" r:id="rId3"/>
+    <p:sldLayoutId id="2147483664" r:id="rId4"/>
+    <p:sldLayoutId id="2147483665" r:id="rId5"/>
+    <p:sldLayoutId id="2147483666" r:id="rId6"/>
+    <p:sldLayoutId id="2147483667" r:id="rId7"/>
+    <p:sldLayoutId id="2147483668" r:id="rId8"/>
+    <p:sldLayoutId id="2147483669" r:id="rId9"/>
+    <p:sldLayoutId id="2147483670" r:id="rId10"/>
+    <p:sldLayoutId id="2147483671" r:id="rId11"/>
+    <p:sldLayoutId id="2147483672" r:id="rId12"/>
+    <p:sldLayoutId id="2147483673" r:id="rId13"/>
+  </p:sldLayoutIdLst>
+</p:sldMaster>
+</file>
+
+<file path=ppt/slideMasters/slideMaster3.xml><?xml version="1.0" encoding="utf-8"?>
+<p:sldMaster xmlns:a="http://schemas.openxmlformats.org/drawingml/2006/main" xmlns:p="http://schemas.openxmlformats.org/presentationml/2006/main" xmlns:r="http://schemas.openxmlformats.org/officeDocument/2006/relationships" xmlns:p14="http://schemas.microsoft.com/office/powerpoint/2010/main" xmlns:p15="http://schemas.microsoft.com/office/powerpoint/2012/main" xmlns:mc="http://schemas.openxmlformats.org/markup-compatibility/2006">
+  <p:cSld>
+    <p:spTree>
+      <p:nvGrpSpPr>
+        <p:cNvPr id="1" name=""/>
+        <p:cNvGrpSpPr/>
+        <p:nvPr/>
+      </p:nvGrpSpPr>
+      <p:grpSpPr>
+        <a:xfrm>
+          <a:off x="0" y="0"/>
+          <a:ext cx="0" cy="0"/>
+          <a:chOff x="0" y="0"/>
+          <a:chExt cx="0" cy="0"/>
+        </a:xfrm>
+      </p:grpSpPr>
+      <p:sp>
+        <p:nvSpPr>
+          <p:cNvPr id="72" name="PlaceHolder 1"/>
+          <p:cNvSpPr>
+            <a:spLocks noGrp="1"/>
+          </p:cNvSpPr>
+          <p:nvPr>
+            <p:ph type="title"/>
+          </p:nvPr>
+        </p:nvSpPr>
+        <p:spPr>
+          <a:xfrm>
+            <a:off x="504000" y="301320"/>
+            <a:ext cx="9070560" cy="1261080"/>
+          </a:xfrm>
+          <a:prstGeom prst="rect">
+            <a:avLst/>
+          </a:prstGeom>
+        </p:spPr>
+        <p:txBody>
+          <a:bodyPr lIns="0" rIns="0" tIns="0" bIns="0" anchor="ctr"/>
+          <a:p>
+            <a:pPr algn="ctr"/>
+            <a:endParaRPr b="0" lang="de-DE" sz="4400" spc="-1" strike="noStrike">
+              <a:solidFill>
+                <a:srgbClr val="000000"/>
+              </a:solidFill>
+              <a:uFill>
+                <a:solidFill>
+                  <a:srgbClr val="ffffff"/>
+                </a:solidFill>
+              </a:uFill>
+              <a:latin typeface="Arial"/>
+            </a:endParaRPr>
+          </a:p>
+        </p:txBody>
+      </p:sp>
+      <p:sp>
+        <p:nvSpPr>
+          <p:cNvPr id="73" name="PlaceHolder 2"/>
+          <p:cNvSpPr>
+            <a:spLocks noGrp="1"/>
+          </p:cNvSpPr>
+          <p:nvPr>
+            <p:ph type="body"/>
+          </p:nvPr>
+        </p:nvSpPr>
+        <p:spPr>
+          <a:xfrm>
+            <a:off x="504000" y="1768680"/>
+            <a:ext cx="4426560" cy="4383360"/>
+          </a:xfrm>
+          <a:prstGeom prst="rect">
+            <a:avLst/>
+          </a:prstGeom>
+        </p:spPr>
+        <p:txBody>
+          <a:bodyPr lIns="0" rIns="0" tIns="0" bIns="0"/>
+          <a:p>
+            <a:pPr marL="432000" indent="-324000">
+              <a:buClr>
+                <a:srgbClr val="000000"/>
+              </a:buClr>
+              <a:buSzPct val="45000"/>
+              <a:buFont typeface="Wingdings" charset="2"/>
+              <a:buChar char=""/>
+            </a:pPr>
+            <a:r>
+              <a:rPr b="0" lang="de-DE" sz="1800" spc="-1" strike="noStrike">
+                <a:solidFill>
+                  <a:srgbClr val="000000"/>
+                </a:solidFill>
+                <a:uFill>
+                  <a:solidFill>
+                    <a:srgbClr val="ffffff"/>
+                  </a:solidFill>
+                </a:uFill>
+                <a:latin typeface="Arial"/>
+              </a:rPr>
+              <a:t>Format des Gliederungstextes durch Klicken bearbeiten</a:t>
+            </a:r>
+            <a:endParaRPr b="0" lang="de-DE" sz="1800" spc="-1" strike="noStrike">
+              <a:solidFill>
+                <a:srgbClr val="000000"/>
+              </a:solidFill>
+              <a:uFill>
+                <a:solidFill>
+                  <a:srgbClr val="ffffff"/>
+                </a:solidFill>
+              </a:uFill>
+              <a:latin typeface="Arial"/>
+            </a:endParaRPr>
+          </a:p>
+          <a:p>
+            <a:pPr lvl="1" marL="864000" indent="-324000">
+              <a:buClr>
+                <a:srgbClr val="000000"/>
+              </a:buClr>
+              <a:buSzPct val="75000"/>
+              <a:buFont typeface="Symbol" charset="2"/>
+              <a:buChar char=""/>
+            </a:pPr>
+            <a:r>
+              <a:rPr b="0" lang="de-DE" sz="1800" spc="-1" strike="noStrike">
+                <a:solidFill>
+                  <a:srgbClr val="000000"/>
+                </a:solidFill>
+                <a:uFill>
+                  <a:solidFill>
+                    <a:srgbClr val="ffffff"/>
+                  </a:solidFill>
+                </a:uFill>
+                <a:latin typeface="Arial"/>
+              </a:rPr>
+              <a:t>Zweite Gliederungsebene</a:t>
+            </a:r>
+            <a:endParaRPr b="0" lang="de-DE" sz="1800" spc="-1" strike="noStrike">
+              <a:solidFill>
+                <a:srgbClr val="000000"/>
+              </a:solidFill>
+              <a:uFill>
+                <a:solidFill>
+                  <a:srgbClr val="ffffff"/>
+                </a:solidFill>
+              </a:uFill>
+              <a:latin typeface="Arial"/>
+            </a:endParaRPr>
+          </a:p>
+          <a:p>
+            <a:pPr lvl="2" marL="1296000" indent="-288000">
+              <a:buClr>
+                <a:srgbClr val="000000"/>
+              </a:buClr>
+              <a:buSzPct val="45000"/>
+              <a:buFont typeface="Wingdings" charset="2"/>
+              <a:buChar char=""/>
+            </a:pPr>
+            <a:r>
+              <a:rPr b="0" lang="de-DE" sz="1800" spc="-1" strike="noStrike">
+                <a:solidFill>
+                  <a:srgbClr val="000000"/>
+                </a:solidFill>
+                <a:uFill>
+                  <a:solidFill>
+                    <a:srgbClr val="ffffff"/>
+                  </a:solidFill>
+                </a:uFill>
+                <a:latin typeface="Arial"/>
+              </a:rPr>
+              <a:t>Dritte Gliederungsebene</a:t>
+            </a:r>
+            <a:endParaRPr b="0" lang="de-DE" sz="1800" spc="-1" strike="noStrike">
+              <a:solidFill>
+                <a:srgbClr val="000000"/>
+              </a:solidFill>
+              <a:uFill>
+                <a:solidFill>
+                  <a:srgbClr val="ffffff"/>
+                </a:solidFill>
+              </a:uFill>
+              <a:latin typeface="Arial"/>
+            </a:endParaRPr>
+          </a:p>
+          <a:p>
+            <a:pPr lvl="3" marL="1728000" indent="-216000">
+              <a:buClr>
+                <a:srgbClr val="000000"/>
+              </a:buClr>
+              <a:buSzPct val="75000"/>
+              <a:buFont typeface="Symbol" charset="2"/>
+              <a:buChar char=""/>
+            </a:pPr>
+            <a:r>
+              <a:rPr b="0" lang="de-DE" sz="1800" spc="-1" strike="noStrike">
+                <a:solidFill>
+                  <a:srgbClr val="000000"/>
+                </a:solidFill>
+                <a:uFill>
+                  <a:solidFill>
+                    <a:srgbClr val="ffffff"/>
+                  </a:solidFill>
+                </a:uFill>
+                <a:latin typeface="Arial"/>
+              </a:rPr>
+              <a:t>Vierte Gliederungsebene</a:t>
+            </a:r>
+            <a:endParaRPr b="0" lang="de-DE" sz="1800" spc="-1" strike="noStrike">
+              <a:solidFill>
+                <a:srgbClr val="000000"/>
+              </a:solidFill>
+              <a:uFill>
+                <a:solidFill>
+                  <a:srgbClr val="ffffff"/>
+                </a:solidFill>
+              </a:uFill>
+              <a:latin typeface="Arial"/>
+            </a:endParaRPr>
+          </a:p>
+          <a:p>
+            <a:pPr lvl="4" marL="2160000" indent="-216000">
+              <a:buClr>
+                <a:srgbClr val="000000"/>
+              </a:buClr>
+              <a:buSzPct val="45000"/>
+              <a:buFont typeface="Wingdings" charset="2"/>
+              <a:buChar char=""/>
+            </a:pPr>
+            <a:r>
+              <a:rPr b="0" lang="de-DE" sz="1800" spc="-1" strike="noStrike">
+                <a:solidFill>
+                  <a:srgbClr val="000000"/>
+                </a:solidFill>
+                <a:uFill>
+                  <a:solidFill>
+                    <a:srgbClr val="ffffff"/>
+                  </a:solidFill>
+                </a:uFill>
+                <a:latin typeface="Arial"/>
+              </a:rPr>
+              <a:t>Fünfte Gliederungsebene</a:t>
+            </a:r>
+            <a:endParaRPr b="0" lang="de-DE" sz="1800" spc="-1" strike="noStrike">
+              <a:solidFill>
+                <a:srgbClr val="000000"/>
+              </a:solidFill>
+              <a:uFill>
+                <a:solidFill>
+                  <a:srgbClr val="ffffff"/>
+                </a:solidFill>
+              </a:uFill>
+              <a:latin typeface="Arial"/>
+            </a:endParaRPr>
+          </a:p>
+          <a:p>
+            <a:pPr lvl="5" marL="2592000" indent="-216000">
+              <a:buClr>
+                <a:srgbClr val="000000"/>
+              </a:buClr>
+              <a:buSzPct val="45000"/>
+              <a:buFont typeface="Wingdings" charset="2"/>
+              <a:buChar char=""/>
+            </a:pPr>
+            <a:r>
+              <a:rPr b="0" lang="de-DE" sz="1800" spc="-1" strike="noStrike">
+                <a:solidFill>
+                  <a:srgbClr val="000000"/>
+                </a:solidFill>
+                <a:uFill>
+                  <a:solidFill>
+                    <a:srgbClr val="ffffff"/>
+                  </a:solidFill>
+                </a:uFill>
+                <a:latin typeface="Arial"/>
+              </a:rPr>
+              <a:t>Sechste Gliederungsebene</a:t>
+            </a:r>
+            <a:endParaRPr b="0" lang="de-DE" sz="1800" spc="-1" strike="noStrike">
+              <a:solidFill>
+                <a:srgbClr val="000000"/>
+              </a:solidFill>
+              <a:uFill>
+                <a:solidFill>
+                  <a:srgbClr val="ffffff"/>
+                </a:solidFill>
+              </a:uFill>
+              <a:latin typeface="Arial"/>
+            </a:endParaRPr>
+          </a:p>
+          <a:p>
+            <a:pPr lvl="6" marL="3024000" indent="-216000">
+              <a:buClr>
+                <a:srgbClr val="000000"/>
+              </a:buClr>
+              <a:buSzPct val="45000"/>
+              <a:buFont typeface="Wingdings" charset="2"/>
+              <a:buChar char=""/>
+            </a:pPr>
+            <a:r>
+              <a:rPr b="0" lang="de-DE" sz="1800" spc="-1" strike="noStrike">
+                <a:solidFill>
+                  <a:srgbClr val="000000"/>
+                </a:solidFill>
+                <a:uFill>
+                  <a:solidFill>
+                    <a:srgbClr val="ffffff"/>
+                  </a:solidFill>
+                </a:uFill>
+                <a:latin typeface="Arial"/>
+              </a:rPr>
+              <a:t>Siebte Gliederungsebene</a:t>
+            </a:r>
+            <a:endParaRPr b="0" lang="de-DE" sz="1800" spc="-1" strike="noStrike">
+              <a:solidFill>
+                <a:srgbClr val="000000"/>
+              </a:solidFill>
+              <a:uFill>
+                <a:solidFill>
+                  <a:srgbClr val="ffffff"/>
+                </a:solidFill>
+              </a:uFill>
+              <a:latin typeface="Arial"/>
+            </a:endParaRPr>
+          </a:p>
+        </p:txBody>
+      </p:sp>
+      <p:sp>
+        <p:nvSpPr>
+          <p:cNvPr id="74" name="PlaceHolder 3"/>
+          <p:cNvSpPr>
+            <a:spLocks noGrp="1"/>
+          </p:cNvSpPr>
+          <p:nvPr>
+            <p:ph type="body"/>
+          </p:nvPr>
+        </p:nvSpPr>
+        <p:spPr>
+          <a:xfrm>
+            <a:off x="5152680" y="1768680"/>
+            <a:ext cx="4426560" cy="4383360"/>
+          </a:xfrm>
+          <a:prstGeom prst="rect">
+            <a:avLst/>
+          </a:prstGeom>
+        </p:spPr>
+        <p:txBody>
+          <a:bodyPr lIns="0" rIns="0" tIns="0" bIns="0"/>
+          <a:p>
+            <a:pPr marL="432000" indent="-324000">
+              <a:buClr>
+                <a:srgbClr val="000000"/>
+              </a:buClr>
+              <a:buSzPct val="45000"/>
+              <a:buFont typeface="Wingdings" charset="2"/>
+              <a:buChar char=""/>
+            </a:pPr>
+            <a:r>
+              <a:rPr b="0" lang="de-DE" sz="1800" spc="-1" strike="noStrike">
+                <a:solidFill>
+                  <a:srgbClr val="000000"/>
+                </a:solidFill>
+                <a:uFill>
+                  <a:solidFill>
+                    <a:srgbClr val="ffffff"/>
+                  </a:solidFill>
+                </a:uFill>
+                <a:latin typeface="Arial"/>
+              </a:rPr>
+              <a:t>Format des Gliederungstextes durch Klicken bearbeiten</a:t>
+            </a:r>
+            <a:endParaRPr b="0" lang="de-DE" sz="1800" spc="-1" strike="noStrike">
+              <a:solidFill>
+                <a:srgbClr val="000000"/>
+              </a:solidFill>
+              <a:uFill>
+                <a:solidFill>
+                  <a:srgbClr val="ffffff"/>
+                </a:solidFill>
+              </a:uFill>
+              <a:latin typeface="Arial"/>
+            </a:endParaRPr>
+          </a:p>
+          <a:p>
+            <a:pPr lvl="1" marL="864000" indent="-324000">
+              <a:buClr>
+                <a:srgbClr val="000000"/>
+              </a:buClr>
+              <a:buSzPct val="75000"/>
+              <a:buFont typeface="Symbol" charset="2"/>
+              <a:buChar char=""/>
+            </a:pPr>
+            <a:r>
+              <a:rPr b="0" lang="de-DE" sz="1800" spc="-1" strike="noStrike">
+                <a:solidFill>
+                  <a:srgbClr val="000000"/>
+                </a:solidFill>
+                <a:uFill>
+                  <a:solidFill>
+                    <a:srgbClr val="ffffff"/>
+                  </a:solidFill>
+                </a:uFill>
+                <a:latin typeface="Arial"/>
+              </a:rPr>
+              <a:t>Zweite Gliederungsebene</a:t>
+            </a:r>
+            <a:endParaRPr b="0" lang="de-DE" sz="1800" spc="-1" strike="noStrike">
+              <a:solidFill>
+                <a:srgbClr val="000000"/>
+              </a:solidFill>
+              <a:uFill>
+                <a:solidFill>
+                  <a:srgbClr val="ffffff"/>
+                </a:solidFill>
+              </a:uFill>
+              <a:latin typeface="Arial"/>
+            </a:endParaRPr>
+          </a:p>
+          <a:p>
+            <a:pPr lvl="2" marL="1296000" indent="-288000">
+              <a:buClr>
+                <a:srgbClr val="000000"/>
+              </a:buClr>
+              <a:buSzPct val="45000"/>
+              <a:buFont typeface="Wingdings" charset="2"/>
+              <a:buChar char=""/>
+            </a:pPr>
+            <a:r>
+              <a:rPr b="0" lang="de-DE" sz="1800" spc="-1" strike="noStrike">
+                <a:solidFill>
+                  <a:srgbClr val="000000"/>
+                </a:solidFill>
+                <a:uFill>
+                  <a:solidFill>
+                    <a:srgbClr val="ffffff"/>
+                  </a:solidFill>
+                </a:uFill>
+                <a:latin typeface="Arial"/>
+              </a:rPr>
+              <a:t>Dritte Gliederungsebene</a:t>
+            </a:r>
+            <a:endParaRPr b="0" lang="de-DE" sz="1800" spc="-1" strike="noStrike">
+              <a:solidFill>
+                <a:srgbClr val="000000"/>
+              </a:solidFill>
+              <a:uFill>
+                <a:solidFill>
+                  <a:srgbClr val="ffffff"/>
+                </a:solidFill>
+              </a:uFill>
+              <a:latin typeface="Arial"/>
+            </a:endParaRPr>
+          </a:p>
+          <a:p>
+            <a:pPr lvl="3" marL="1728000" indent="-216000">
+              <a:buClr>
+                <a:srgbClr val="000000"/>
+              </a:buClr>
+              <a:buSzPct val="75000"/>
+              <a:buFont typeface="Symbol" charset="2"/>
+              <a:buChar char=""/>
+            </a:pPr>
+            <a:r>
+              <a:rPr b="0" lang="de-DE" sz="1800" spc="-1" strike="noStrike">
+                <a:solidFill>
+                  <a:srgbClr val="000000"/>
+                </a:solidFill>
+                <a:uFill>
+                  <a:solidFill>
+                    <a:srgbClr val="ffffff"/>
+                  </a:solidFill>
+                </a:uFill>
+                <a:latin typeface="Arial"/>
+              </a:rPr>
+              <a:t>Vierte Gliederungsebene</a:t>
+            </a:r>
+            <a:endParaRPr b="0" lang="de-DE" sz="1800" spc="-1" strike="noStrike">
+              <a:solidFill>
+                <a:srgbClr val="000000"/>
+              </a:solidFill>
+              <a:uFill>
+                <a:solidFill>
+                  <a:srgbClr val="ffffff"/>
+                </a:solidFill>
+              </a:uFill>
+              <a:latin typeface="Arial"/>
+            </a:endParaRPr>
+          </a:p>
+          <a:p>
+            <a:pPr lvl="4" marL="2160000" indent="-216000">
+              <a:buClr>
+                <a:srgbClr val="000000"/>
+              </a:buClr>
+              <a:buSzPct val="45000"/>
+              <a:buFont typeface="Wingdings" charset="2"/>
+              <a:buChar char=""/>
+            </a:pPr>
+            <a:r>
+              <a:rPr b="0" lang="de-DE" sz="1800" spc="-1" strike="noStrike">
+                <a:solidFill>
+                  <a:srgbClr val="000000"/>
+                </a:solidFill>
+                <a:uFill>
+                  <a:solidFill>
+                    <a:srgbClr val="ffffff"/>
+                  </a:solidFill>
+                </a:uFill>
+                <a:latin typeface="Arial"/>
+              </a:rPr>
+              <a:t>Fünfte Gliederungsebene</a:t>
+            </a:r>
+            <a:endParaRPr b="0" lang="de-DE" sz="1800" spc="-1" strike="noStrike">
+              <a:solidFill>
+                <a:srgbClr val="000000"/>
+              </a:solidFill>
+              <a:uFill>
+                <a:solidFill>
+                  <a:srgbClr val="ffffff"/>
+                </a:solidFill>
+              </a:uFill>
+              <a:latin typeface="Arial"/>
+            </a:endParaRPr>
+          </a:p>
+          <a:p>
+            <a:pPr lvl="5" marL="2592000" indent="-216000">
+              <a:buClr>
+                <a:srgbClr val="000000"/>
+              </a:buClr>
+              <a:buSzPct val="45000"/>
+              <a:buFont typeface="Wingdings" charset="2"/>
+              <a:buChar char=""/>
+            </a:pPr>
+            <a:r>
+              <a:rPr b="0" lang="de-DE" sz="1800" spc="-1" strike="noStrike">
+                <a:solidFill>
+                  <a:srgbClr val="000000"/>
+                </a:solidFill>
+                <a:uFill>
+                  <a:solidFill>
+                    <a:srgbClr val="ffffff"/>
+                  </a:solidFill>
+                </a:uFill>
+                <a:latin typeface="Arial"/>
+              </a:rPr>
+              <a:t>Sechste Gliederungsebene</a:t>
+            </a:r>
+            <a:endParaRPr b="0" lang="de-DE" sz="1800" spc="-1" strike="noStrike">
+              <a:solidFill>
+                <a:srgbClr val="000000"/>
+              </a:solidFill>
+              <a:uFill>
+                <a:solidFill>
+                  <a:srgbClr val="ffffff"/>
+                </a:solidFill>
+              </a:uFill>
+              <a:latin typeface="Arial"/>
+            </a:endParaRPr>
+          </a:p>
+          <a:p>
+            <a:pPr lvl="6" marL="3024000" indent="-216000">
+              <a:buClr>
+                <a:srgbClr val="000000"/>
+              </a:buClr>
+              <a:buSzPct val="45000"/>
+              <a:buFont typeface="Wingdings" charset="2"/>
+              <a:buChar char=""/>
+            </a:pPr>
+            <a:r>
+              <a:rPr b="0" lang="de-DE" sz="1800" spc="-1" strike="noStrike">
+                <a:solidFill>
+                  <a:srgbClr val="000000"/>
+                </a:solidFill>
+                <a:uFill>
+                  <a:solidFill>
+                    <a:srgbClr val="ffffff"/>
+                  </a:solidFill>
+                </a:uFill>
+                <a:latin typeface="Arial"/>
+              </a:rPr>
+              <a:t>Siebte Gliederungsebene</a:t>
+            </a:r>
+            <a:endParaRPr b="0" lang="de-DE" sz="1800" spc="-1" strike="noStrike">
+              <a:solidFill>
+                <a:srgbClr val="000000"/>
+              </a:solidFill>
+              <a:uFill>
+                <a:solidFill>
+                  <a:srgbClr val="ffffff"/>
+                </a:solidFill>
+              </a:uFill>
+              <a:latin typeface="Arial"/>
+            </a:endParaRPr>
+          </a:p>
+        </p:txBody>
+      </p:sp>
+    </p:spTree>
+  </p:cSld>
+  <p:clrMap bg1="lt1" bg2="lt2" tx1="dk1" tx2="dk2" accent1="accent1" accent2="accent2" accent3="accent3" accent4="accent4" accent5="accent5" accent6="accent6" hlink="hlink" folHlink="folHlink"/>
+  <p:sldLayoutIdLst>
+    <p:sldLayoutId id="2147483675" r:id="rId2"/>
+    <p:sldLayoutId id="2147483676" r:id="rId3"/>
+    <p:sldLayoutId id="2147483677" r:id="rId4"/>
+    <p:sldLayoutId id="2147483678" r:id="rId5"/>
+    <p:sldLayoutId id="2147483679" r:id="rId6"/>
+    <p:sldLayoutId id="2147483680" r:id="rId7"/>
+    <p:sldLayoutId id="2147483681" r:id="rId8"/>
+    <p:sldLayoutId id="2147483682" r:id="rId9"/>
+    <p:sldLayoutId id="2147483683" r:id="rId10"/>
+    <p:sldLayoutId id="2147483684" r:id="rId11"/>
+    <p:sldLayoutId id="2147483685" r:id="rId12"/>
+    <p:sldLayoutId id="2147483686" r:id="rId13"/>
+  </p:sldLayoutIdLst>
+</p:sldMaster>
+</file>
+
+<file path=ppt/slideMasters/slideMaster4.xml><?xml version="1.0" encoding="utf-8"?>
+<p:sldMaster xmlns:a="http://schemas.openxmlformats.org/drawingml/2006/main" xmlns:p="http://schemas.openxmlformats.org/presentationml/2006/main" xmlns:r="http://schemas.openxmlformats.org/officeDocument/2006/relationships" xmlns:p14="http://schemas.microsoft.com/office/powerpoint/2010/main" xmlns:p15="http://schemas.microsoft.com/office/powerpoint/2012/main" xmlns:mc="http://schemas.openxmlformats.org/markup-compatibility/2006">
+  <p:cSld>
+    <p:spTree>
+      <p:nvGrpSpPr>
+        <p:cNvPr id="1" name=""/>
+        <p:cNvGrpSpPr/>
+        <p:nvPr/>
+      </p:nvGrpSpPr>
+      <p:grpSpPr>
+        <a:xfrm>
+          <a:off x="0" y="0"/>
+          <a:ext cx="0" cy="0"/>
+          <a:chOff x="0" y="0"/>
+          <a:chExt cx="0" cy="0"/>
+        </a:xfrm>
+      </p:grpSpPr>
+      <p:sp>
+        <p:nvSpPr>
+          <p:cNvPr id="109" name="PlaceHolder 1"/>
+          <p:cNvSpPr>
+            <a:spLocks noGrp="1"/>
+          </p:cNvSpPr>
+          <p:nvPr>
+            <p:ph type="title"/>
+          </p:nvPr>
+        </p:nvSpPr>
+        <p:spPr>
+          <a:xfrm>
+            <a:off x="504000" y="301320"/>
+            <a:ext cx="9072000" cy="1261800"/>
+          </a:xfrm>
+          <a:prstGeom prst="rect">
+            <a:avLst/>
+          </a:prstGeom>
+        </p:spPr>
+        <p:txBody>
+          <a:bodyPr lIns="0" rIns="0" tIns="0" bIns="0" anchor="ctr"/>
+          <a:p>
+            <a:pPr algn="ctr"/>
+            <a:r>
+              <a:rPr b="0" lang="de-DE" sz="4400" spc="-1" strike="noStrike">
+                <a:solidFill>
+                  <a:srgbClr val="000000"/>
+                </a:solidFill>
+                <a:uFill>
+                  <a:solidFill>
+                    <a:srgbClr val="ffffff"/>
+                  </a:solidFill>
+                </a:uFill>
+                <a:latin typeface="Arial"/>
+              </a:rPr>
+              <a:t>Format des Titeltextes durch Klicken bearbeiten</a:t>
+            </a:r>
+            <a:endParaRPr b="0" lang="de-DE" sz="4400" spc="-1" strike="noStrike">
+              <a:solidFill>
+                <a:srgbClr val="000000"/>
+              </a:solidFill>
+              <a:uFill>
+                <a:solidFill>
+                  <a:srgbClr val="ffffff"/>
+                </a:solidFill>
+              </a:uFill>
+              <a:latin typeface="Arial"/>
+            </a:endParaRPr>
+          </a:p>
+        </p:txBody>
+      </p:sp>
+      <p:sp>
+        <p:nvSpPr>
+          <p:cNvPr id="110" name="PlaceHolder 2"/>
+          <p:cNvSpPr>
+            <a:spLocks noGrp="1"/>
+          </p:cNvSpPr>
+          <p:nvPr>
+            <p:ph type="body"/>
+          </p:nvPr>
+        </p:nvSpPr>
+        <p:spPr>
+          <a:xfrm>
+            <a:off x="504000" y="1768680"/>
+            <a:ext cx="9072000" cy="4384080"/>
+          </a:xfrm>
+          <a:prstGeom prst="rect">
+            <a:avLst/>
+          </a:prstGeom>
+        </p:spPr>
+        <p:txBody>
+          <a:bodyPr lIns="0" rIns="0" tIns="0" bIns="0"/>
+          <a:p>
+            <a:pPr marL="432000" indent="-324000">
+              <a:buClr>
+                <a:srgbClr val="000000"/>
+              </a:buClr>
+              <a:buSzPct val="45000"/>
+              <a:buFont typeface="Wingdings" charset="2"/>
+              <a:buChar char=""/>
+            </a:pPr>
+            <a:r>
+              <a:rPr b="0" lang="de-DE" sz="3200" spc="-1" strike="noStrike">
+                <a:solidFill>
+                  <a:srgbClr val="000000"/>
+                </a:solidFill>
+                <a:uFill>
+                  <a:solidFill>
+                    <a:srgbClr val="ffffff"/>
+                  </a:solidFill>
+                </a:uFill>
+                <a:latin typeface="Arial"/>
+              </a:rPr>
+              <a:t>Format des Gliederungstextes durch Klicken bearbeiten</a:t>
+            </a:r>
+            <a:endParaRPr b="0" lang="de-DE" sz="3200" spc="-1" strike="noStrike">
+              <a:solidFill>
+                <a:srgbClr val="000000"/>
+              </a:solidFill>
+              <a:uFill>
+                <a:solidFill>
+                  <a:srgbClr val="ffffff"/>
+                </a:solidFill>
+              </a:uFill>
+              <a:latin typeface="Arial"/>
+            </a:endParaRPr>
+          </a:p>
+          <a:p>
+            <a:pPr lvl="1" marL="864000" indent="-324000">
+              <a:buClr>
+                <a:srgbClr val="000000"/>
+              </a:buClr>
+              <a:buSzPct val="75000"/>
+              <a:buFont typeface="Symbol" charset="2"/>
+              <a:buChar char=""/>
+            </a:pPr>
+            <a:r>
+              <a:rPr b="0" lang="de-DE" sz="2800" spc="-1" strike="noStrike">
+                <a:solidFill>
+                  <a:srgbClr val="000000"/>
+                </a:solidFill>
+                <a:uFill>
+                  <a:solidFill>
+                    <a:srgbClr val="ffffff"/>
+                  </a:solidFill>
+                </a:uFill>
+                <a:latin typeface="Arial"/>
+              </a:rPr>
+              <a:t>Zweite Gliederungsebene</a:t>
+            </a:r>
+            <a:endParaRPr b="0" lang="de-DE" sz="2800" spc="-1" strike="noStrike">
+              <a:solidFill>
+                <a:srgbClr val="000000"/>
+              </a:solidFill>
+              <a:uFill>
+                <a:solidFill>
+                  <a:srgbClr val="ffffff"/>
+                </a:solidFill>
+              </a:uFill>
+              <a:latin typeface="Arial"/>
+            </a:endParaRPr>
+          </a:p>
+          <a:p>
+            <a:pPr lvl="2" marL="1296000" indent="-288000">
+              <a:buClr>
+                <a:srgbClr val="000000"/>
+              </a:buClr>
+              <a:buSzPct val="45000"/>
+              <a:buFont typeface="Wingdings" charset="2"/>
+              <a:buChar char=""/>
+            </a:pPr>
+            <a:r>
+              <a:rPr b="0" lang="de-DE" sz="2400" spc="-1" strike="noStrike">
+                <a:solidFill>
+                  <a:srgbClr val="000000"/>
+                </a:solidFill>
+                <a:uFill>
+                  <a:solidFill>
+                    <a:srgbClr val="ffffff"/>
+                  </a:solidFill>
+                </a:uFill>
+                <a:latin typeface="Arial"/>
+              </a:rPr>
+              <a:t>Dritte Gliederungsebene</a:t>
+            </a:r>
+            <a:endParaRPr b="0" lang="de-DE" sz="2400" spc="-1" strike="noStrike">
+              <a:solidFill>
+                <a:srgbClr val="000000"/>
+              </a:solidFill>
+              <a:uFill>
+                <a:solidFill>
+                  <a:srgbClr val="ffffff"/>
+                </a:solidFill>
+              </a:uFill>
+              <a:latin typeface="Arial"/>
+            </a:endParaRPr>
+          </a:p>
+          <a:p>
+            <a:pPr lvl="3" marL="1728000" indent="-216000">
+              <a:buClr>
+                <a:srgbClr val="000000"/>
+              </a:buClr>
+              <a:buSzPct val="75000"/>
+              <a:buFont typeface="Symbol" charset="2"/>
+              <a:buChar char=""/>
+            </a:pPr>
+            <a:r>
+              <a:rPr b="0" lang="de-DE" sz="2000" spc="-1" strike="noStrike">
+                <a:solidFill>
+                  <a:srgbClr val="000000"/>
+                </a:solidFill>
+                <a:uFill>
+                  <a:solidFill>
+                    <a:srgbClr val="ffffff"/>
+                  </a:solidFill>
+                </a:uFill>
+                <a:latin typeface="Arial"/>
+              </a:rPr>
+              <a:t>Vierte Gliederungsebene</a:t>
+            </a:r>
+            <a:endParaRPr b="0" lang="de-DE" sz="2000" spc="-1" strike="noStrike">
+              <a:solidFill>
+                <a:srgbClr val="000000"/>
+              </a:solidFill>
+              <a:uFill>
+                <a:solidFill>
+                  <a:srgbClr val="ffffff"/>
+                </a:solidFill>
+              </a:uFill>
+              <a:latin typeface="Arial"/>
+            </a:endParaRPr>
+          </a:p>
+          <a:p>
+            <a:pPr lvl="4" marL="2160000" indent="-216000">
+              <a:buClr>
+                <a:srgbClr val="000000"/>
+              </a:buClr>
+              <a:buSzPct val="45000"/>
+              <a:buFont typeface="Wingdings" charset="2"/>
+              <a:buChar char=""/>
+            </a:pPr>
+            <a:r>
+              <a:rPr b="0" lang="de-DE" sz="2000" spc="-1" strike="noStrike">
+                <a:solidFill>
+                  <a:srgbClr val="000000"/>
+                </a:solidFill>
+                <a:uFill>
+                  <a:solidFill>
+                    <a:srgbClr val="ffffff"/>
+                  </a:solidFill>
+                </a:uFill>
+                <a:latin typeface="Arial"/>
+              </a:rPr>
+              <a:t>Fünfte Gliederungsebene</a:t>
+            </a:r>
+            <a:endParaRPr b="0" lang="de-DE" sz="2000" spc="-1" strike="noStrike">
+              <a:solidFill>
+                <a:srgbClr val="000000"/>
+              </a:solidFill>
+              <a:uFill>
+                <a:solidFill>
+                  <a:srgbClr val="ffffff"/>
+                </a:solidFill>
+              </a:uFill>
+              <a:latin typeface="Arial"/>
+            </a:endParaRPr>
+          </a:p>
+          <a:p>
+            <a:pPr lvl="5" marL="2592000" indent="-216000">
+              <a:buClr>
+                <a:srgbClr val="000000"/>
+              </a:buClr>
+              <a:buSzPct val="45000"/>
+              <a:buFont typeface="Wingdings" charset="2"/>
+              <a:buChar char=""/>
+            </a:pPr>
+            <a:r>
+              <a:rPr b="0" lang="de-DE" sz="2000" spc="-1" strike="noStrike">
+                <a:solidFill>
+                  <a:srgbClr val="000000"/>
+                </a:solidFill>
+                <a:uFill>
+                  <a:solidFill>
+                    <a:srgbClr val="ffffff"/>
+                  </a:solidFill>
+                </a:uFill>
+                <a:latin typeface="Arial"/>
+              </a:rPr>
+              <a:t>Sechste Gliederungsebene</a:t>
+            </a:r>
+            <a:endParaRPr b="0" lang="de-DE" sz="2000" spc="-1" strike="noStrike">
+              <a:solidFill>
+                <a:srgbClr val="000000"/>
+              </a:solidFill>
+              <a:uFill>
+                <a:solidFill>
+                  <a:srgbClr val="ffffff"/>
+                </a:solidFill>
+              </a:uFill>
+              <a:latin typeface="Arial"/>
+            </a:endParaRPr>
+          </a:p>
+          <a:p>
+            <a:pPr lvl="6" marL="3024000" indent="-216000">
+              <a:buClr>
+                <a:srgbClr val="000000"/>
+              </a:buClr>
+              <a:buSzPct val="45000"/>
+              <a:buFont typeface="Wingdings" charset="2"/>
+              <a:buChar char=""/>
+            </a:pPr>
+            <a:r>
+              <a:rPr b="0" lang="de-DE" sz="2000" spc="-1" strike="noStrike">
+                <a:solidFill>
+                  <a:srgbClr val="000000"/>
+                </a:solidFill>
+                <a:uFill>
+                  <a:solidFill>
+                    <a:srgbClr val="ffffff"/>
+                  </a:solidFill>
+                </a:uFill>
+                <a:latin typeface="Arial"/>
+              </a:rPr>
+              <a:t>Siebte Gliederungsebene</a:t>
+            </a:r>
+            <a:endParaRPr b="0" lang="de-DE" sz="2000" spc="-1" strike="noStrike">
+              <a:solidFill>
+                <a:srgbClr val="000000"/>
+              </a:solidFill>
+              <a:uFill>
+                <a:solidFill>
+                  <a:srgbClr val="ffffff"/>
+                </a:solidFill>
+              </a:uFill>
+              <a:latin typeface="Arial"/>
+            </a:endParaRPr>
+          </a:p>
+        </p:txBody>
+      </p:sp>
+    </p:spTree>
+  </p:cSld>
+  <p:clrMap bg1="lt1" bg2="lt2" tx1="dk1" tx2="dk2" accent1="accent1" accent2="accent2" accent3="accent3" accent4="accent4" accent5="accent5" accent6="accent6" hlink="hlink" folHlink="folHlink"/>
+  <p:sldLayoutIdLst>
+    <p:sldLayoutId id="2147483688" r:id="rId2"/>
+    <p:sldLayoutId id="2147483689" r:id="rId3"/>
+    <p:sldLayoutId id="2147483690" r:id="rId4"/>
+    <p:sldLayoutId id="2147483691" r:id="rId5"/>
+    <p:sldLayoutId id="2147483692" r:id="rId6"/>
+    <p:sldLayoutId id="2147483693" r:id="rId7"/>
+    <p:sldLayoutId id="2147483694" r:id="rId8"/>
+    <p:sldLayoutId id="2147483695" r:id="rId9"/>
+    <p:sldLayoutId id="2147483696" r:id="rId10"/>
+    <p:sldLayoutId id="2147483697" r:id="rId11"/>
+    <p:sldLayoutId id="2147483698" r:id="rId12"/>
+    <p:sldLayoutId id="2147483699" r:id="rId13"/>
   </p:sldLayoutIdLst>
 </p:sldMaster>
 </file>
@@ -1849,14 +7586,14 @@
       </p:grpSpPr>
       <p:sp>
         <p:nvSpPr>
-          <p:cNvPr id="36" name="CustomShape 1"/>
+          <p:cNvPr id="145" name="CustomShape 1"/>
           <p:cNvSpPr/>
           <p:nvPr/>
         </p:nvSpPr>
         <p:spPr>
           <a:xfrm>
             <a:off x="504000" y="301320"/>
-            <a:ext cx="9071280" cy="1261800"/>
+            <a:ext cx="9070560" cy="1261080"/>
           </a:xfrm>
           <a:prstGeom prst="rect">
             <a:avLst/>
@@ -1875,14 +7612,14 @@
       </p:sp>
       <p:sp>
         <p:nvSpPr>
-          <p:cNvPr id="37" name="CustomShape 2"/>
+          <p:cNvPr id="146" name="CustomShape 2"/>
           <p:cNvSpPr/>
           <p:nvPr/>
         </p:nvSpPr>
         <p:spPr>
           <a:xfrm>
             <a:off x="504000" y="1769040"/>
-            <a:ext cx="9071280" cy="4384080"/>
+            <a:ext cx="9070560" cy="4383360"/>
           </a:xfrm>
           <a:prstGeom prst="rect">
             <a:avLst/>
@@ -1901,14 +7638,14 @@
       </p:sp>
       <p:sp>
         <p:nvSpPr>
-          <p:cNvPr id="38" name="TextShape 3"/>
-          <p:cNvSpPr txBox="1"/>
+          <p:cNvPr id="147" name="CustomShape 3"/>
+          <p:cNvSpPr/>
           <p:nvPr/>
         </p:nvSpPr>
         <p:spPr>
           <a:xfrm>
             <a:off x="504000" y="301320"/>
-            <a:ext cx="9071280" cy="1261800"/>
+            <a:ext cx="9070560" cy="1261080"/>
           </a:xfrm>
           <a:prstGeom prst="rect">
             <a:avLst/>
@@ -1918,10 +7655,20 @@
             <a:noFill/>
           </a:ln>
         </p:spPr>
+        <p:style>
+          <a:lnRef idx="0"/>
+          <a:fillRef idx="0"/>
+          <a:effectRef idx="0"/>
+          <a:fontRef idx="minor"/>
+        </p:style>
         <p:txBody>
           <a:bodyPr lIns="0" rIns="0" tIns="0" bIns="0" anchor="ctr"/>
           <a:p>
-            <a:pPr algn="ctr"/>
+            <a:pPr algn="ctr">
+              <a:lnSpc>
+                <a:spcPct val="100000"/>
+              </a:lnSpc>
+            </a:pPr>
             <a:r>
               <a:rPr b="0" lang="de-DE" sz="4400" spc="-1" strike="noStrike">
                 <a:solidFill>
@@ -1933,33 +7680,34 @@
                   </a:solidFill>
                 </a:uFill>
                 <a:latin typeface="Arial"/>
+                <a:ea typeface="DejaVu Sans"/>
               </a:rPr>
               <a:t>Wasserfallmodell</a:t>
             </a:r>
-            <a:endParaRPr b="0" lang="de-DE" sz="4400" spc="-1" strike="noStrike">
-              <a:solidFill>
-                <a:srgbClr val="000000"/>
-              </a:solidFill>
-              <a:uFill>
-                <a:solidFill>
-                  <a:srgbClr val="ffffff"/>
-                </a:solidFill>
-              </a:uFill>
-              <a:latin typeface="Arial"/>
-            </a:endParaRPr>
-          </a:p>
-        </p:txBody>
-      </p:sp>
-      <p:sp>
-        <p:nvSpPr>
-          <p:cNvPr id="39" name="TextShape 4"/>
-          <p:cNvSpPr txBox="1"/>
+            <a:endParaRPr b="0" lang="de-DE" sz="1800" spc="-1" strike="noStrike">
+              <a:solidFill>
+                <a:srgbClr val="000000"/>
+              </a:solidFill>
+              <a:uFill>
+                <a:solidFill>
+                  <a:srgbClr val="ffffff"/>
+                </a:solidFill>
+              </a:uFill>
+              <a:latin typeface="Arial"/>
+            </a:endParaRPr>
+          </a:p>
+        </p:txBody>
+      </p:sp>
+      <p:sp>
+        <p:nvSpPr>
+          <p:cNvPr id="148" name="CustomShape 4"/>
+          <p:cNvSpPr/>
           <p:nvPr/>
         </p:nvSpPr>
         <p:spPr>
           <a:xfrm>
             <a:off x="504000" y="1768680"/>
-            <a:ext cx="9072000" cy="4384080"/>
+            <a:ext cx="9071280" cy="4383360"/>
           </a:xfrm>
           <a:prstGeom prst="rect">
             <a:avLst/>
@@ -1969,10 +7717,20 @@
             <a:noFill/>
           </a:ln>
         </p:spPr>
+        <p:style>
+          <a:lnRef idx="0"/>
+          <a:fillRef idx="0"/>
+          <a:effectRef idx="0"/>
+          <a:fontRef idx="minor"/>
+        </p:style>
         <p:txBody>
           <a:bodyPr lIns="0" rIns="0" tIns="0" bIns="0" anchor="ctr"/>
           <a:p>
-            <a:pPr algn="ctr"/>
+            <a:pPr algn="ctr">
+              <a:lnSpc>
+                <a:spcPct val="100000"/>
+              </a:lnSpc>
+            </a:pPr>
             <a:r>
               <a:rPr b="0" lang="de-DE" sz="3200" spc="-1" strike="noStrike">
                 <a:solidFill>
@@ -1984,10 +7742,11 @@
                   </a:solidFill>
                 </a:uFill>
                 <a:latin typeface="Arial"/>
+                <a:ea typeface="DejaVu Sans"/>
               </a:rPr>
               <a:t>Dennis Anders, Andreas Röder, Marcus Swinka</a:t>
             </a:r>
-            <a:endParaRPr b="0" lang="de-DE" sz="3200" spc="-1" strike="noStrike">
+            <a:endParaRPr b="0" lang="de-DE" sz="1800" spc="-1" strike="noStrike">
               <a:solidFill>
                 <a:srgbClr val="000000"/>
               </a:solidFill>
@@ -2052,14 +7811,14 @@
       </p:grpSpPr>
       <p:sp>
         <p:nvSpPr>
-          <p:cNvPr id="40" name="TextShape 1"/>
-          <p:cNvSpPr txBox="1"/>
+          <p:cNvPr id="149" name="CustomShape 1"/>
+          <p:cNvSpPr/>
           <p:nvPr/>
         </p:nvSpPr>
         <p:spPr>
           <a:xfrm>
             <a:off x="504000" y="301320"/>
-            <a:ext cx="9071280" cy="1261800"/>
+            <a:ext cx="9070560" cy="1261080"/>
           </a:xfrm>
           <a:prstGeom prst="rect">
             <a:avLst/>
@@ -2069,12 +7828,116 @@
             <a:noFill/>
           </a:ln>
         </p:spPr>
+        <p:style>
+          <a:lnRef idx="0"/>
+          <a:fillRef idx="0"/>
+          <a:effectRef idx="0"/>
+          <a:fontRef idx="minor"/>
+        </p:style>
         <p:txBody>
           <a:bodyPr lIns="0" rIns="0" tIns="0" bIns="0" anchor="ctr"/>
           <a:p>
-            <a:pPr algn="ctr"/>
+            <a:pPr algn="ctr">
+              <a:lnSpc>
+                <a:spcPct val="100000"/>
+              </a:lnSpc>
+            </a:pPr>
             <a:r>
               <a:rPr b="0" lang="de-DE" sz="4400" spc="-1" strike="noStrike">
+                <a:solidFill>
+                  <a:srgbClr val="000000"/>
+                </a:solidFill>
+                <a:uFill>
+                  <a:solidFill>
+                    <a:srgbClr val="ffffff"/>
+                  </a:solidFill>
+                </a:uFill>
+                <a:latin typeface="Arial"/>
+                <a:ea typeface="DejaVu Sans"/>
+              </a:rPr>
+              <a:t>Gliederung</a:t>
+            </a:r>
+            <a:endParaRPr b="0" lang="de-DE" sz="1800" spc="-1" strike="noStrike">
+              <a:solidFill>
+                <a:srgbClr val="000000"/>
+              </a:solidFill>
+              <a:uFill>
+                <a:solidFill>
+                  <a:srgbClr val="ffffff"/>
+                </a:solidFill>
+              </a:uFill>
+              <a:latin typeface="Arial"/>
+            </a:endParaRPr>
+          </a:p>
+        </p:txBody>
+      </p:sp>
+      <p:sp>
+        <p:nvSpPr>
+          <p:cNvPr id="150" name="CustomShape 2"/>
+          <p:cNvSpPr/>
+          <p:nvPr/>
+        </p:nvSpPr>
+        <p:spPr>
+          <a:xfrm>
+            <a:off x="504000" y="1768680"/>
+            <a:ext cx="9071280" cy="4383360"/>
+          </a:xfrm>
+          <a:prstGeom prst="rect">
+            <a:avLst/>
+          </a:prstGeom>
+          <a:noFill/>
+          <a:ln>
+            <a:noFill/>
+          </a:ln>
+        </p:spPr>
+        <p:style>
+          <a:lnRef idx="0"/>
+          <a:fillRef idx="0"/>
+          <a:effectRef idx="0"/>
+          <a:fontRef idx="minor"/>
+        </p:style>
+      </p:sp>
+      <p:sp>
+        <p:nvSpPr>
+          <p:cNvPr id="151" name="CustomShape 3"/>
+          <p:cNvSpPr/>
+          <p:nvPr/>
+        </p:nvSpPr>
+        <p:spPr>
+          <a:xfrm>
+            <a:off x="504000" y="1768680"/>
+            <a:ext cx="9071280" cy="4383360"/>
+          </a:xfrm>
+          <a:prstGeom prst="rect">
+            <a:avLst/>
+          </a:prstGeom>
+          <a:noFill/>
+          <a:ln>
+            <a:noFill/>
+          </a:ln>
+        </p:spPr>
+        <p:style>
+          <a:lnRef idx="0"/>
+          <a:fillRef idx="0"/>
+          <a:effectRef idx="0"/>
+          <a:fontRef idx="minor"/>
+        </p:style>
+        <p:txBody>
+          <a:bodyPr lIns="0" rIns="0" tIns="0" bIns="0"/>
+          <a:p>
+            <a:pPr marL="432000" indent="-323640">
+              <a:lnSpc>
+                <a:spcPct val="100000"/>
+              </a:lnSpc>
+              <a:buClr>
+                <a:srgbClr val="000000"/>
+              </a:buClr>
+              <a:buSzPct val="45000"/>
+              <a:buFont typeface="Wingdings" charset="2"/>
+              <a:buChar char=""/>
+            </a:pPr>
+            <a:r>
+              <a:rPr b="0" lang="de-DE" sz="3200" spc="-1" strike="noStrike">
                 <a:solidFill>
                   <a:srgbClr val="000000"/>
                 </a:solidFill>
@@ -2085,45 +7948,123 @@
                 </a:uFill>
                 <a:latin typeface="Arial"/>
               </a:rPr>
-              <a:t>Gliederung</a:t>
+              <a:t>Geschichte</a:t>
             </a:r>
-            <a:endParaRPr b="0" lang="de-DE" sz="4400" spc="-1" strike="noStrike">
-              <a:solidFill>
-                <a:srgbClr val="000000"/>
-              </a:solidFill>
-              <a:uFill>
-                <a:solidFill>
-                  <a:srgbClr val="ffffff"/>
-                </a:solidFill>
-              </a:uFill>
-              <a:latin typeface="Arial"/>
-            </a:endParaRPr>
-          </a:p>
-        </p:txBody>
-      </p:sp>
-      <p:sp>
-        <p:nvSpPr>
-          <p:cNvPr id="41" name="TextShape 2"/>
-          <p:cNvSpPr txBox="1"/>
-          <p:nvPr/>
-        </p:nvSpPr>
-        <p:spPr>
-          <a:xfrm>
-            <a:off x="504000" y="1768680"/>
-            <a:ext cx="9072000" cy="4384080"/>
-          </a:xfrm>
-          <a:prstGeom prst="rect">
-            <a:avLst/>
-          </a:prstGeom>
-          <a:noFill/>
-          <a:ln>
-            <a:noFill/>
-          </a:ln>
-        </p:spPr>
-        <p:txBody>
-          <a:bodyPr lIns="0" rIns="0" tIns="0" bIns="0"/>
-          <a:p>
-            <a:endParaRPr b="0" lang="de-DE" sz="3200" spc="-1" strike="noStrike">
+            <a:endParaRPr b="0" lang="de-DE" sz="1800" spc="-1" strike="noStrike">
+              <a:solidFill>
+                <a:srgbClr val="000000"/>
+              </a:solidFill>
+              <a:uFill>
+                <a:solidFill>
+                  <a:srgbClr val="ffffff"/>
+                </a:solidFill>
+              </a:uFill>
+              <a:latin typeface="Arial"/>
+            </a:endParaRPr>
+          </a:p>
+          <a:p>
+            <a:pPr marL="432000" indent="-323640">
+              <a:lnSpc>
+                <a:spcPct val="100000"/>
+              </a:lnSpc>
+              <a:buClr>
+                <a:srgbClr val="000000"/>
+              </a:buClr>
+              <a:buSzPct val="45000"/>
+              <a:buFont typeface="Wingdings" charset="2"/>
+              <a:buChar char=""/>
+            </a:pPr>
+            <a:r>
+              <a:rPr b="0" lang="de-DE" sz="3200" spc="-1" strike="noStrike">
+                <a:solidFill>
+                  <a:srgbClr val="000000"/>
+                </a:solidFill>
+                <a:uFill>
+                  <a:solidFill>
+                    <a:srgbClr val="ffffff"/>
+                  </a:solidFill>
+                </a:uFill>
+                <a:latin typeface="Arial"/>
+              </a:rPr>
+              <a:t>Eigenschaften</a:t>
+            </a:r>
+            <a:endParaRPr b="0" lang="de-DE" sz="1800" spc="-1" strike="noStrike">
+              <a:solidFill>
+                <a:srgbClr val="000000"/>
+              </a:solidFill>
+              <a:uFill>
+                <a:solidFill>
+                  <a:srgbClr val="ffffff"/>
+                </a:solidFill>
+              </a:uFill>
+              <a:latin typeface="Arial"/>
+            </a:endParaRPr>
+          </a:p>
+          <a:p>
+            <a:pPr marL="432000" indent="-323640">
+              <a:lnSpc>
+                <a:spcPct val="100000"/>
+              </a:lnSpc>
+              <a:buClr>
+                <a:srgbClr val="000000"/>
+              </a:buClr>
+              <a:buSzPct val="45000"/>
+              <a:buFont typeface="Wingdings" charset="2"/>
+              <a:buChar char=""/>
+            </a:pPr>
+            <a:r>
+              <a:rPr b="0" lang="de-DE" sz="3200" spc="-1" strike="noStrike">
+                <a:solidFill>
+                  <a:srgbClr val="000000"/>
+                </a:solidFill>
+                <a:uFill>
+                  <a:solidFill>
+                    <a:srgbClr val="ffffff"/>
+                  </a:solidFill>
+                </a:uFill>
+                <a:latin typeface="Arial"/>
+              </a:rPr>
+              <a:t>Phasen</a:t>
+            </a:r>
+            <a:endParaRPr b="0" lang="de-DE" sz="1800" spc="-1" strike="noStrike">
+              <a:solidFill>
+                <a:srgbClr val="000000"/>
+              </a:solidFill>
+              <a:uFill>
+                <a:solidFill>
+                  <a:srgbClr val="ffffff"/>
+                </a:solidFill>
+              </a:uFill>
+              <a:latin typeface="Arial"/>
+            </a:endParaRPr>
+          </a:p>
+          <a:p>
+            <a:pPr marL="432000" indent="-323640">
+              <a:lnSpc>
+                <a:spcPct val="100000"/>
+              </a:lnSpc>
+              <a:buClr>
+                <a:srgbClr val="000000"/>
+              </a:buClr>
+              <a:buSzPct val="45000"/>
+              <a:buFont typeface="Wingdings" charset="2"/>
+              <a:buChar char=""/>
+            </a:pPr>
+            <a:r>
+              <a:rPr b="0" lang="de-DE" sz="3200" spc="-1" strike="noStrike">
+                <a:solidFill>
+                  <a:srgbClr val="000000"/>
+                </a:solidFill>
+                <a:uFill>
+                  <a:solidFill>
+                    <a:srgbClr val="ffffff"/>
+                  </a:solidFill>
+                </a:uFill>
+                <a:latin typeface="Arial"/>
+              </a:rPr>
+              <a:t>Vor- und Nachteile</a:t>
+            </a:r>
+            <a:endParaRPr b="0" lang="de-DE" sz="1800" spc="-1" strike="noStrike">
               <a:solidFill>
                 <a:srgbClr val="000000"/>
               </a:solidFill>
@@ -2188,14 +8129,14 @@
       </p:grpSpPr>
       <p:sp>
         <p:nvSpPr>
-          <p:cNvPr id="42" name="TextShape 1"/>
-          <p:cNvSpPr txBox="1"/>
+          <p:cNvPr id="152" name="CustomShape 1"/>
+          <p:cNvSpPr/>
           <p:nvPr/>
         </p:nvSpPr>
         <p:spPr>
           <a:xfrm>
             <a:off x="504000" y="301320"/>
-            <a:ext cx="9071280" cy="1261800"/>
+            <a:ext cx="9070560" cy="1261080"/>
           </a:xfrm>
           <a:prstGeom prst="rect">
             <a:avLst/>
@@ -2205,10 +8146,20 @@
             <a:noFill/>
           </a:ln>
         </p:spPr>
+        <p:style>
+          <a:lnRef idx="0"/>
+          <a:fillRef idx="0"/>
+          <a:effectRef idx="0"/>
+          <a:fontRef idx="minor"/>
+        </p:style>
         <p:txBody>
           <a:bodyPr lIns="0" rIns="0" tIns="0" bIns="0" anchor="ctr"/>
           <a:p>
-            <a:pPr algn="ctr"/>
+            <a:pPr algn="ctr">
+              <a:lnSpc>
+                <a:spcPct val="100000"/>
+              </a:lnSpc>
+            </a:pPr>
             <a:r>
               <a:rPr b="0" lang="de-DE" sz="4400" spc="-1" strike="noStrike">
                 <a:solidFill>
@@ -2221,32 +8172,32 @@
                 </a:uFill>
                 <a:latin typeface="Arial"/>
               </a:rPr>
-              <a:t>Quellen</a:t>
+              <a:t>Geschichte</a:t>
             </a:r>
-            <a:endParaRPr b="0" lang="de-DE" sz="4400" spc="-1" strike="noStrike">
-              <a:solidFill>
-                <a:srgbClr val="000000"/>
-              </a:solidFill>
-              <a:uFill>
-                <a:solidFill>
-                  <a:srgbClr val="ffffff"/>
-                </a:solidFill>
-              </a:uFill>
-              <a:latin typeface="Arial"/>
-            </a:endParaRPr>
-          </a:p>
-        </p:txBody>
-      </p:sp>
-      <p:sp>
-        <p:nvSpPr>
-          <p:cNvPr id="43" name="TextShape 2"/>
-          <p:cNvSpPr txBox="1"/>
+            <a:endParaRPr b="0" lang="de-DE" sz="1800" spc="-1" strike="noStrike">
+              <a:solidFill>
+                <a:srgbClr val="000000"/>
+              </a:solidFill>
+              <a:uFill>
+                <a:solidFill>
+                  <a:srgbClr val="ffffff"/>
+                </a:solidFill>
+              </a:uFill>
+              <a:latin typeface="Arial"/>
+            </a:endParaRPr>
+          </a:p>
+        </p:txBody>
+      </p:sp>
+      <p:sp>
+        <p:nvSpPr>
+          <p:cNvPr id="153" name="CustomShape 2"/>
+          <p:cNvSpPr/>
           <p:nvPr/>
         </p:nvSpPr>
         <p:spPr>
           <a:xfrm>
             <a:off x="504000" y="1768680"/>
-            <a:ext cx="9072000" cy="4384080"/>
+            <a:ext cx="9071280" cy="4383360"/>
           </a:xfrm>
           <a:prstGeom prst="rect">
             <a:avLst/>
@@ -2256,10 +8207,19 @@
             <a:noFill/>
           </a:ln>
         </p:spPr>
+        <p:style>
+          <a:lnRef idx="0"/>
+          <a:fillRef idx="0"/>
+          <a:effectRef idx="0"/>
+          <a:fontRef idx="minor"/>
+        </p:style>
         <p:txBody>
           <a:bodyPr lIns="0" rIns="0" tIns="0" bIns="0"/>
           <a:p>
-            <a:pPr marL="432000" indent="-324000">
+            <a:pPr marL="432000" indent="-323640">
+              <a:lnSpc>
+                <a:spcPct val="100000"/>
+              </a:lnSpc>
               <a:buClr>
                 <a:srgbClr val="000000"/>
               </a:buClr>
@@ -2278,24 +8238,64 @@
                   </a:solidFill>
                 </a:uFill>
                 <a:latin typeface="Arial"/>
-                <a:hlinkClick r:id="rId1"/>
               </a:rPr>
-              <a:t>https://www.pinuts.de/blog/webstrategie/projektmanagement-wasserfall-gegen-scrum</a:t>
+              <a:t>Ursprünglich für Bau- und Produktionsprozesse verwendet</a:t>
             </a:r>
-            <a:endParaRPr b="0" lang="de-DE" sz="3200" spc="-1" strike="noStrike">
-              <a:solidFill>
-                <a:srgbClr val="000000"/>
-              </a:solidFill>
-              <a:uFill>
-                <a:solidFill>
-                  <a:srgbClr val="ffffff"/>
-                </a:solidFill>
-              </a:uFill>
-              <a:latin typeface="Arial"/>
-            </a:endParaRPr>
-          </a:p>
-          <a:p>
-            <a:pPr marL="432000" indent="-324000">
+            <a:endParaRPr b="0" lang="de-DE" sz="1800" spc="-1" strike="noStrike">
+              <a:solidFill>
+                <a:srgbClr val="000000"/>
+              </a:solidFill>
+              <a:uFill>
+                <a:solidFill>
+                  <a:srgbClr val="ffffff"/>
+                </a:solidFill>
+              </a:uFill>
+              <a:latin typeface="Arial"/>
+            </a:endParaRPr>
+          </a:p>
+          <a:p>
+            <a:pPr lvl="1" marL="864000" indent="-323640">
+              <a:lnSpc>
+                <a:spcPct val="100000"/>
+              </a:lnSpc>
+              <a:buClr>
+                <a:srgbClr val="000000"/>
+              </a:buClr>
+              <a:buSzPct val="75000"/>
+              <a:buFont typeface="Symbol"/>
+              <a:buChar char=""/>
+            </a:pPr>
+            <a:r>
+              <a:rPr b="0" lang="de-DE" sz="3200" spc="-1" strike="noStrike">
+                <a:solidFill>
+                  <a:srgbClr val="000000"/>
+                </a:solidFill>
+                <a:uFill>
+                  <a:solidFill>
+                    <a:srgbClr val="ffffff"/>
+                  </a:solidFill>
+                </a:uFill>
+                <a:latin typeface="Arial"/>
+              </a:rPr>
+              <a:t>Erste bekannte Adaption für Softwareentwicklung durch Herbert D. Benington 1956</a:t>
+            </a:r>
+            <a:endParaRPr b="0" lang="de-DE" sz="1800" spc="-1" strike="noStrike">
+              <a:solidFill>
+                <a:srgbClr val="000000"/>
+              </a:solidFill>
+              <a:uFill>
+                <a:solidFill>
+                  <a:srgbClr val="ffffff"/>
+                </a:solidFill>
+              </a:uFill>
+              <a:latin typeface="Arial"/>
+            </a:endParaRPr>
+          </a:p>
+          <a:p>
+            <a:pPr lvl="2" marL="1296000" indent="-287640">
+              <a:lnSpc>
+                <a:spcPct val="100000"/>
+              </a:lnSpc>
               <a:buClr>
                 <a:srgbClr val="000000"/>
               </a:buClr>
@@ -2314,82 +8314,10 @@
                   </a:solidFill>
                 </a:uFill>
                 <a:latin typeface="Arial"/>
-                <a:hlinkClick r:id="rId2"/>
               </a:rPr>
-              <a:t>https://www.itemis.com/de/agile/scrum/kompakt/grundlagen-des-projektmanagements/wasserfall-modell</a:t>
+              <a:t>Erste formale Beschreibung von Winston W. Royce 1970</a:t>
             </a:r>
-            <a:endParaRPr b="0" lang="de-DE" sz="3200" spc="-1" strike="noStrike">
-              <a:solidFill>
-                <a:srgbClr val="000000"/>
-              </a:solidFill>
-              <a:uFill>
-                <a:solidFill>
-                  <a:srgbClr val="ffffff"/>
-                </a:solidFill>
-              </a:uFill>
-              <a:latin typeface="Arial"/>
-            </a:endParaRPr>
-          </a:p>
-          <a:p>
-            <a:pPr marL="432000" indent="-324000">
-              <a:buClr>
-                <a:srgbClr val="000000"/>
-              </a:buClr>
-              <a:buSzPct val="45000"/>
-              <a:buFont typeface="Wingdings" charset="2"/>
-              <a:buChar char=""/>
-            </a:pPr>
-            <a:r>
-              <a:rPr b="0" lang="de-DE" sz="3200" spc="-1" strike="noStrike">
-                <a:solidFill>
-                  <a:srgbClr val="000000"/>
-                </a:solidFill>
-                <a:uFill>
-                  <a:solidFill>
-                    <a:srgbClr val="ffffff"/>
-                  </a:solidFill>
-                </a:uFill>
-                <a:latin typeface="Arial"/>
-                <a:hlinkClick r:id="rId3"/>
-              </a:rPr>
-              <a:t>https://www.tu-ilmenau.de/sse/lehre-archiv/sommer-2014/softwareprojekt/vorgehensmodell-wasserfallmodell/</a:t>
-            </a:r>
-            <a:endParaRPr b="0" lang="de-DE" sz="3200" spc="-1" strike="noStrike">
-              <a:solidFill>
-                <a:srgbClr val="000000"/>
-              </a:solidFill>
-              <a:uFill>
-                <a:solidFill>
-                  <a:srgbClr val="ffffff"/>
-                </a:solidFill>
-              </a:uFill>
-              <a:latin typeface="Arial"/>
-            </a:endParaRPr>
-          </a:p>
-          <a:p>
-            <a:pPr marL="432000" indent="-324000">
-              <a:buClr>
-                <a:srgbClr val="000000"/>
-              </a:buClr>
-              <a:buSzPct val="45000"/>
-              <a:buFont typeface="Wingdings" charset="2"/>
-              <a:buChar char=""/>
-            </a:pPr>
-            <a:r>
-              <a:rPr b="0" lang="de-DE" sz="3200" spc="-1" strike="noStrike">
-                <a:solidFill>
-                  <a:srgbClr val="000000"/>
-                </a:solidFill>
-                <a:uFill>
-                  <a:solidFill>
-                    <a:srgbClr val="ffffff"/>
-                  </a:solidFill>
-                </a:uFill>
-                <a:latin typeface="Arial"/>
-              </a:rPr>
-              <a:t> </a:t>
-            </a:r>
-            <a:endParaRPr b="0" lang="de-DE" sz="3200" spc="-1" strike="noStrike">
+            <a:endParaRPr b="0" lang="de-DE" sz="1800" spc="-1" strike="noStrike">
               <a:solidFill>
                 <a:srgbClr val="000000"/>
               </a:solidFill>
@@ -2432,6 +8360,1365 @@
       </p:par>
     </p:tnLst>
   </p:timing>
+</p:sld>
+</file>
+
+<file path=ppt/slides/slide4.xml><?xml version="1.0" encoding="utf-8"?>
+<p:sld xmlns:a="http://schemas.openxmlformats.org/drawingml/2006/main" xmlns:p="http://schemas.openxmlformats.org/presentationml/2006/main" xmlns:r="http://schemas.openxmlformats.org/officeDocument/2006/relationships" xmlns:p14="http://schemas.microsoft.com/office/powerpoint/2010/main" xmlns:p15="http://schemas.microsoft.com/office/powerpoint/2012/main" xmlns:mc="http://schemas.openxmlformats.org/markup-compatibility/2006">
+  <p:cSld>
+    <p:spTree>
+      <p:nvGrpSpPr>
+        <p:cNvPr id="1" name=""/>
+        <p:cNvGrpSpPr/>
+        <p:nvPr/>
+      </p:nvGrpSpPr>
+      <p:grpSpPr>
+        <a:xfrm>
+          <a:off x="0" y="0"/>
+          <a:ext cx="0" cy="0"/>
+          <a:chOff x="0" y="0"/>
+          <a:chExt cx="0" cy="0"/>
+        </a:xfrm>
+      </p:grpSpPr>
+      <p:sp>
+        <p:nvSpPr>
+          <p:cNvPr id="154" name="CustomShape 1"/>
+          <p:cNvSpPr/>
+          <p:nvPr/>
+        </p:nvSpPr>
+        <p:spPr>
+          <a:xfrm>
+            <a:off x="504000" y="301320"/>
+            <a:ext cx="9070560" cy="1261080"/>
+          </a:xfrm>
+          <a:prstGeom prst="rect">
+            <a:avLst/>
+          </a:prstGeom>
+          <a:noFill/>
+          <a:ln>
+            <a:noFill/>
+          </a:ln>
+        </p:spPr>
+        <p:style>
+          <a:lnRef idx="0"/>
+          <a:fillRef idx="0"/>
+          <a:effectRef idx="0"/>
+          <a:fontRef idx="minor"/>
+        </p:style>
+        <p:txBody>
+          <a:bodyPr lIns="0" rIns="0" tIns="0" bIns="0" anchor="ctr"/>
+          <a:p>
+            <a:pPr algn="ctr">
+              <a:lnSpc>
+                <a:spcPct val="100000"/>
+              </a:lnSpc>
+            </a:pPr>
+            <a:r>
+              <a:rPr b="0" lang="de-DE" sz="4400" spc="-1" strike="noStrike">
+                <a:solidFill>
+                  <a:srgbClr val="000000"/>
+                </a:solidFill>
+                <a:uFill>
+                  <a:solidFill>
+                    <a:srgbClr val="ffffff"/>
+                  </a:solidFill>
+                </a:uFill>
+                <a:latin typeface="Arial"/>
+              </a:rPr>
+              <a:t>Eigenschaften</a:t>
+            </a:r>
+            <a:endParaRPr b="0" lang="de-DE" sz="1800" spc="-1" strike="noStrike">
+              <a:solidFill>
+                <a:srgbClr val="000000"/>
+              </a:solidFill>
+              <a:uFill>
+                <a:solidFill>
+                  <a:srgbClr val="ffffff"/>
+                </a:solidFill>
+              </a:uFill>
+              <a:latin typeface="Arial"/>
+            </a:endParaRPr>
+          </a:p>
+        </p:txBody>
+      </p:sp>
+      <p:sp>
+        <p:nvSpPr>
+          <p:cNvPr id="155" name="CustomShape 2"/>
+          <p:cNvSpPr/>
+          <p:nvPr/>
+        </p:nvSpPr>
+        <p:spPr>
+          <a:xfrm>
+            <a:off x="504000" y="1768680"/>
+            <a:ext cx="9071280" cy="4383360"/>
+          </a:xfrm>
+          <a:prstGeom prst="rect">
+            <a:avLst/>
+          </a:prstGeom>
+          <a:noFill/>
+          <a:ln>
+            <a:noFill/>
+          </a:ln>
+        </p:spPr>
+        <p:style>
+          <a:lnRef idx="0"/>
+          <a:fillRef idx="0"/>
+          <a:effectRef idx="0"/>
+          <a:fontRef idx="minor"/>
+        </p:style>
+        <p:txBody>
+          <a:bodyPr lIns="0" rIns="0" tIns="0" bIns="0"/>
+          <a:p>
+            <a:pPr marL="432000" indent="-323640">
+              <a:lnSpc>
+                <a:spcPct val="100000"/>
+              </a:lnSpc>
+              <a:buClr>
+                <a:srgbClr val="000000"/>
+              </a:buClr>
+              <a:buSzPct val="45000"/>
+              <a:buFont typeface="Wingdings" charset="2"/>
+              <a:buChar char=""/>
+            </a:pPr>
+            <a:r>
+              <a:rPr b="0" lang="de-DE" sz="2800" spc="-1" strike="noStrike">
+                <a:solidFill>
+                  <a:srgbClr val="000000"/>
+                </a:solidFill>
+                <a:uFill>
+                  <a:solidFill>
+                    <a:srgbClr val="ffffff"/>
+                  </a:solidFill>
+                </a:uFill>
+                <a:latin typeface="Arial"/>
+              </a:rPr>
+              <a:t>Mehrere aufeinanderfolgende Schritte</a:t>
+            </a:r>
+            <a:endParaRPr b="0" lang="de-DE" sz="1800" spc="-1" strike="noStrike">
+              <a:solidFill>
+                <a:srgbClr val="000000"/>
+              </a:solidFill>
+              <a:uFill>
+                <a:solidFill>
+                  <a:srgbClr val="ffffff"/>
+                </a:solidFill>
+              </a:uFill>
+              <a:latin typeface="Arial"/>
+            </a:endParaRPr>
+          </a:p>
+          <a:p>
+            <a:pPr lvl="1" marL="864000" indent="-323640">
+              <a:lnSpc>
+                <a:spcPct val="100000"/>
+              </a:lnSpc>
+              <a:buClr>
+                <a:srgbClr val="000000"/>
+              </a:buClr>
+              <a:buSzPct val="75000"/>
+              <a:buFont typeface="Symbol"/>
+              <a:buChar char=""/>
+            </a:pPr>
+            <a:r>
+              <a:rPr b="0" lang="de-DE" sz="2800" spc="-1" strike="noStrike">
+                <a:solidFill>
+                  <a:srgbClr val="000000"/>
+                </a:solidFill>
+                <a:uFill>
+                  <a:solidFill>
+                    <a:srgbClr val="ffffff"/>
+                  </a:solidFill>
+                </a:uFill>
+                <a:latin typeface="Arial"/>
+              </a:rPr>
+              <a:t>Reihenfolge ist unveränderlich</a:t>
+            </a:r>
+            <a:endParaRPr b="0" lang="de-DE" sz="1800" spc="-1" strike="noStrike">
+              <a:solidFill>
+                <a:srgbClr val="000000"/>
+              </a:solidFill>
+              <a:uFill>
+                <a:solidFill>
+                  <a:srgbClr val="ffffff"/>
+                </a:solidFill>
+              </a:uFill>
+              <a:latin typeface="Arial"/>
+            </a:endParaRPr>
+          </a:p>
+          <a:p>
+            <a:pPr lvl="2" marL="1296000" indent="-287640">
+              <a:lnSpc>
+                <a:spcPct val="100000"/>
+              </a:lnSpc>
+              <a:buClr>
+                <a:srgbClr val="000000"/>
+              </a:buClr>
+              <a:buSzPct val="45000"/>
+              <a:buFont typeface="Wingdings" charset="2"/>
+              <a:buChar char=""/>
+            </a:pPr>
+            <a:r>
+              <a:rPr b="0" lang="de-DE" sz="2800" spc="-1" strike="noStrike">
+                <a:solidFill>
+                  <a:srgbClr val="000000"/>
+                </a:solidFill>
+                <a:uFill>
+                  <a:solidFill>
+                    <a:srgbClr val="ffffff"/>
+                  </a:solidFill>
+                </a:uFill>
+                <a:latin typeface="Arial"/>
+              </a:rPr>
+              <a:t>Am Ende jeder Phase  steht ein Dokument</a:t>
+            </a:r>
+            <a:endParaRPr b="0" lang="de-DE" sz="1800" spc="-1" strike="noStrike">
+              <a:solidFill>
+                <a:srgbClr val="000000"/>
+              </a:solidFill>
+              <a:uFill>
+                <a:solidFill>
+                  <a:srgbClr val="ffffff"/>
+                </a:solidFill>
+              </a:uFill>
+              <a:latin typeface="Arial"/>
+            </a:endParaRPr>
+          </a:p>
+          <a:p>
+            <a:pPr lvl="3" marL="1728000" indent="-215640">
+              <a:lnSpc>
+                <a:spcPct val="100000"/>
+              </a:lnSpc>
+              <a:buClr>
+                <a:srgbClr val="000000"/>
+              </a:buClr>
+              <a:buSzPct val="75000"/>
+              <a:buFont typeface="Symbol"/>
+              <a:buChar char=""/>
+            </a:pPr>
+            <a:r>
+              <a:rPr b="0" lang="de-DE" sz="2800" spc="-1" strike="noStrike">
+                <a:solidFill>
+                  <a:srgbClr val="000000"/>
+                </a:solidFill>
+                <a:uFill>
+                  <a:solidFill>
+                    <a:srgbClr val="ffffff"/>
+                  </a:solidFill>
+                </a:uFill>
+                <a:latin typeface="Arial"/>
+              </a:rPr>
+              <a:t>Jeder Schritt muss vor Beginn des nächsten vollständig abgeschlossen sein</a:t>
+            </a:r>
+            <a:endParaRPr b="0" lang="de-DE" sz="1800" spc="-1" strike="noStrike">
+              <a:solidFill>
+                <a:srgbClr val="000000"/>
+              </a:solidFill>
+              <a:uFill>
+                <a:solidFill>
+                  <a:srgbClr val="ffffff"/>
+                </a:solidFill>
+              </a:uFill>
+              <a:latin typeface="Arial"/>
+            </a:endParaRPr>
+          </a:p>
+          <a:p>
+            <a:pPr lvl="4" marL="2160000" indent="-215640">
+              <a:lnSpc>
+                <a:spcPct val="100000"/>
+              </a:lnSpc>
+              <a:buClr>
+                <a:srgbClr val="000000"/>
+              </a:buClr>
+              <a:buSzPct val="45000"/>
+              <a:buFont typeface="Wingdings" charset="2"/>
+              <a:buChar char=""/>
+            </a:pPr>
+            <a:r>
+              <a:rPr b="0" lang="de-DE" sz="2800" spc="-1" strike="noStrike">
+                <a:solidFill>
+                  <a:srgbClr val="000000"/>
+                </a:solidFill>
+                <a:uFill>
+                  <a:solidFill>
+                    <a:srgbClr val="ffffff"/>
+                  </a:solidFill>
+                </a:uFill>
+                <a:latin typeface="Arial"/>
+              </a:rPr>
+              <a:t>Royce-Variante: Rücksprünge sind möglich, aber alle Arbeiten der aktuellen Phase müssen verworfen werden</a:t>
+            </a:r>
+            <a:endParaRPr b="0" lang="de-DE" sz="1800" spc="-1" strike="noStrike">
+              <a:solidFill>
+                <a:srgbClr val="000000"/>
+              </a:solidFill>
+              <a:uFill>
+                <a:solidFill>
+                  <a:srgbClr val="ffffff"/>
+                </a:solidFill>
+              </a:uFill>
+              <a:latin typeface="Arial"/>
+            </a:endParaRPr>
+          </a:p>
+        </p:txBody>
+      </p:sp>
+    </p:spTree>
+  </p:cSld>
+  <p:timing>
+    <p:tnLst>
+      <p:par>
+        <p:cTn id="7" dur="indefinite" restart="never" nodeType="tmRoot">
+          <p:childTnLst>
+            <p:seq>
+              <p:cTn id="8" nodeType="mainSeq"/>
+              <p:prevCondLst>
+                <p:cond delay="0" evt="onPrev">
+                  <p:tgtEl>
+                    <p:sldTgt/>
+                  </p:tgtEl>
+                </p:cond>
+              </p:prevCondLst>
+              <p:nextCondLst>
+                <p:cond delay="0" evt="onNext">
+                  <p:tgtEl>
+                    <p:sldTgt/>
+                  </p:tgtEl>
+                </p:cond>
+              </p:nextCondLst>
+            </p:seq>
+          </p:childTnLst>
+        </p:cTn>
+      </p:par>
+    </p:tnLst>
+  </p:timing>
+</p:sld>
+</file>
+
+<file path=ppt/slides/slide5.xml><?xml version="1.0" encoding="utf-8"?>
+<p:sld xmlns:a="http://schemas.openxmlformats.org/drawingml/2006/main" xmlns:p="http://schemas.openxmlformats.org/presentationml/2006/main" xmlns:r="http://schemas.openxmlformats.org/officeDocument/2006/relationships" xmlns:p14="http://schemas.microsoft.com/office/powerpoint/2010/main" xmlns:p15="http://schemas.microsoft.com/office/powerpoint/2012/main" xmlns:mc="http://schemas.openxmlformats.org/markup-compatibility/2006">
+  <p:cSld>
+    <p:spTree>
+      <p:nvGrpSpPr>
+        <p:cNvPr id="1" name=""/>
+        <p:cNvGrpSpPr/>
+        <p:nvPr/>
+      </p:nvGrpSpPr>
+      <p:grpSpPr>
+        <a:xfrm>
+          <a:off x="0" y="0"/>
+          <a:ext cx="0" cy="0"/>
+          <a:chOff x="0" y="0"/>
+          <a:chExt cx="0" cy="0"/>
+        </a:xfrm>
+      </p:grpSpPr>
+      <p:sp>
+        <p:nvSpPr>
+          <p:cNvPr id="156" name="CustomShape 1"/>
+          <p:cNvSpPr/>
+          <p:nvPr/>
+        </p:nvSpPr>
+        <p:spPr>
+          <a:xfrm>
+            <a:off x="504000" y="301320"/>
+            <a:ext cx="9070560" cy="1261080"/>
+          </a:xfrm>
+          <a:prstGeom prst="rect">
+            <a:avLst/>
+          </a:prstGeom>
+          <a:noFill/>
+          <a:ln>
+            <a:noFill/>
+          </a:ln>
+        </p:spPr>
+        <p:style>
+          <a:lnRef idx="0"/>
+          <a:fillRef idx="0"/>
+          <a:effectRef idx="0"/>
+          <a:fontRef idx="minor"/>
+        </p:style>
+        <p:txBody>
+          <a:bodyPr lIns="0" rIns="0" tIns="0" bIns="0" anchor="ctr"/>
+          <a:p>
+            <a:pPr algn="ctr">
+              <a:lnSpc>
+                <a:spcPct val="100000"/>
+              </a:lnSpc>
+            </a:pPr>
+            <a:r>
+              <a:rPr b="0" lang="de-DE" sz="4400" spc="-1" strike="noStrike">
+                <a:solidFill>
+                  <a:srgbClr val="000000"/>
+                </a:solidFill>
+                <a:uFill>
+                  <a:solidFill>
+                    <a:srgbClr val="ffffff"/>
+                  </a:solidFill>
+                </a:uFill>
+                <a:latin typeface="Arial"/>
+              </a:rPr>
+              <a:t>Phasen</a:t>
+            </a:r>
+            <a:endParaRPr b="0" lang="de-DE" sz="1800" spc="-1" strike="noStrike">
+              <a:solidFill>
+                <a:srgbClr val="000000"/>
+              </a:solidFill>
+              <a:uFill>
+                <a:solidFill>
+                  <a:srgbClr val="ffffff"/>
+                </a:solidFill>
+              </a:uFill>
+              <a:latin typeface="Arial"/>
+            </a:endParaRPr>
+          </a:p>
+        </p:txBody>
+      </p:sp>
+      <p:sp>
+        <p:nvSpPr>
+          <p:cNvPr id="157" name="CustomShape 2"/>
+          <p:cNvSpPr/>
+          <p:nvPr/>
+        </p:nvSpPr>
+        <p:spPr>
+          <a:xfrm>
+            <a:off x="504000" y="1768680"/>
+            <a:ext cx="9071280" cy="4383360"/>
+          </a:xfrm>
+          <a:prstGeom prst="rect">
+            <a:avLst/>
+          </a:prstGeom>
+          <a:noFill/>
+          <a:ln>
+            <a:noFill/>
+          </a:ln>
+        </p:spPr>
+        <p:style>
+          <a:lnRef idx="0"/>
+          <a:fillRef idx="0"/>
+          <a:effectRef idx="0"/>
+          <a:fontRef idx="minor"/>
+        </p:style>
+        <p:txBody>
+          <a:bodyPr lIns="0" rIns="0" tIns="0" bIns="0"/>
+          <a:p>
+            <a:pPr marL="432000" indent="-323640">
+              <a:lnSpc>
+                <a:spcPct val="100000"/>
+              </a:lnSpc>
+              <a:buClr>
+                <a:srgbClr val="000000"/>
+              </a:buClr>
+              <a:buSzPct val="45000"/>
+              <a:buFont typeface="Wingdings" charset="2"/>
+              <a:buChar char=""/>
+            </a:pPr>
+            <a:r>
+              <a:rPr b="0" lang="de-DE" sz="3200" spc="-1" strike="noStrike">
+                <a:solidFill>
+                  <a:srgbClr val="000000"/>
+                </a:solidFill>
+                <a:uFill>
+                  <a:solidFill>
+                    <a:srgbClr val="ffffff"/>
+                  </a:solidFill>
+                </a:uFill>
+                <a:latin typeface="Arial"/>
+              </a:rPr>
+              <a:t>Planung / Analyse</a:t>
+            </a:r>
+            <a:endParaRPr b="0" lang="de-DE" sz="1800" spc="-1" strike="noStrike">
+              <a:solidFill>
+                <a:srgbClr val="000000"/>
+              </a:solidFill>
+              <a:uFill>
+                <a:solidFill>
+                  <a:srgbClr val="ffffff"/>
+                </a:solidFill>
+              </a:uFill>
+              <a:latin typeface="Arial"/>
+            </a:endParaRPr>
+          </a:p>
+          <a:p>
+            <a:pPr lvl="1" marL="864000" indent="-323640">
+              <a:lnSpc>
+                <a:spcPct val="100000"/>
+              </a:lnSpc>
+              <a:buClr>
+                <a:srgbClr val="000000"/>
+              </a:buClr>
+              <a:buSzPct val="75000"/>
+              <a:buFont typeface="Symbol"/>
+              <a:buChar char=""/>
+            </a:pPr>
+            <a:r>
+              <a:rPr b="0" lang="de-DE" sz="3200" spc="-1" strike="noStrike">
+                <a:solidFill>
+                  <a:srgbClr val="000000"/>
+                </a:solidFill>
+                <a:uFill>
+                  <a:solidFill>
+                    <a:srgbClr val="ffffff"/>
+                  </a:solidFill>
+                </a:uFill>
+                <a:latin typeface="Arial"/>
+              </a:rPr>
+              <a:t>Entwurf</a:t>
+            </a:r>
+            <a:endParaRPr b="0" lang="de-DE" sz="1800" spc="-1" strike="noStrike">
+              <a:solidFill>
+                <a:srgbClr val="000000"/>
+              </a:solidFill>
+              <a:uFill>
+                <a:solidFill>
+                  <a:srgbClr val="ffffff"/>
+                </a:solidFill>
+              </a:uFill>
+              <a:latin typeface="Arial"/>
+            </a:endParaRPr>
+          </a:p>
+          <a:p>
+            <a:pPr lvl="2" marL="1296000" indent="-287640">
+              <a:lnSpc>
+                <a:spcPct val="100000"/>
+              </a:lnSpc>
+              <a:buClr>
+                <a:srgbClr val="000000"/>
+              </a:buClr>
+              <a:buSzPct val="45000"/>
+              <a:buFont typeface="Wingdings" charset="2"/>
+              <a:buChar char=""/>
+            </a:pPr>
+            <a:r>
+              <a:rPr b="0" lang="de-DE" sz="3200" spc="-1" strike="noStrike">
+                <a:solidFill>
+                  <a:srgbClr val="000000"/>
+                </a:solidFill>
+                <a:uFill>
+                  <a:solidFill>
+                    <a:srgbClr val="ffffff"/>
+                  </a:solidFill>
+                </a:uFill>
+                <a:latin typeface="Arial"/>
+              </a:rPr>
+              <a:t>Implementierung</a:t>
+            </a:r>
+            <a:endParaRPr b="0" lang="de-DE" sz="1800" spc="-1" strike="noStrike">
+              <a:solidFill>
+                <a:srgbClr val="000000"/>
+              </a:solidFill>
+              <a:uFill>
+                <a:solidFill>
+                  <a:srgbClr val="ffffff"/>
+                </a:solidFill>
+              </a:uFill>
+              <a:latin typeface="Arial"/>
+            </a:endParaRPr>
+          </a:p>
+          <a:p>
+            <a:pPr lvl="3" marL="1728000" indent="-215640">
+              <a:lnSpc>
+                <a:spcPct val="100000"/>
+              </a:lnSpc>
+              <a:buClr>
+                <a:srgbClr val="000000"/>
+              </a:buClr>
+              <a:buSzPct val="75000"/>
+              <a:buFont typeface="Symbol"/>
+              <a:buChar char=""/>
+            </a:pPr>
+            <a:r>
+              <a:rPr b="0" lang="de-DE" sz="3200" spc="-1" strike="noStrike">
+                <a:solidFill>
+                  <a:srgbClr val="000000"/>
+                </a:solidFill>
+                <a:uFill>
+                  <a:solidFill>
+                    <a:srgbClr val="ffffff"/>
+                  </a:solidFill>
+                </a:uFill>
+                <a:latin typeface="Arial"/>
+              </a:rPr>
+              <a:t>Test</a:t>
+            </a:r>
+            <a:endParaRPr b="0" lang="de-DE" sz="1800" spc="-1" strike="noStrike">
+              <a:solidFill>
+                <a:srgbClr val="000000"/>
+              </a:solidFill>
+              <a:uFill>
+                <a:solidFill>
+                  <a:srgbClr val="ffffff"/>
+                </a:solidFill>
+              </a:uFill>
+              <a:latin typeface="Arial"/>
+            </a:endParaRPr>
+          </a:p>
+          <a:p>
+            <a:pPr lvl="4" marL="2160000" indent="-215640">
+              <a:lnSpc>
+                <a:spcPct val="100000"/>
+              </a:lnSpc>
+              <a:buClr>
+                <a:srgbClr val="000000"/>
+              </a:buClr>
+              <a:buSzPct val="45000"/>
+              <a:buFont typeface="Wingdings" charset="2"/>
+              <a:buChar char=""/>
+            </a:pPr>
+            <a:r>
+              <a:rPr b="0" lang="de-DE" sz="3200" spc="-1" strike="noStrike">
+                <a:solidFill>
+                  <a:srgbClr val="000000"/>
+                </a:solidFill>
+                <a:uFill>
+                  <a:solidFill>
+                    <a:srgbClr val="ffffff"/>
+                  </a:solidFill>
+                </a:uFill>
+                <a:latin typeface="Arial"/>
+              </a:rPr>
+              <a:t>Anwendung / Wartung</a:t>
+            </a:r>
+            <a:endParaRPr b="0" lang="de-DE" sz="1800" spc="-1" strike="noStrike">
+              <a:solidFill>
+                <a:srgbClr val="000000"/>
+              </a:solidFill>
+              <a:uFill>
+                <a:solidFill>
+                  <a:srgbClr val="ffffff"/>
+                </a:solidFill>
+              </a:uFill>
+              <a:latin typeface="Arial"/>
+            </a:endParaRPr>
+          </a:p>
+        </p:txBody>
+      </p:sp>
+    </p:spTree>
+  </p:cSld>
+  <p:timing>
+    <p:tnLst>
+      <p:par>
+        <p:cTn id="9" dur="indefinite" restart="never" nodeType="tmRoot">
+          <p:childTnLst>
+            <p:seq>
+              <p:cTn id="10" nodeType="mainSeq"/>
+              <p:prevCondLst>
+                <p:cond delay="0" evt="onPrev">
+                  <p:tgtEl>
+                    <p:sldTgt/>
+                  </p:tgtEl>
+                </p:cond>
+              </p:prevCondLst>
+              <p:nextCondLst>
+                <p:cond delay="0" evt="onNext">
+                  <p:tgtEl>
+                    <p:sldTgt/>
+                  </p:tgtEl>
+                </p:cond>
+              </p:nextCondLst>
+            </p:seq>
+          </p:childTnLst>
+        </p:cTn>
+      </p:par>
+    </p:tnLst>
+  </p:timing>
+</p:sld>
+</file>
+
+<file path=ppt/slides/slide6.xml><?xml version="1.0" encoding="utf-8"?>
+<p:sld xmlns:a="http://schemas.openxmlformats.org/drawingml/2006/main" xmlns:p="http://schemas.openxmlformats.org/presentationml/2006/main" xmlns:r="http://schemas.openxmlformats.org/officeDocument/2006/relationships" xmlns:p14="http://schemas.microsoft.com/office/powerpoint/2010/main" xmlns:p15="http://schemas.microsoft.com/office/powerpoint/2012/main" xmlns:mc="http://schemas.openxmlformats.org/markup-compatibility/2006">
+  <p:cSld>
+    <p:spTree>
+      <p:nvGrpSpPr>
+        <p:cNvPr id="1" name=""/>
+        <p:cNvGrpSpPr/>
+        <p:nvPr/>
+      </p:nvGrpSpPr>
+      <p:grpSpPr>
+        <a:xfrm>
+          <a:off x="0" y="0"/>
+          <a:ext cx="0" cy="0"/>
+          <a:chOff x="0" y="0"/>
+          <a:chExt cx="0" cy="0"/>
+        </a:xfrm>
+      </p:grpSpPr>
+      <p:sp>
+        <p:nvSpPr>
+          <p:cNvPr id="158" name="TextShape 1"/>
+          <p:cNvSpPr txBox="1"/>
+          <p:nvPr/>
+        </p:nvSpPr>
+        <p:spPr>
+          <a:xfrm>
+            <a:off x="504000" y="301320"/>
+            <a:ext cx="9070560" cy="1261080"/>
+          </a:xfrm>
+          <a:prstGeom prst="rect">
+            <a:avLst/>
+          </a:prstGeom>
+          <a:noFill/>
+          <a:ln>
+            <a:noFill/>
+          </a:ln>
+        </p:spPr>
+        <p:txBody>
+          <a:bodyPr lIns="0" rIns="0" tIns="0" bIns="0" anchor="ctr"/>
+          <a:p>
+            <a:pPr algn="ctr"/>
+            <a:r>
+              <a:rPr b="0" lang="de-DE" sz="4400" spc="-1" strike="noStrike">
+                <a:solidFill>
+                  <a:srgbClr val="000000"/>
+                </a:solidFill>
+                <a:uFill>
+                  <a:solidFill>
+                    <a:srgbClr val="ffffff"/>
+                  </a:solidFill>
+                </a:uFill>
+                <a:latin typeface="Arial"/>
+              </a:rPr>
+              <a:t>Vor- und Nachteile</a:t>
+            </a:r>
+            <a:endParaRPr b="0" lang="de-DE" sz="4400" spc="-1" strike="noStrike">
+              <a:solidFill>
+                <a:srgbClr val="000000"/>
+              </a:solidFill>
+              <a:uFill>
+                <a:solidFill>
+                  <a:srgbClr val="ffffff"/>
+                </a:solidFill>
+              </a:uFill>
+              <a:latin typeface="Arial"/>
+            </a:endParaRPr>
+          </a:p>
+        </p:txBody>
+      </p:sp>
+      <p:sp>
+        <p:nvSpPr>
+          <p:cNvPr id="159" name="TextShape 2"/>
+          <p:cNvSpPr txBox="1"/>
+          <p:nvPr/>
+        </p:nvSpPr>
+        <p:spPr>
+          <a:xfrm>
+            <a:off x="504000" y="1768680"/>
+            <a:ext cx="4426560" cy="4383360"/>
+          </a:xfrm>
+          <a:prstGeom prst="rect">
+            <a:avLst/>
+          </a:prstGeom>
+          <a:noFill/>
+          <a:ln>
+            <a:noFill/>
+          </a:ln>
+        </p:spPr>
+        <p:txBody>
+          <a:bodyPr lIns="0" rIns="0" tIns="0" bIns="0"/>
+          <a:p>
+            <a:pPr marL="432000" indent="-324000">
+              <a:buClr>
+                <a:srgbClr val="000000"/>
+              </a:buClr>
+              <a:buSzPct val="45000"/>
+              <a:buFont typeface="Wingdings" charset="2"/>
+              <a:buChar char=""/>
+            </a:pPr>
+            <a:r>
+              <a:rPr b="0" lang="de-DE" sz="3200" spc="-1" strike="noStrike">
+                <a:solidFill>
+                  <a:srgbClr val="000000"/>
+                </a:solidFill>
+                <a:uFill>
+                  <a:solidFill>
+                    <a:srgbClr val="ffffff"/>
+                  </a:solidFill>
+                </a:uFill>
+                <a:latin typeface="Arial"/>
+              </a:rPr>
+              <a:t>Vorteile:</a:t>
+            </a:r>
+            <a:endParaRPr b="0" lang="de-DE" sz="3200" spc="-1" strike="noStrike">
+              <a:solidFill>
+                <a:srgbClr val="000000"/>
+              </a:solidFill>
+              <a:uFill>
+                <a:solidFill>
+                  <a:srgbClr val="ffffff"/>
+                </a:solidFill>
+              </a:uFill>
+              <a:latin typeface="Arial"/>
+            </a:endParaRPr>
+          </a:p>
+          <a:p>
+            <a:pPr marL="432000" indent="-324000">
+              <a:buClr>
+                <a:srgbClr val="000000"/>
+              </a:buClr>
+              <a:buSzPct val="45000"/>
+              <a:buFont typeface="Wingdings" charset="2"/>
+              <a:buChar char=""/>
+            </a:pPr>
+            <a:r>
+              <a:rPr b="0" lang="de-DE" sz="3200" spc="-1" strike="noStrike">
+                <a:solidFill>
+                  <a:srgbClr val="000000"/>
+                </a:solidFill>
+                <a:uFill>
+                  <a:solidFill>
+                    <a:srgbClr val="ffffff"/>
+                  </a:solidFill>
+                </a:uFill>
+                <a:latin typeface="Arial"/>
+              </a:rPr>
+              <a:t>Sehr präzise Planung wird sichergestellt</a:t>
+            </a:r>
+            <a:endParaRPr b="0" lang="de-DE" sz="3200" spc="-1" strike="noStrike">
+              <a:solidFill>
+                <a:srgbClr val="000000"/>
+              </a:solidFill>
+              <a:uFill>
+                <a:solidFill>
+                  <a:srgbClr val="ffffff"/>
+                </a:solidFill>
+              </a:uFill>
+              <a:latin typeface="Arial"/>
+            </a:endParaRPr>
+          </a:p>
+          <a:p>
+            <a:pPr marL="432000" indent="-324000">
+              <a:buClr>
+                <a:srgbClr val="000000"/>
+              </a:buClr>
+              <a:buSzPct val="45000"/>
+              <a:buFont typeface="Wingdings" charset="2"/>
+              <a:buChar char=""/>
+            </a:pPr>
+            <a:r>
+              <a:rPr b="0" lang="de-DE" sz="3200" spc="-1" strike="noStrike">
+                <a:solidFill>
+                  <a:srgbClr val="000000"/>
+                </a:solidFill>
+                <a:uFill>
+                  <a:solidFill>
+                    <a:srgbClr val="ffffff"/>
+                  </a:solidFill>
+                </a:uFill>
+                <a:latin typeface="Arial"/>
+              </a:rPr>
+              <a:t>Phasen sind klar abgegrenzt</a:t>
+            </a:r>
+            <a:endParaRPr b="0" lang="de-DE" sz="3200" spc="-1" strike="noStrike">
+              <a:solidFill>
+                <a:srgbClr val="000000"/>
+              </a:solidFill>
+              <a:uFill>
+                <a:solidFill>
+                  <a:srgbClr val="ffffff"/>
+                </a:solidFill>
+              </a:uFill>
+              <a:latin typeface="Arial"/>
+            </a:endParaRPr>
+          </a:p>
+          <a:p>
+            <a:pPr marL="432000" indent="-324000">
+              <a:buClr>
+                <a:srgbClr val="000000"/>
+              </a:buClr>
+              <a:buSzPct val="45000"/>
+              <a:buFont typeface="Wingdings" charset="2"/>
+              <a:buChar char=""/>
+            </a:pPr>
+            <a:r>
+              <a:rPr b="0" lang="de-DE" sz="3200" spc="-1" strike="noStrike">
+                <a:solidFill>
+                  <a:srgbClr val="000000"/>
+                </a:solidFill>
+                <a:uFill>
+                  <a:solidFill>
+                    <a:srgbClr val="ffffff"/>
+                  </a:solidFill>
+                </a:uFill>
+                <a:latin typeface="Arial"/>
+              </a:rPr>
+              <a:t>Sehr effizient bei klaren Anforderungen und guter Kosten- und Umfangseinschätzung</a:t>
+            </a:r>
+            <a:endParaRPr b="0" lang="de-DE" sz="3200" spc="-1" strike="noStrike">
+              <a:solidFill>
+                <a:srgbClr val="000000"/>
+              </a:solidFill>
+              <a:uFill>
+                <a:solidFill>
+                  <a:srgbClr val="ffffff"/>
+                </a:solidFill>
+              </a:uFill>
+              <a:latin typeface="Arial"/>
+            </a:endParaRPr>
+          </a:p>
+        </p:txBody>
+      </p:sp>
+      <p:sp>
+        <p:nvSpPr>
+          <p:cNvPr id="160" name="TextShape 3"/>
+          <p:cNvSpPr txBox="1"/>
+          <p:nvPr/>
+        </p:nvSpPr>
+        <p:spPr>
+          <a:xfrm>
+            <a:off x="5152320" y="1768680"/>
+            <a:ext cx="4426560" cy="4383360"/>
+          </a:xfrm>
+          <a:prstGeom prst="rect">
+            <a:avLst/>
+          </a:prstGeom>
+          <a:noFill/>
+          <a:ln>
+            <a:noFill/>
+          </a:ln>
+        </p:spPr>
+        <p:txBody>
+          <a:bodyPr lIns="0" rIns="0" tIns="0" bIns="0"/>
+          <a:p>
+            <a:pPr marL="432000" indent="-324000">
+              <a:buClr>
+                <a:srgbClr val="000000"/>
+              </a:buClr>
+              <a:buSzPct val="45000"/>
+              <a:buFont typeface="Wingdings" charset="2"/>
+              <a:buChar char=""/>
+            </a:pPr>
+            <a:r>
+              <a:rPr b="0" lang="de-DE" sz="3200" spc="-1" strike="noStrike">
+                <a:solidFill>
+                  <a:srgbClr val="000000"/>
+                </a:solidFill>
+                <a:uFill>
+                  <a:solidFill>
+                    <a:srgbClr val="ffffff"/>
+                  </a:solidFill>
+                </a:uFill>
+                <a:latin typeface="Arial"/>
+              </a:rPr>
+              <a:t>Nachteile:</a:t>
+            </a:r>
+            <a:endParaRPr b="0" lang="de-DE" sz="3200" spc="-1" strike="noStrike">
+              <a:solidFill>
+                <a:srgbClr val="000000"/>
+              </a:solidFill>
+              <a:uFill>
+                <a:solidFill>
+                  <a:srgbClr val="ffffff"/>
+                </a:solidFill>
+              </a:uFill>
+              <a:latin typeface="Arial"/>
+            </a:endParaRPr>
+          </a:p>
+          <a:p>
+            <a:pPr marL="432000" indent="-324000">
+              <a:buClr>
+                <a:srgbClr val="000000"/>
+              </a:buClr>
+              <a:buSzPct val="45000"/>
+              <a:buFont typeface="Wingdings" charset="2"/>
+              <a:buChar char=""/>
+            </a:pPr>
+            <a:r>
+              <a:rPr b="0" lang="de-DE" sz="3200" spc="-1" strike="noStrike">
+                <a:solidFill>
+                  <a:srgbClr val="000000"/>
+                </a:solidFill>
+                <a:uFill>
+                  <a:solidFill>
+                    <a:srgbClr val="ffffff"/>
+                  </a:solidFill>
+                </a:uFill>
+                <a:latin typeface="Arial"/>
+              </a:rPr>
+              <a:t>Hohes Risiko bei späten Anforderungs-änderungen</a:t>
+            </a:r>
+            <a:endParaRPr b="0" lang="de-DE" sz="3200" spc="-1" strike="noStrike">
+              <a:solidFill>
+                <a:srgbClr val="000000"/>
+              </a:solidFill>
+              <a:uFill>
+                <a:solidFill>
+                  <a:srgbClr val="ffffff"/>
+                </a:solidFill>
+              </a:uFill>
+              <a:latin typeface="Arial"/>
+            </a:endParaRPr>
+          </a:p>
+          <a:p>
+            <a:pPr marL="432000" indent="-324000">
+              <a:buClr>
+                <a:srgbClr val="000000"/>
+              </a:buClr>
+              <a:buSzPct val="45000"/>
+              <a:buFont typeface="Wingdings" charset="2"/>
+              <a:buChar char=""/>
+            </a:pPr>
+            <a:r>
+              <a:rPr b="0" lang="de-DE" sz="3200" spc="-1" strike="noStrike">
+                <a:solidFill>
+                  <a:srgbClr val="000000"/>
+                </a:solidFill>
+                <a:uFill>
+                  <a:solidFill>
+                    <a:srgbClr val="ffffff"/>
+                  </a:solidFill>
+                </a:uFill>
+                <a:latin typeface="Arial"/>
+              </a:rPr>
+              <a:t>Steht im Kontrast zur flexiblen Natur von IT-Projekten</a:t>
+            </a:r>
+            <a:endParaRPr b="0" lang="de-DE" sz="3200" spc="-1" strike="noStrike">
+              <a:solidFill>
+                <a:srgbClr val="000000"/>
+              </a:solidFill>
+              <a:uFill>
+                <a:solidFill>
+                  <a:srgbClr val="ffffff"/>
+                </a:solidFill>
+              </a:uFill>
+              <a:latin typeface="Arial"/>
+            </a:endParaRPr>
+          </a:p>
+          <a:p>
+            <a:pPr marL="432000" indent="-324000">
+              <a:buClr>
+                <a:srgbClr val="000000"/>
+              </a:buClr>
+              <a:buSzPct val="45000"/>
+              <a:buFont typeface="Wingdings" charset="2"/>
+              <a:buChar char=""/>
+            </a:pPr>
+            <a:r>
+              <a:rPr b="0" lang="de-DE" sz="3200" spc="-1" strike="noStrike">
+                <a:solidFill>
+                  <a:srgbClr val="000000"/>
+                </a:solidFill>
+                <a:uFill>
+                  <a:solidFill>
+                    <a:srgbClr val="ffffff"/>
+                  </a:solidFill>
+                </a:uFill>
+                <a:latin typeface="Arial"/>
+              </a:rPr>
+              <a:t>Laut Winston Royce nur für einfache Projekte geeignet</a:t>
+            </a:r>
+            <a:endParaRPr b="0" lang="de-DE" sz="3200" spc="-1" strike="noStrike">
+              <a:solidFill>
+                <a:srgbClr val="000000"/>
+              </a:solidFill>
+              <a:uFill>
+                <a:solidFill>
+                  <a:srgbClr val="ffffff"/>
+                </a:solidFill>
+              </a:uFill>
+              <a:latin typeface="Arial"/>
+            </a:endParaRPr>
+          </a:p>
+        </p:txBody>
+      </p:sp>
+    </p:spTree>
+  </p:cSld>
+  <p:timing>
+    <p:tnLst>
+      <p:par>
+        <p:cTn id="11" dur="indefinite" restart="never" nodeType="tmRoot">
+          <p:childTnLst>
+            <p:seq>
+              <p:cTn id="12" nodeType="mainSeq"/>
+              <p:prevCondLst>
+                <p:cond delay="0" evt="onPrev">
+                  <p:tgtEl>
+                    <p:sldTgt/>
+                  </p:tgtEl>
+                </p:cond>
+              </p:prevCondLst>
+              <p:nextCondLst>
+                <p:cond delay="0" evt="onNext">
+                  <p:tgtEl>
+                    <p:sldTgt/>
+                  </p:tgtEl>
+                </p:cond>
+              </p:nextCondLst>
+            </p:seq>
+          </p:childTnLst>
+        </p:cTn>
+      </p:par>
+    </p:tnLst>
+  </p:timing>
+</p:sld>
+</file>
+
+<file path=ppt/slides/slide7.xml><?xml version="1.0" encoding="utf-8"?>
+<p:sld xmlns:a="http://schemas.openxmlformats.org/drawingml/2006/main" xmlns:p="http://schemas.openxmlformats.org/presentationml/2006/main" xmlns:r="http://schemas.openxmlformats.org/officeDocument/2006/relationships" xmlns:p14="http://schemas.microsoft.com/office/powerpoint/2010/main" xmlns:p15="http://schemas.microsoft.com/office/powerpoint/2012/main" xmlns:mc="http://schemas.openxmlformats.org/markup-compatibility/2006">
+  <p:cSld>
+    <p:spTree>
+      <p:nvGrpSpPr>
+        <p:cNvPr id="1" name=""/>
+        <p:cNvGrpSpPr/>
+        <p:nvPr/>
+      </p:nvGrpSpPr>
+      <p:grpSpPr>
+        <a:xfrm>
+          <a:off x="0" y="0"/>
+          <a:ext cx="0" cy="0"/>
+          <a:chOff x="0" y="0"/>
+          <a:chExt cx="0" cy="0"/>
+        </a:xfrm>
+      </p:grpSpPr>
+      <p:sp>
+        <p:nvSpPr>
+          <p:cNvPr id="161" name="TextShape 1"/>
+          <p:cNvSpPr txBox="1"/>
+          <p:nvPr/>
+        </p:nvSpPr>
+        <p:spPr>
+          <a:xfrm>
+            <a:off x="504000" y="301320"/>
+            <a:ext cx="9070560" cy="1261080"/>
+          </a:xfrm>
+          <a:prstGeom prst="rect">
+            <a:avLst/>
+          </a:prstGeom>
+          <a:noFill/>
+          <a:ln>
+            <a:noFill/>
+          </a:ln>
+        </p:spPr>
+        <p:txBody>
+          <a:bodyPr lIns="0" rIns="0" tIns="0" bIns="0" anchor="ctr"/>
+          <a:p>
+            <a:pPr algn="ctr"/>
+            <a:r>
+              <a:rPr b="0" lang="de-DE" sz="4400" spc="-1" strike="noStrike">
+                <a:solidFill>
+                  <a:srgbClr val="000000"/>
+                </a:solidFill>
+                <a:uFill>
+                  <a:solidFill>
+                    <a:srgbClr val="ffffff"/>
+                  </a:solidFill>
+                </a:uFill>
+                <a:latin typeface="Arial"/>
+              </a:rPr>
+              <a:t>Quellen</a:t>
+            </a:r>
+            <a:endParaRPr b="0" lang="de-DE" sz="4400" spc="-1" strike="noStrike">
+              <a:solidFill>
+                <a:srgbClr val="000000"/>
+              </a:solidFill>
+              <a:uFill>
+                <a:solidFill>
+                  <a:srgbClr val="ffffff"/>
+                </a:solidFill>
+              </a:uFill>
+              <a:latin typeface="Arial"/>
+            </a:endParaRPr>
+          </a:p>
+        </p:txBody>
+      </p:sp>
+      <p:sp>
+        <p:nvSpPr>
+          <p:cNvPr id="162" name="TextShape 2"/>
+          <p:cNvSpPr txBox="1"/>
+          <p:nvPr/>
+        </p:nvSpPr>
+        <p:spPr>
+          <a:xfrm>
+            <a:off x="504000" y="1768680"/>
+            <a:ext cx="9071280" cy="4383360"/>
+          </a:xfrm>
+          <a:prstGeom prst="rect">
+            <a:avLst/>
+          </a:prstGeom>
+          <a:noFill/>
+          <a:ln>
+            <a:noFill/>
+          </a:ln>
+        </p:spPr>
+        <p:txBody>
+          <a:bodyPr lIns="0" rIns="0" tIns="0" bIns="0"/>
+          <a:p>
+            <a:pPr marL="432000" indent="-324000">
+              <a:buClr>
+                <a:srgbClr val="000000"/>
+              </a:buClr>
+              <a:buSzPct val="45000"/>
+              <a:buFont typeface="Wingdings" charset="2"/>
+              <a:buChar char=""/>
+            </a:pPr>
+            <a:r>
+              <a:rPr b="0" lang="de-DE" sz="2400" spc="-1" strike="noStrike">
+                <a:solidFill>
+                  <a:srgbClr val="000000"/>
+                </a:solidFill>
+                <a:uFill>
+                  <a:solidFill>
+                    <a:srgbClr val="ffffff"/>
+                  </a:solidFill>
+                </a:uFill>
+                <a:latin typeface="Arial"/>
+                <a:hlinkClick r:id="rId1"/>
+              </a:rPr>
+              <a:t>https://www.pinuts.de/blog/webstrategie/projektmanagement-wasserfall-gegen-scrum</a:t>
+            </a:r>
+            <a:endParaRPr b="0" lang="de-DE" sz="2400" spc="-1" strike="noStrike">
+              <a:solidFill>
+                <a:srgbClr val="000000"/>
+              </a:solidFill>
+              <a:uFill>
+                <a:solidFill>
+                  <a:srgbClr val="ffffff"/>
+                </a:solidFill>
+              </a:uFill>
+              <a:latin typeface="Arial"/>
+            </a:endParaRPr>
+          </a:p>
+          <a:p>
+            <a:pPr marL="432000" indent="-324000">
+              <a:buClr>
+                <a:srgbClr val="000000"/>
+              </a:buClr>
+              <a:buSzPct val="45000"/>
+              <a:buFont typeface="Wingdings" charset="2"/>
+              <a:buChar char=""/>
+            </a:pPr>
+            <a:r>
+              <a:rPr b="0" lang="de-DE" sz="2400" spc="-1" strike="noStrike">
+                <a:solidFill>
+                  <a:srgbClr val="000000"/>
+                </a:solidFill>
+                <a:uFill>
+                  <a:solidFill>
+                    <a:srgbClr val="ffffff"/>
+                  </a:solidFill>
+                </a:uFill>
+                <a:latin typeface="Arial"/>
+                <a:hlinkClick r:id="rId2"/>
+              </a:rPr>
+              <a:t>https://www.itemis.com/de/agile/scrum/kompakt/grundlagen-des-projektmanagements/wasserfall-modell</a:t>
+            </a:r>
+            <a:endParaRPr b="0" lang="de-DE" sz="2400" spc="-1" strike="noStrike">
+              <a:solidFill>
+                <a:srgbClr val="000000"/>
+              </a:solidFill>
+              <a:uFill>
+                <a:solidFill>
+                  <a:srgbClr val="ffffff"/>
+                </a:solidFill>
+              </a:uFill>
+              <a:latin typeface="Arial"/>
+            </a:endParaRPr>
+          </a:p>
+          <a:p>
+            <a:pPr marL="432000" indent="-324000">
+              <a:buClr>
+                <a:srgbClr val="000000"/>
+              </a:buClr>
+              <a:buSzPct val="45000"/>
+              <a:buFont typeface="Wingdings" charset="2"/>
+              <a:buChar char=""/>
+            </a:pPr>
+            <a:r>
+              <a:rPr b="0" lang="de-DE" sz="2400" spc="-1" strike="noStrike">
+                <a:solidFill>
+                  <a:srgbClr val="000000"/>
+                </a:solidFill>
+                <a:uFill>
+                  <a:solidFill>
+                    <a:srgbClr val="ffffff"/>
+                  </a:solidFill>
+                </a:uFill>
+                <a:latin typeface="Arial"/>
+                <a:hlinkClick r:id="rId3"/>
+              </a:rPr>
+              <a:t>https://www.tu-ilmenau.de/sse/lehre-archiv/sommer-2014/softwareprojekt/vorgehensmodell-wasserfallmodell/</a:t>
+            </a:r>
+            <a:endParaRPr b="0" lang="de-DE" sz="2400" spc="-1" strike="noStrike">
+              <a:solidFill>
+                <a:srgbClr val="000000"/>
+              </a:solidFill>
+              <a:uFill>
+                <a:solidFill>
+                  <a:srgbClr val="ffffff"/>
+                </a:solidFill>
+              </a:uFill>
+              <a:latin typeface="Arial"/>
+            </a:endParaRPr>
+          </a:p>
+          <a:p>
+            <a:pPr marL="432000" indent="-324000">
+              <a:buClr>
+                <a:srgbClr val="000000"/>
+              </a:buClr>
+              <a:buSzPct val="45000"/>
+              <a:buFont typeface="Wingdings" charset="2"/>
+              <a:buChar char=""/>
+            </a:pPr>
+            <a:r>
+              <a:rPr b="0" lang="de-DE" sz="2400" spc="-1" strike="noStrike">
+                <a:solidFill>
+                  <a:srgbClr val="000000"/>
+                </a:solidFill>
+                <a:uFill>
+                  <a:solidFill>
+                    <a:srgbClr val="ffffff"/>
+                  </a:solidFill>
+                </a:uFill>
+                <a:latin typeface="Arial"/>
+                <a:hlinkClick r:id="rId4"/>
+              </a:rPr>
+              <a:t>https://de.wikipedia.org/wiki/Wasserfallmodell</a:t>
+            </a:r>
+            <a:endParaRPr b="0" lang="de-DE" sz="2400" spc="-1" strike="noStrike">
+              <a:solidFill>
+                <a:srgbClr val="000000"/>
+              </a:solidFill>
+              <a:uFill>
+                <a:solidFill>
+                  <a:srgbClr val="ffffff"/>
+                </a:solidFill>
+              </a:uFill>
+              <a:latin typeface="Arial"/>
+            </a:endParaRPr>
+          </a:p>
+          <a:p>
+            <a:pPr marL="432000" indent="-324000">
+              <a:buClr>
+                <a:srgbClr val="000000"/>
+              </a:buClr>
+              <a:buSzPct val="45000"/>
+              <a:buFont typeface="Wingdings" charset="2"/>
+              <a:buChar char=""/>
+            </a:pPr>
+            <a:r>
+              <a:rPr b="0" lang="de-DE" sz="2400" spc="-1" strike="noStrike">
+                <a:solidFill>
+                  <a:srgbClr val="000000"/>
+                </a:solidFill>
+                <a:uFill>
+                  <a:solidFill>
+                    <a:srgbClr val="ffffff"/>
+                  </a:solidFill>
+                </a:uFill>
+                <a:latin typeface="Arial"/>
+              </a:rPr>
+              <a:t> </a:t>
+            </a:r>
+            <a:endParaRPr b="0" lang="de-DE" sz="2400" spc="-1" strike="noStrike">
+              <a:solidFill>
+                <a:srgbClr val="000000"/>
+              </a:solidFill>
+              <a:uFill>
+                <a:solidFill>
+                  <a:srgbClr val="ffffff"/>
+                </a:solidFill>
+              </a:uFill>
+              <a:latin typeface="Arial"/>
+            </a:endParaRPr>
+          </a:p>
+        </p:txBody>
+      </p:sp>
+    </p:spTree>
+  </p:cSld>
 </p:sld>
 </file>
 
@@ -2656,4 +9943,673 @@
     </a:fmtScheme>
   </a:themeElements>
 </a:theme>
+</file>
+
+<file path=ppt/theme/theme2.xml><?xml version="1.0" encoding="utf-8"?>
+<a:theme xmlns:a="http://schemas.openxmlformats.org/drawingml/2006/main" name="Office Theme">
+  <a:themeElements>
+    <a:clrScheme name="Office">
+      <a:dk1>
+        <a:sysClr val="windowText" lastClr="000000"/>
+      </a:dk1>
+      <a:lt1>
+        <a:sysClr val="window" lastClr="FFFFFF"/>
+      </a:lt1>
+      <a:dk2>
+        <a:srgbClr val="1F497D"/>
+      </a:dk2>
+      <a:lt2>
+        <a:srgbClr val="EEECE1"/>
+      </a:lt2>
+      <a:accent1>
+        <a:srgbClr val="4F81BD"/>
+      </a:accent1>
+      <a:accent2>
+        <a:srgbClr val="C0504D"/>
+      </a:accent2>
+      <a:accent3>
+        <a:srgbClr val="9BBB59"/>
+      </a:accent3>
+      <a:accent4>
+        <a:srgbClr val="8064A2"/>
+      </a:accent4>
+      <a:accent5>
+        <a:srgbClr val="4BACC6"/>
+      </a:accent5>
+      <a:accent6>
+        <a:srgbClr val="F79646"/>
+      </a:accent6>
+      <a:hlink>
+        <a:srgbClr val="0000FF"/>
+      </a:hlink>
+      <a:folHlink>
+        <a:srgbClr val="800080"/>
+      </a:folHlink>
+    </a:clrScheme>
+    <a:fontScheme name="Office">
+      <a:majorFont>
+        <a:latin typeface="Arial"/>
+        <a:ea typeface="DejaVu Sans"/>
+        <a:cs typeface="DejaVu Sans"/>
+      </a:majorFont>
+      <a:minorFont>
+        <a:latin typeface="Arial"/>
+        <a:ea typeface="DejaVu Sans"/>
+        <a:cs typeface="DejaVu Sans"/>
+      </a:minorFont>
+    </a:fontScheme>
+    <a:fmtScheme name="Office">
+      <a:fillStyleLst>
+        <a:solidFill>
+          <a:schemeClr val="phClr"/>
+        </a:solidFill>
+        <a:gradFill rotWithShape="1">
+          <a:gsLst>
+            <a:gs pos="0">
+              <a:schemeClr val="phClr">
+                <a:tint val="50000"/>
+                <a:satMod val="300000"/>
+              </a:schemeClr>
+            </a:gs>
+            <a:gs pos="35000">
+              <a:schemeClr val="phClr">
+                <a:tint val="37000"/>
+                <a:satMod val="300000"/>
+              </a:schemeClr>
+            </a:gs>
+            <a:gs pos="100000">
+              <a:schemeClr val="phClr">
+                <a:tint val="15000"/>
+                <a:satMod val="350000"/>
+              </a:schemeClr>
+            </a:gs>
+          </a:gsLst>
+          <a:lin ang="16200000" scaled="1"/>
+        </a:gradFill>
+        <a:gradFill rotWithShape="1">
+          <a:gsLst>
+            <a:gs pos="0">
+              <a:schemeClr val="phClr">
+                <a:shade val="51000"/>
+                <a:satMod val="130000"/>
+              </a:schemeClr>
+            </a:gs>
+            <a:gs pos="80000">
+              <a:schemeClr val="phClr">
+                <a:shade val="93000"/>
+                <a:satMod val="130000"/>
+              </a:schemeClr>
+            </a:gs>
+            <a:gs pos="100000">
+              <a:schemeClr val="phClr">
+                <a:shade val="94000"/>
+                <a:satMod val="135000"/>
+              </a:schemeClr>
+            </a:gs>
+          </a:gsLst>
+          <a:lin ang="16200000" scaled="0"/>
+        </a:gradFill>
+      </a:fillStyleLst>
+      <a:lnStyleLst>
+        <a:ln w="9525" cap="flat" cmpd="sng" algn="ctr">
+          <a:solidFill>
+            <a:schemeClr val="phClr">
+              <a:shade val="95000"/>
+              <a:satMod val="105000"/>
+            </a:schemeClr>
+          </a:solidFill>
+          <a:prstDash val="solid"/>
+        </a:ln>
+        <a:ln w="25400" cap="flat" cmpd="sng" algn="ctr">
+          <a:solidFill>
+            <a:schemeClr val="phClr"/>
+          </a:solidFill>
+          <a:prstDash val="solid"/>
+        </a:ln>
+        <a:ln w="38100" cap="flat" cmpd="sng" algn="ctr">
+          <a:solidFill>
+            <a:schemeClr val="phClr"/>
+          </a:solidFill>
+          <a:prstDash val="solid"/>
+        </a:ln>
+      </a:lnStyleLst>
+      <a:effectStyleLst>
+        <a:effectStyle>
+          <a:effectLst>
+            <a:outerShdw blurRad="40000" dist="20000" dir="5400000" rotWithShape="0">
+              <a:srgbClr val="000000">
+                <a:alpha val="38000"/>
+              </a:srgbClr>
+            </a:outerShdw>
+          </a:effectLst>
+        </a:effectStyle>
+        <a:effectStyle>
+          <a:effectLst>
+            <a:outerShdw blurRad="40000" dist="23000" dir="5400000" rotWithShape="0">
+              <a:srgbClr val="000000">
+                <a:alpha val="35000"/>
+              </a:srgbClr>
+            </a:outerShdw>
+          </a:effectLst>
+        </a:effectStyle>
+        <a:effectStyle>
+          <a:effectLst>
+            <a:outerShdw blurRad="40000" dist="23000" dir="5400000" rotWithShape="0">
+              <a:srgbClr val="000000">
+                <a:alpha val="35000"/>
+              </a:srgbClr>
+            </a:outerShdw>
+          </a:effectLst>
+          <a:scene3d>
+            <a:camera prst="orthographicFront">
+              <a:rot lat="0" lon="0" rev="0"/>
+            </a:camera>
+            <a:lightRig rig="threePt" dir="t">
+              <a:rot lat="0" lon="0" rev="1200000"/>
+            </a:lightRig>
+          </a:scene3d>
+          <a:sp3d>
+            <a:bevelT w="63500" h="25400"/>
+          </a:sp3d>
+        </a:effectStyle>
+      </a:effectStyleLst>
+      <a:bgFillStyleLst>
+        <a:solidFill>
+          <a:schemeClr val="phClr"/>
+        </a:solidFill>
+        <a:gradFill rotWithShape="1">
+          <a:gsLst>
+            <a:gs pos="0">
+              <a:schemeClr val="phClr">
+                <a:tint val="40000"/>
+                <a:satMod val="350000"/>
+              </a:schemeClr>
+            </a:gs>
+            <a:gs pos="40000">
+              <a:schemeClr val="phClr">
+                <a:tint val="45000"/>
+                <a:shade val="99000"/>
+                <a:satMod val="350000"/>
+              </a:schemeClr>
+            </a:gs>
+            <a:gs pos="100000">
+              <a:schemeClr val="phClr">
+                <a:shade val="20000"/>
+                <a:satMod val="255000"/>
+              </a:schemeClr>
+            </a:gs>
+          </a:gsLst>
+          <a:path path="circle">
+            <a:fillToRect l="50000" t="-80000" r="50000" b="180000"/>
+          </a:path>
+        </a:gradFill>
+        <a:gradFill rotWithShape="1">
+          <a:gsLst>
+            <a:gs pos="0">
+              <a:schemeClr val="phClr">
+                <a:tint val="80000"/>
+                <a:satMod val="300000"/>
+              </a:schemeClr>
+            </a:gs>
+            <a:gs pos="100000">
+              <a:schemeClr val="phClr">
+                <a:shade val="30000"/>
+                <a:satMod val="200000"/>
+              </a:schemeClr>
+            </a:gs>
+          </a:gsLst>
+          <a:path path="circle">
+            <a:fillToRect l="50000" t="50000" r="50000" b="50000"/>
+          </a:path>
+        </a:gradFill>
+      </a:bgFillStyleLst>
+    </a:fmtScheme>
+  </a:themeElements>
+</a:theme>
+</file>
+
+<file path=ppt/theme/theme3.xml><?xml version="1.0" encoding="utf-8"?>
+<a:theme xmlns:a="http://schemas.openxmlformats.org/drawingml/2006/main" name="Office Theme">
+  <a:themeElements>
+    <a:clrScheme name="Office">
+      <a:dk1>
+        <a:sysClr val="windowText" lastClr="000000"/>
+      </a:dk1>
+      <a:lt1>
+        <a:sysClr val="window" lastClr="FFFFFF"/>
+      </a:lt1>
+      <a:dk2>
+        <a:srgbClr val="1F497D"/>
+      </a:dk2>
+      <a:lt2>
+        <a:srgbClr val="EEECE1"/>
+      </a:lt2>
+      <a:accent1>
+        <a:srgbClr val="4F81BD"/>
+      </a:accent1>
+      <a:accent2>
+        <a:srgbClr val="C0504D"/>
+      </a:accent2>
+      <a:accent3>
+        <a:srgbClr val="9BBB59"/>
+      </a:accent3>
+      <a:accent4>
+        <a:srgbClr val="8064A2"/>
+      </a:accent4>
+      <a:accent5>
+        <a:srgbClr val="4BACC6"/>
+      </a:accent5>
+      <a:accent6>
+        <a:srgbClr val="F79646"/>
+      </a:accent6>
+      <a:hlink>
+        <a:srgbClr val="0000FF"/>
+      </a:hlink>
+      <a:folHlink>
+        <a:srgbClr val="800080"/>
+      </a:folHlink>
+    </a:clrScheme>
+    <a:fontScheme name="Office">
+      <a:majorFont>
+        <a:latin typeface="Arial"/>
+        <a:ea typeface="DejaVu Sans"/>
+        <a:cs typeface="DejaVu Sans"/>
+      </a:majorFont>
+      <a:minorFont>
+        <a:latin typeface="Arial"/>
+        <a:ea typeface="DejaVu Sans"/>
+        <a:cs typeface="DejaVu Sans"/>
+      </a:minorFont>
+    </a:fontScheme>
+    <a:fmtScheme name="Office">
+      <a:fillStyleLst>
+        <a:solidFill>
+          <a:schemeClr val="phClr"/>
+        </a:solidFill>
+        <a:gradFill rotWithShape="1">
+          <a:gsLst>
+            <a:gs pos="0">
+              <a:schemeClr val="phClr">
+                <a:tint val="50000"/>
+                <a:satMod val="300000"/>
+              </a:schemeClr>
+            </a:gs>
+            <a:gs pos="35000">
+              <a:schemeClr val="phClr">
+                <a:tint val="37000"/>
+                <a:satMod val="300000"/>
+              </a:schemeClr>
+            </a:gs>
+            <a:gs pos="100000">
+              <a:schemeClr val="phClr">
+                <a:tint val="15000"/>
+                <a:satMod val="350000"/>
+              </a:schemeClr>
+            </a:gs>
+          </a:gsLst>
+          <a:lin ang="16200000" scaled="1"/>
+        </a:gradFill>
+        <a:gradFill rotWithShape="1">
+          <a:gsLst>
+            <a:gs pos="0">
+              <a:schemeClr val="phClr">
+                <a:shade val="51000"/>
+                <a:satMod val="130000"/>
+              </a:schemeClr>
+            </a:gs>
+            <a:gs pos="80000">
+              <a:schemeClr val="phClr">
+                <a:shade val="93000"/>
+                <a:satMod val="130000"/>
+              </a:schemeClr>
+            </a:gs>
+            <a:gs pos="100000">
+              <a:schemeClr val="phClr">
+                <a:shade val="94000"/>
+                <a:satMod val="135000"/>
+              </a:schemeClr>
+            </a:gs>
+          </a:gsLst>
+          <a:lin ang="16200000" scaled="0"/>
+        </a:gradFill>
+      </a:fillStyleLst>
+      <a:lnStyleLst>
+        <a:ln w="9525" cap="flat" cmpd="sng" algn="ctr">
+          <a:solidFill>
+            <a:schemeClr val="phClr">
+              <a:shade val="95000"/>
+              <a:satMod val="105000"/>
+            </a:schemeClr>
+          </a:solidFill>
+          <a:prstDash val="solid"/>
+        </a:ln>
+        <a:ln w="25400" cap="flat" cmpd="sng" algn="ctr">
+          <a:solidFill>
+            <a:schemeClr val="phClr"/>
+          </a:solidFill>
+          <a:prstDash val="solid"/>
+        </a:ln>
+        <a:ln w="38100" cap="flat" cmpd="sng" algn="ctr">
+          <a:solidFill>
+            <a:schemeClr val="phClr"/>
+          </a:solidFill>
+          <a:prstDash val="solid"/>
+        </a:ln>
+      </a:lnStyleLst>
+      <a:effectStyleLst>
+        <a:effectStyle>
+          <a:effectLst>
+            <a:outerShdw blurRad="40000" dist="20000" dir="5400000" rotWithShape="0">
+              <a:srgbClr val="000000">
+                <a:alpha val="38000"/>
+              </a:srgbClr>
+            </a:outerShdw>
+          </a:effectLst>
+        </a:effectStyle>
+        <a:effectStyle>
+          <a:effectLst>
+            <a:outerShdw blurRad="40000" dist="23000" dir="5400000" rotWithShape="0">
+              <a:srgbClr val="000000">
+                <a:alpha val="35000"/>
+              </a:srgbClr>
+            </a:outerShdw>
+          </a:effectLst>
+        </a:effectStyle>
+        <a:effectStyle>
+          <a:effectLst>
+            <a:outerShdw blurRad="40000" dist="23000" dir="5400000" rotWithShape="0">
+              <a:srgbClr val="000000">
+                <a:alpha val="35000"/>
+              </a:srgbClr>
+            </a:outerShdw>
+          </a:effectLst>
+          <a:scene3d>
+            <a:camera prst="orthographicFront">
+              <a:rot lat="0" lon="0" rev="0"/>
+            </a:camera>
+            <a:lightRig rig="threePt" dir="t">
+              <a:rot lat="0" lon="0" rev="1200000"/>
+            </a:lightRig>
+          </a:scene3d>
+          <a:sp3d>
+            <a:bevelT w="63500" h="25400"/>
+          </a:sp3d>
+        </a:effectStyle>
+      </a:effectStyleLst>
+      <a:bgFillStyleLst>
+        <a:solidFill>
+          <a:schemeClr val="phClr"/>
+        </a:solidFill>
+        <a:gradFill rotWithShape="1">
+          <a:gsLst>
+            <a:gs pos="0">
+              <a:schemeClr val="phClr">
+                <a:tint val="40000"/>
+                <a:satMod val="350000"/>
+              </a:schemeClr>
+            </a:gs>
+            <a:gs pos="40000">
+              <a:schemeClr val="phClr">
+                <a:tint val="45000"/>
+                <a:shade val="99000"/>
+                <a:satMod val="350000"/>
+              </a:schemeClr>
+            </a:gs>
+            <a:gs pos="100000">
+              <a:schemeClr val="phClr">
+                <a:shade val="20000"/>
+                <a:satMod val="255000"/>
+              </a:schemeClr>
+            </a:gs>
+          </a:gsLst>
+          <a:path path="circle">
+            <a:fillToRect l="50000" t="-80000" r="50000" b="180000"/>
+          </a:path>
+        </a:gradFill>
+        <a:gradFill rotWithShape="1">
+          <a:gsLst>
+            <a:gs pos="0">
+              <a:schemeClr val="phClr">
+                <a:tint val="80000"/>
+                <a:satMod val="300000"/>
+              </a:schemeClr>
+            </a:gs>
+            <a:gs pos="100000">
+              <a:schemeClr val="phClr">
+                <a:shade val="30000"/>
+                <a:satMod val="200000"/>
+              </a:schemeClr>
+            </a:gs>
+          </a:gsLst>
+          <a:path path="circle">
+            <a:fillToRect l="50000" t="50000" r="50000" b="50000"/>
+          </a:path>
+        </a:gradFill>
+      </a:bgFillStyleLst>
+    </a:fmtScheme>
+  </a:themeElements>
+</a:theme>
+</file>
+
+<file path=ppt/theme/theme4.xml><?xml version="1.0" encoding="utf-8"?>
+<a:theme xmlns:a="http://schemas.openxmlformats.org/drawingml/2006/main" name="Office Theme">
+  <a:themeElements>
+    <a:clrScheme name="Office">
+      <a:dk1>
+        <a:sysClr val="windowText" lastClr="000000"/>
+      </a:dk1>
+      <a:lt1>
+        <a:sysClr val="window" lastClr="FFFFFF"/>
+      </a:lt1>
+      <a:dk2>
+        <a:srgbClr val="1F497D"/>
+      </a:dk2>
+      <a:lt2>
+        <a:srgbClr val="EEECE1"/>
+      </a:lt2>
+      <a:accent1>
+        <a:srgbClr val="4F81BD"/>
+      </a:accent1>
+      <a:accent2>
+        <a:srgbClr val="C0504D"/>
+      </a:accent2>
+      <a:accent3>
+        <a:srgbClr val="9BBB59"/>
+      </a:accent3>
+      <a:accent4>
+        <a:srgbClr val="8064A2"/>
+      </a:accent4>
+      <a:accent5>
+        <a:srgbClr val="4BACC6"/>
+      </a:accent5>
+      <a:accent6>
+        <a:srgbClr val="F79646"/>
+      </a:accent6>
+      <a:hlink>
+        <a:srgbClr val="0000FF"/>
+      </a:hlink>
+      <a:folHlink>
+        <a:srgbClr val="800080"/>
+      </a:folHlink>
+    </a:clrScheme>
+    <a:fontScheme name="Office">
+      <a:majorFont>
+        <a:latin typeface="Arial"/>
+        <a:ea typeface="DejaVu Sans"/>
+        <a:cs typeface="DejaVu Sans"/>
+      </a:majorFont>
+      <a:minorFont>
+        <a:latin typeface="Arial"/>
+        <a:ea typeface="DejaVu Sans"/>
+        <a:cs typeface="DejaVu Sans"/>
+      </a:minorFont>
+    </a:fontScheme>
+    <a:fmtScheme name="Office">
+      <a:fillStyleLst>
+        <a:solidFill>
+          <a:schemeClr val="phClr"/>
+        </a:solidFill>
+        <a:gradFill rotWithShape="1">
+          <a:gsLst>
+            <a:gs pos="0">
+              <a:schemeClr val="phClr">
+                <a:tint val="50000"/>
+                <a:satMod val="300000"/>
+              </a:schemeClr>
+            </a:gs>
+            <a:gs pos="35000">
+              <a:schemeClr val="phClr">
+                <a:tint val="37000"/>
+                <a:satMod val="300000"/>
+              </a:schemeClr>
+            </a:gs>
+            <a:gs pos="100000">
+              <a:schemeClr val="phClr">
+                <a:tint val="15000"/>
+                <a:satMod val="350000"/>
+              </a:schemeClr>
+            </a:gs>
+          </a:gsLst>
+          <a:lin ang="16200000" scaled="1"/>
+        </a:gradFill>
+        <a:gradFill rotWithShape="1">
+          <a:gsLst>
+            <a:gs pos="0">
+              <a:schemeClr val="phClr">
+                <a:shade val="51000"/>
+                <a:satMod val="130000"/>
+              </a:schemeClr>
+            </a:gs>
+            <a:gs pos="80000">
+              <a:schemeClr val="phClr">
+                <a:shade val="93000"/>
+                <a:satMod val="130000"/>
+              </a:schemeClr>
+            </a:gs>
+            <a:gs pos="100000">
+              <a:schemeClr val="phClr">
+                <a:shade val="94000"/>
+                <a:satMod val="135000"/>
+              </a:schemeClr>
+            </a:gs>
+          </a:gsLst>
+          <a:lin ang="16200000" scaled="0"/>
+        </a:gradFill>
+      </a:fillStyleLst>
+      <a:lnStyleLst>
+        <a:ln w="9525" cap="flat" cmpd="sng" algn="ctr">
+          <a:solidFill>
+            <a:schemeClr val="phClr">
+              <a:shade val="95000"/>
+              <a:satMod val="105000"/>
+            </a:schemeClr>
+          </a:solidFill>
+          <a:prstDash val="solid"/>
+        </a:ln>
+        <a:ln w="25400" cap="flat" cmpd="sng" algn="ctr">
+          <a:solidFill>
+            <a:schemeClr val="phClr"/>
+          </a:solidFill>
+          <a:prstDash val="solid"/>
+        </a:ln>
+        <a:ln w="38100" cap="flat" cmpd="sng" algn="ctr">
+          <a:solidFill>
+            <a:schemeClr val="phClr"/>
+          </a:solidFill>
+          <a:prstDash val="solid"/>
+        </a:ln>
+      </a:lnStyleLst>
+      <a:effectStyleLst>
+        <a:effectStyle>
+          <a:effectLst>
+            <a:outerShdw blurRad="40000" dist="20000" dir="5400000" rotWithShape="0">
+              <a:srgbClr val="000000">
+                <a:alpha val="38000"/>
+              </a:srgbClr>
+            </a:outerShdw>
+          </a:effectLst>
+        </a:effectStyle>
+        <a:effectStyle>
+          <a:effectLst>
+            <a:outerShdw blurRad="40000" dist="23000" dir="5400000" rotWithShape="0">
+              <a:srgbClr val="000000">
+                <a:alpha val="35000"/>
+              </a:srgbClr>
+            </a:outerShdw>
+          </a:effectLst>
+        </a:effectStyle>
+        <a:effectStyle>
+          <a:effectLst>
+            <a:outerShdw blurRad="40000" dist="23000" dir="5400000" rotWithShape="0">
+              <a:srgbClr val="000000">
+                <a:alpha val="35000"/>
+              </a:srgbClr>
+            </a:outerShdw>
+          </a:effectLst>
+          <a:scene3d>
+            <a:camera prst="orthographicFront">
+              <a:rot lat="0" lon="0" rev="0"/>
+            </a:camera>
+            <a:lightRig rig="threePt" dir="t">
+              <a:rot lat="0" lon="0" rev="1200000"/>
+            </a:lightRig>
+          </a:scene3d>
+          <a:sp3d>
+            <a:bevelT w="63500" h="25400"/>
+          </a:sp3d>
+        </a:effectStyle>
+      </a:effectStyleLst>
+      <a:bgFillStyleLst>
+        <a:solidFill>
+          <a:schemeClr val="phClr"/>
+        </a:solidFill>
+        <a:gradFill rotWithShape="1">
+          <a:gsLst>
+            <a:gs pos="0">
+              <a:schemeClr val="phClr">
+                <a:tint val="40000"/>
+                <a:satMod val="350000"/>
+              </a:schemeClr>
+            </a:gs>
+            <a:gs pos="40000">
+              <a:schemeClr val="phClr">
+                <a:tint val="45000"/>
+                <a:shade val="99000"/>
+                <a:satMod val="350000"/>
+              </a:schemeClr>
+            </a:gs>
+            <a:gs pos="100000">
+              <a:schemeClr val="phClr">
+                <a:shade val="20000"/>
+                <a:satMod val="255000"/>
+              </a:schemeClr>
+            </a:gs>
+          </a:gsLst>
+          <a:path path="circle">
+            <a:fillToRect l="50000" t="-80000" r="50000" b="180000"/>
+          </a:path>
+        </a:gradFill>
+        <a:gradFill rotWithShape="1">
+          <a:gsLst>
+            <a:gs pos="0">
+              <a:schemeClr val="phClr">
+                <a:tint val="80000"/>
+                <a:satMod val="300000"/>
+              </a:schemeClr>
+            </a:gs>
+            <a:gs pos="100000">
+              <a:schemeClr val="phClr">
+                <a:shade val="30000"/>
+                <a:satMod val="200000"/>
+              </a:schemeClr>
+            </a:gs>
+          </a:gsLst>
+          <a:path path="circle">
+            <a:fillToRect l="50000" t="50000" r="50000" b="50000"/>
+          </a:path>
+        </a:gradFill>
+      </a:bgFillStyleLst>
+    </a:fmtScheme>
+  </a:themeElements>
+</a:theme>
 </file>